--- a/SPRING_SECURITY/doc/Spring Security.pptx
+++ b/SPRING_SECURITY/doc/Spring Security.pptx
@@ -2,7 +2,7 @@
 <file path=ppt/presentation.xml><?xml version="1.0" encoding="utf-8"?>
 <p:presentation xmlns:a="http://schemas.openxmlformats.org/drawingml/2006/main" xmlns:r="http://schemas.openxmlformats.org/officeDocument/2006/relationships" xmlns:p="http://schemas.openxmlformats.org/presentationml/2006/main" saveSubsetFonts="1">
   <p:sldMasterIdLst>
-    <p:sldMasterId id="2147483660" r:id="rId1"/>
+    <p:sldMasterId id="2147483901" r:id="rId1"/>
   </p:sldMasterIdLst>
   <p:sldIdLst>
     <p:sldId id="256" r:id="rId2"/>
@@ -110,6 +110,22 @@
       </a:defRPr>
     </a:lvl9pPr>
   </p:defaultTextStyle>
+  <p:extLst>
+    <p:ext uri="{EFAFB233-063F-42B5-8137-9DF3F51BA10A}">
+      <p15:sldGuideLst xmlns:p15="http://schemas.microsoft.com/office/powerpoint/2012/main">
+        <p15:guide id="1" orient="horz" pos="2160">
+          <p15:clr>
+            <a:srgbClr val="A4A3A4"/>
+          </p15:clr>
+        </p15:guide>
+        <p15:guide id="2" pos="2880">
+          <p15:clr>
+            <a:srgbClr val="A4A3A4"/>
+          </p15:clr>
+        </p15:guide>
+      </p15:sldGuideLst>
+    </p:ext>
+  </p:extLst>
 </p:presentation>
 </file>
 
@@ -130,9 +146,611 @@
           <a:chExt cx="0" cy="0"/>
         </a:xfrm>
       </p:grpSpPr>
-      <p:sp>
-        <p:nvSpPr>
-          <p:cNvPr id="8" name="Title 7"/>
+      <p:grpSp>
+        <p:nvGrpSpPr>
+          <p:cNvPr id="7" name="Group 6"/>
+          <p:cNvGrpSpPr/>
+          <p:nvPr/>
+        </p:nvGrpSpPr>
+        <p:grpSpPr>
+          <a:xfrm>
+            <a:off x="-8466" y="-8468"/>
+            <a:ext cx="9169804" cy="6874935"/>
+            <a:chOff x="-8466" y="-8468"/>
+            <a:chExt cx="9169804" cy="6874935"/>
+          </a:xfrm>
+        </p:grpSpPr>
+        <p:cxnSp>
+          <p:nvCxnSpPr>
+            <p:cNvPr id="17" name="Straight Connector 16"/>
+            <p:cNvCxnSpPr/>
+            <p:nvPr/>
+          </p:nvCxnSpPr>
+          <p:spPr>
+            <a:xfrm flipV="1">
+              <a:off x="5130830" y="4175605"/>
+              <a:ext cx="4022475" cy="2682396"/>
+            </a:xfrm>
+            <a:prstGeom prst="line">
+              <a:avLst/>
+            </a:prstGeom>
+            <a:ln w="9525">
+              <a:solidFill>
+                <a:schemeClr val="bg1">
+                  <a:lumMod val="85000"/>
+                </a:schemeClr>
+              </a:solidFill>
+            </a:ln>
+          </p:spPr>
+          <p:style>
+            <a:lnRef idx="2">
+              <a:schemeClr val="accent1"/>
+            </a:lnRef>
+            <a:fillRef idx="0">
+              <a:schemeClr val="accent1"/>
+            </a:fillRef>
+            <a:effectRef idx="1">
+              <a:schemeClr val="accent1"/>
+            </a:effectRef>
+            <a:fontRef idx="minor">
+              <a:schemeClr val="tx1"/>
+            </a:fontRef>
+          </p:style>
+        </p:cxnSp>
+        <p:cxnSp>
+          <p:nvCxnSpPr>
+            <p:cNvPr id="18" name="Straight Connector 17"/>
+            <p:cNvCxnSpPr/>
+            <p:nvPr/>
+          </p:nvCxnSpPr>
+          <p:spPr>
+            <a:xfrm>
+              <a:off x="7042707" y="0"/>
+              <a:ext cx="1219200" cy="6858000"/>
+            </a:xfrm>
+            <a:prstGeom prst="line">
+              <a:avLst/>
+            </a:prstGeom>
+            <a:ln w="9525">
+              <a:solidFill>
+                <a:schemeClr val="bg1">
+                  <a:lumMod val="75000"/>
+                </a:schemeClr>
+              </a:solidFill>
+            </a:ln>
+          </p:spPr>
+          <p:style>
+            <a:lnRef idx="2">
+              <a:schemeClr val="accent1"/>
+            </a:lnRef>
+            <a:fillRef idx="0">
+              <a:schemeClr val="accent1"/>
+            </a:fillRef>
+            <a:effectRef idx="1">
+              <a:schemeClr val="accent1"/>
+            </a:effectRef>
+            <a:fontRef idx="minor">
+              <a:schemeClr val="tx1"/>
+            </a:fontRef>
+          </p:style>
+        </p:cxnSp>
+        <p:sp>
+          <p:nvSpPr>
+            <p:cNvPr id="19" name="Freeform 18"/>
+            <p:cNvSpPr/>
+            <p:nvPr/>
+          </p:nvSpPr>
+          <p:spPr>
+            <a:xfrm>
+              <a:off x="6891896" y="1"/>
+              <a:ext cx="2269442" cy="6866466"/>
+            </a:xfrm>
+            <a:custGeom>
+              <a:avLst/>
+              <a:gdLst/>
+              <a:ahLst/>
+              <a:cxnLst/>
+              <a:rect l="l" t="t" r="r" b="b"/>
+              <a:pathLst>
+                <a:path w="2269442" h="6866466">
+                  <a:moveTo>
+                    <a:pt x="2023534" y="0"/>
+                  </a:moveTo>
+                  <a:lnTo>
+                    <a:pt x="0" y="6858000"/>
+                  </a:lnTo>
+                  <a:lnTo>
+                    <a:pt x="2269067" y="6866466"/>
+                  </a:lnTo>
+                  <a:cubicBezTo>
+                    <a:pt x="2271889" y="4580466"/>
+                    <a:pt x="2257778" y="2294466"/>
+                    <a:pt x="2260600" y="8466"/>
+                  </a:cubicBezTo>
+                  <a:lnTo>
+                    <a:pt x="2023534" y="0"/>
+                  </a:lnTo>
+                  <a:close/>
+                </a:path>
+              </a:pathLst>
+            </a:custGeom>
+            <a:solidFill>
+              <a:schemeClr val="accent1">
+                <a:alpha val="30000"/>
+              </a:schemeClr>
+            </a:solidFill>
+            <a:ln>
+              <a:noFill/>
+            </a:ln>
+            <a:effectLst/>
+          </p:spPr>
+          <p:style>
+            <a:lnRef idx="1">
+              <a:schemeClr val="accent1"/>
+            </a:lnRef>
+            <a:fillRef idx="3">
+              <a:schemeClr val="accent1"/>
+            </a:fillRef>
+            <a:effectRef idx="2">
+              <a:schemeClr val="accent1"/>
+            </a:effectRef>
+            <a:fontRef idx="minor">
+              <a:schemeClr val="lt1"/>
+            </a:fontRef>
+          </p:style>
+        </p:sp>
+        <p:sp>
+          <p:nvSpPr>
+            <p:cNvPr id="20" name="Freeform 19"/>
+            <p:cNvSpPr/>
+            <p:nvPr/>
+          </p:nvSpPr>
+          <p:spPr>
+            <a:xfrm>
+              <a:off x="7205158" y="-8467"/>
+              <a:ext cx="1948147" cy="6866467"/>
+            </a:xfrm>
+            <a:custGeom>
+              <a:avLst/>
+              <a:gdLst/>
+              <a:ahLst/>
+              <a:cxnLst/>
+              <a:rect l="l" t="t" r="r" b="b"/>
+              <a:pathLst>
+                <a:path w="1948147" h="6866467">
+                  <a:moveTo>
+                    <a:pt x="0" y="0"/>
+                  </a:moveTo>
+                  <a:lnTo>
+                    <a:pt x="1202267" y="6866467"/>
+                  </a:lnTo>
+                  <a:lnTo>
+                    <a:pt x="1947333" y="6866467"/>
+                  </a:lnTo>
+                  <a:cubicBezTo>
+                    <a:pt x="1944511" y="4577645"/>
+                    <a:pt x="1950155" y="2288822"/>
+                    <a:pt x="1947333" y="0"/>
+                  </a:cubicBezTo>
+                  <a:lnTo>
+                    <a:pt x="0" y="0"/>
+                  </a:lnTo>
+                  <a:close/>
+                </a:path>
+              </a:pathLst>
+            </a:custGeom>
+            <a:solidFill>
+              <a:schemeClr val="accent1">
+                <a:alpha val="20000"/>
+              </a:schemeClr>
+            </a:solidFill>
+            <a:ln>
+              <a:noFill/>
+            </a:ln>
+            <a:effectLst/>
+          </p:spPr>
+          <p:style>
+            <a:lnRef idx="1">
+              <a:schemeClr val="accent1"/>
+            </a:lnRef>
+            <a:fillRef idx="3">
+              <a:schemeClr val="accent1"/>
+            </a:fillRef>
+            <a:effectRef idx="2">
+              <a:schemeClr val="accent1"/>
+            </a:effectRef>
+            <a:fontRef idx="minor">
+              <a:schemeClr val="lt1"/>
+            </a:fontRef>
+          </p:style>
+        </p:sp>
+        <p:sp>
+          <p:nvSpPr>
+            <p:cNvPr id="21" name="Freeform 20"/>
+            <p:cNvSpPr/>
+            <p:nvPr/>
+          </p:nvSpPr>
+          <p:spPr>
+            <a:xfrm>
+              <a:off x="6637896" y="3920066"/>
+              <a:ext cx="2513565" cy="2937933"/>
+            </a:xfrm>
+            <a:custGeom>
+              <a:avLst/>
+              <a:gdLst/>
+              <a:ahLst/>
+              <a:cxnLst/>
+              <a:rect l="l" t="t" r="r" b="b"/>
+              <a:pathLst>
+                <a:path w="3259667" h="3810000">
+                  <a:moveTo>
+                    <a:pt x="0" y="3810000"/>
+                  </a:moveTo>
+                  <a:lnTo>
+                    <a:pt x="3251200" y="0"/>
+                  </a:lnTo>
+                  <a:cubicBezTo>
+                    <a:pt x="3254022" y="1270000"/>
+                    <a:pt x="3256845" y="2540000"/>
+                    <a:pt x="3259667" y="3810000"/>
+                  </a:cubicBezTo>
+                  <a:lnTo>
+                    <a:pt x="0" y="3810000"/>
+                  </a:lnTo>
+                  <a:close/>
+                </a:path>
+              </a:pathLst>
+            </a:custGeom>
+            <a:solidFill>
+              <a:schemeClr val="accent2">
+                <a:alpha val="72000"/>
+              </a:schemeClr>
+            </a:solidFill>
+            <a:ln>
+              <a:noFill/>
+            </a:ln>
+            <a:effectLst/>
+          </p:spPr>
+          <p:style>
+            <a:lnRef idx="1">
+              <a:schemeClr val="accent1"/>
+            </a:lnRef>
+            <a:fillRef idx="3">
+              <a:schemeClr val="accent1"/>
+            </a:fillRef>
+            <a:effectRef idx="2">
+              <a:schemeClr val="accent1"/>
+            </a:effectRef>
+            <a:fontRef idx="minor">
+              <a:schemeClr val="lt1"/>
+            </a:fontRef>
+          </p:style>
+        </p:sp>
+        <p:sp>
+          <p:nvSpPr>
+            <p:cNvPr id="22" name="Freeform 21"/>
+            <p:cNvSpPr/>
+            <p:nvPr/>
+          </p:nvSpPr>
+          <p:spPr>
+            <a:xfrm>
+              <a:off x="7010429" y="-8467"/>
+              <a:ext cx="2142876" cy="6866467"/>
+            </a:xfrm>
+            <a:custGeom>
+              <a:avLst/>
+              <a:gdLst/>
+              <a:ahLst/>
+              <a:cxnLst/>
+              <a:rect l="l" t="t" r="r" b="b"/>
+              <a:pathLst>
+                <a:path w="2853267" h="6866467">
+                  <a:moveTo>
+                    <a:pt x="0" y="0"/>
+                  </a:moveTo>
+                  <a:lnTo>
+                    <a:pt x="2472267" y="6866467"/>
+                  </a:lnTo>
+                  <a:lnTo>
+                    <a:pt x="2853267" y="6858000"/>
+                  </a:lnTo>
+                  <a:lnTo>
+                    <a:pt x="2853267" y="0"/>
+                  </a:lnTo>
+                  <a:lnTo>
+                    <a:pt x="0" y="0"/>
+                  </a:lnTo>
+                  <a:close/>
+                </a:path>
+              </a:pathLst>
+            </a:custGeom>
+            <a:solidFill>
+              <a:schemeClr val="accent2">
+                <a:lumMod val="75000"/>
+                <a:alpha val="70000"/>
+              </a:schemeClr>
+            </a:solidFill>
+            <a:ln>
+              <a:noFill/>
+            </a:ln>
+            <a:effectLst/>
+          </p:spPr>
+          <p:style>
+            <a:lnRef idx="1">
+              <a:schemeClr val="accent1"/>
+            </a:lnRef>
+            <a:fillRef idx="3">
+              <a:schemeClr val="accent1"/>
+            </a:fillRef>
+            <a:effectRef idx="2">
+              <a:schemeClr val="accent1"/>
+            </a:effectRef>
+            <a:fontRef idx="minor">
+              <a:schemeClr val="lt1"/>
+            </a:fontRef>
+          </p:style>
+        </p:sp>
+        <p:sp>
+          <p:nvSpPr>
+            <p:cNvPr id="23" name="Freeform 22"/>
+            <p:cNvSpPr/>
+            <p:nvPr/>
+          </p:nvSpPr>
+          <p:spPr>
+            <a:xfrm>
+              <a:off x="8295776" y="-8467"/>
+              <a:ext cx="857530" cy="6866467"/>
+            </a:xfrm>
+            <a:custGeom>
+              <a:avLst/>
+              <a:gdLst/>
+              <a:ahLst/>
+              <a:cxnLst/>
+              <a:rect l="l" t="t" r="r" b="b"/>
+              <a:pathLst>
+                <a:path w="1286933" h="6866467">
+                  <a:moveTo>
+                    <a:pt x="1016000" y="0"/>
+                  </a:moveTo>
+                  <a:lnTo>
+                    <a:pt x="0" y="6866467"/>
+                  </a:lnTo>
+                  <a:lnTo>
+                    <a:pt x="1286933" y="6866467"/>
+                  </a:lnTo>
+                  <a:cubicBezTo>
+                    <a:pt x="1284111" y="4577645"/>
+                    <a:pt x="1281288" y="2288822"/>
+                    <a:pt x="1278466" y="0"/>
+                  </a:cubicBezTo>
+                  <a:lnTo>
+                    <a:pt x="1016000" y="0"/>
+                  </a:lnTo>
+                  <a:close/>
+                </a:path>
+              </a:pathLst>
+            </a:custGeom>
+            <a:solidFill>
+              <a:schemeClr val="accent1">
+                <a:lumMod val="60000"/>
+                <a:lumOff val="40000"/>
+                <a:alpha val="70000"/>
+              </a:schemeClr>
+            </a:solidFill>
+            <a:ln>
+              <a:noFill/>
+            </a:ln>
+            <a:effectLst/>
+          </p:spPr>
+          <p:style>
+            <a:lnRef idx="1">
+              <a:schemeClr val="accent1"/>
+            </a:lnRef>
+            <a:fillRef idx="3">
+              <a:schemeClr val="accent1"/>
+            </a:fillRef>
+            <a:effectRef idx="2">
+              <a:schemeClr val="accent1"/>
+            </a:effectRef>
+            <a:fontRef idx="minor">
+              <a:schemeClr val="lt1"/>
+            </a:fontRef>
+          </p:style>
+        </p:sp>
+        <p:sp>
+          <p:nvSpPr>
+            <p:cNvPr id="24" name="Freeform 23"/>
+            <p:cNvSpPr/>
+            <p:nvPr/>
+          </p:nvSpPr>
+          <p:spPr>
+            <a:xfrm>
+              <a:off x="8077231" y="-8468"/>
+              <a:ext cx="1066770" cy="6866467"/>
+            </a:xfrm>
+            <a:custGeom>
+              <a:avLst/>
+              <a:gdLst/>
+              <a:ahLst/>
+              <a:cxnLst/>
+              <a:rect l="l" t="t" r="r" b="b"/>
+              <a:pathLst>
+                <a:path w="1270244" h="6866467">
+                  <a:moveTo>
+                    <a:pt x="0" y="0"/>
+                  </a:moveTo>
+                  <a:lnTo>
+                    <a:pt x="1117600" y="6866467"/>
+                  </a:lnTo>
+                  <a:lnTo>
+                    <a:pt x="1270000" y="6866467"/>
+                  </a:lnTo>
+                  <a:cubicBezTo>
+                    <a:pt x="1272822" y="4574822"/>
+                    <a:pt x="1250245" y="2291645"/>
+                    <a:pt x="1253067" y="0"/>
+                  </a:cubicBezTo>
+                  <a:lnTo>
+                    <a:pt x="0" y="0"/>
+                  </a:lnTo>
+                  <a:close/>
+                </a:path>
+              </a:pathLst>
+            </a:custGeom>
+            <a:solidFill>
+              <a:schemeClr val="accent1">
+                <a:alpha val="65000"/>
+              </a:schemeClr>
+            </a:solidFill>
+            <a:ln>
+              <a:noFill/>
+            </a:ln>
+            <a:effectLst/>
+          </p:spPr>
+          <p:style>
+            <a:lnRef idx="1">
+              <a:schemeClr val="accent1"/>
+            </a:lnRef>
+            <a:fillRef idx="3">
+              <a:schemeClr val="accent1"/>
+            </a:fillRef>
+            <a:effectRef idx="2">
+              <a:schemeClr val="accent1"/>
+            </a:effectRef>
+            <a:fontRef idx="minor">
+              <a:schemeClr val="lt1"/>
+            </a:fontRef>
+          </p:style>
+        </p:sp>
+        <p:sp>
+          <p:nvSpPr>
+            <p:cNvPr id="25" name="Freeform 24"/>
+            <p:cNvSpPr/>
+            <p:nvPr/>
+          </p:nvSpPr>
+          <p:spPr>
+            <a:xfrm>
+              <a:off x="8060297" y="4893733"/>
+              <a:ext cx="1094086" cy="1964267"/>
+            </a:xfrm>
+            <a:custGeom>
+              <a:avLst/>
+              <a:gdLst/>
+              <a:ahLst/>
+              <a:cxnLst/>
+              <a:rect l="l" t="t" r="r" b="b"/>
+              <a:pathLst>
+                <a:path w="1820333" h="3268133">
+                  <a:moveTo>
+                    <a:pt x="0" y="3268133"/>
+                  </a:moveTo>
+                  <a:lnTo>
+                    <a:pt x="1811866" y="0"/>
+                  </a:lnTo>
+                  <a:cubicBezTo>
+                    <a:pt x="1814688" y="1086555"/>
+                    <a:pt x="1817511" y="2173111"/>
+                    <a:pt x="1820333" y="3259666"/>
+                  </a:cubicBezTo>
+                  <a:lnTo>
+                    <a:pt x="0" y="3268133"/>
+                  </a:lnTo>
+                  <a:close/>
+                </a:path>
+              </a:pathLst>
+            </a:custGeom>
+            <a:solidFill>
+              <a:schemeClr val="accent1">
+                <a:alpha val="80000"/>
+              </a:schemeClr>
+            </a:solidFill>
+            <a:ln>
+              <a:noFill/>
+            </a:ln>
+            <a:effectLst/>
+          </p:spPr>
+          <p:style>
+            <a:lnRef idx="1">
+              <a:schemeClr val="accent1"/>
+            </a:lnRef>
+            <a:fillRef idx="3">
+              <a:schemeClr val="accent1"/>
+            </a:fillRef>
+            <a:effectRef idx="2">
+              <a:schemeClr val="accent1"/>
+            </a:effectRef>
+            <a:fontRef idx="minor">
+              <a:schemeClr val="lt1"/>
+            </a:fontRef>
+          </p:style>
+        </p:sp>
+        <p:sp>
+          <p:nvSpPr>
+            <p:cNvPr id="28" name="Freeform 27"/>
+            <p:cNvSpPr/>
+            <p:nvPr/>
+          </p:nvSpPr>
+          <p:spPr>
+            <a:xfrm>
+              <a:off x="-8466" y="-8468"/>
+              <a:ext cx="863600" cy="5698067"/>
+            </a:xfrm>
+            <a:custGeom>
+              <a:avLst/>
+              <a:gdLst/>
+              <a:ahLst/>
+              <a:cxnLst/>
+              <a:rect l="l" t="t" r="r" b="b"/>
+              <a:pathLst>
+                <a:path w="863600" h="5698067">
+                  <a:moveTo>
+                    <a:pt x="0" y="8467"/>
+                  </a:moveTo>
+                  <a:lnTo>
+                    <a:pt x="863600" y="0"/>
+                  </a:lnTo>
+                  <a:lnTo>
+                    <a:pt x="863600" y="16934"/>
+                  </a:lnTo>
+                  <a:lnTo>
+                    <a:pt x="0" y="5698067"/>
+                  </a:lnTo>
+                  <a:lnTo>
+                    <a:pt x="0" y="8467"/>
+                  </a:lnTo>
+                  <a:close/>
+                </a:path>
+              </a:pathLst>
+            </a:custGeom>
+            <a:solidFill>
+              <a:schemeClr val="accent1">
+                <a:alpha val="85000"/>
+              </a:schemeClr>
+            </a:solidFill>
+            <a:ln>
+              <a:noFill/>
+            </a:ln>
+            <a:effectLst/>
+          </p:spPr>
+          <p:style>
+            <a:lnRef idx="1">
+              <a:schemeClr val="accent1"/>
+            </a:lnRef>
+            <a:fillRef idx="3">
+              <a:schemeClr val="accent1"/>
+            </a:fillRef>
+            <a:effectRef idx="2">
+              <a:schemeClr val="accent1"/>
+            </a:effectRef>
+            <a:fontRef idx="minor">
+              <a:schemeClr val="lt1"/>
+            </a:fontRef>
+          </p:style>
+        </p:sp>
+      </p:grpSp>
+      <p:sp>
+        <p:nvSpPr>
+          <p:cNvPr id="2" name="Title 1"/>
           <p:cNvSpPr>
             <a:spLocks noGrp="1"/>
           </p:cNvSpPr>
@@ -142,139 +760,35 @@
         </p:nvSpPr>
         <p:spPr>
           <a:xfrm>
-            <a:off x="422030" y="1371600"/>
-            <a:ext cx="8229600" cy="1828800"/>
+            <a:off x="1130595" y="2404534"/>
+            <a:ext cx="5826719" cy="1646302"/>
           </a:xfrm>
         </p:spPr>
         <p:txBody>
-          <a:bodyPr vert="horz" lIns="45720" tIns="0" rIns="45720" bIns="0" anchor="b">
-            <a:normAutofit/>
-            <a:scene3d>
-              <a:camera prst="orthographicFront"/>
-              <a:lightRig rig="soft" dir="t">
-                <a:rot lat="0" lon="0" rev="17220000"/>
-              </a:lightRig>
-            </a:scene3d>
-            <a:sp3d prstMaterial="softEdge">
-              <a:bevelT w="38100" h="38100"/>
-            </a:sp3d>
+          <a:bodyPr anchor="b">
+            <a:noAutofit/>
           </a:bodyPr>
           <a:lstStyle>
-            <a:lvl1pPr>
-              <a:defRPr sz="4800" b="1" cap="all" baseline="0">
-                <a:ln w="6350">
-                  <a:noFill/>
-                </a:ln>
-                <a:gradFill>
-                  <a:gsLst>
-                    <a:gs pos="0">
-                      <a:schemeClr val="accent1">
-                        <a:tint val="73000"/>
-                        <a:satMod val="145000"/>
-                      </a:schemeClr>
-                    </a:gs>
-                    <a:gs pos="73000">
-                      <a:schemeClr val="accent1">
-                        <a:tint val="73000"/>
-                        <a:satMod val="145000"/>
-                      </a:schemeClr>
-                    </a:gs>
-                    <a:gs pos="100000">
-                      <a:schemeClr val="accent1">
-                        <a:tint val="83000"/>
-                        <a:satMod val="143000"/>
-                      </a:schemeClr>
-                    </a:gs>
-                  </a:gsLst>
-                  <a:lin ang="4800000" scaled="1"/>
-                </a:gradFill>
-                <a:effectLst>
-                  <a:outerShdw blurRad="127000" dist="200000" dir="2700000" algn="tl" rotWithShape="0">
-                    <a:srgbClr val="000000">
-                      <a:alpha val="30000"/>
-                    </a:srgbClr>
-                  </a:outerShdw>
-                </a:effectLst>
+            <a:lvl1pPr algn="r">
+              <a:defRPr sz="5400">
+                <a:solidFill>
+                  <a:schemeClr val="accent1"/>
+                </a:solidFill>
               </a:defRPr>
             </a:lvl1pPr>
           </a:lstStyle>
           <a:p>
             <a:r>
-              <a:rPr kumimoji="0" lang="en-US" smtClean="0"/>
+              <a:rPr lang="en-US" smtClean="0"/>
               <a:t>Click to edit Master title style</a:t>
             </a:r>
-            <a:endParaRPr kumimoji="0" lang="en-US"/>
-          </a:p>
-        </p:txBody>
-      </p:sp>
-      <p:sp>
-        <p:nvSpPr>
-          <p:cNvPr id="28" name="Date Placeholder 27"/>
-          <p:cNvSpPr>
-            <a:spLocks noGrp="1"/>
-          </p:cNvSpPr>
-          <p:nvPr>
-            <p:ph type="dt" sz="half" idx="10"/>
-          </p:nvPr>
-        </p:nvSpPr>
-        <p:spPr/>
-        <p:txBody>
-          <a:bodyPr/>
-          <a:lstStyle/>
-          <a:p>
-            <a:fld id="{A682F2D7-7C85-4C31-A14E-26546F6D7771}" type="datetimeFigureOut">
-              <a:rPr lang="en-US" smtClean="0"/>
-              <a:t>6/8/2015</a:t>
-            </a:fld>
-            <a:endParaRPr lang="en-US"/>
-          </a:p>
-        </p:txBody>
-      </p:sp>
-      <p:sp>
-        <p:nvSpPr>
-          <p:cNvPr id="17" name="Footer Placeholder 16"/>
-          <p:cNvSpPr>
-            <a:spLocks noGrp="1"/>
-          </p:cNvSpPr>
-          <p:nvPr>
-            <p:ph type="ftr" sz="quarter" idx="11"/>
-          </p:nvPr>
-        </p:nvSpPr>
-        <p:spPr/>
-        <p:txBody>
-          <a:bodyPr/>
-          <a:lstStyle/>
-          <a:p>
-            <a:endParaRPr lang="en-US"/>
-          </a:p>
-        </p:txBody>
-      </p:sp>
-      <p:sp>
-        <p:nvSpPr>
-          <p:cNvPr id="29" name="Slide Number Placeholder 28"/>
-          <p:cNvSpPr>
-            <a:spLocks noGrp="1"/>
-          </p:cNvSpPr>
-          <p:nvPr>
-            <p:ph type="sldNum" sz="quarter" idx="12"/>
-          </p:nvPr>
-        </p:nvSpPr>
-        <p:spPr/>
-        <p:txBody>
-          <a:bodyPr/>
-          <a:lstStyle/>
-          <a:p>
-            <a:fld id="{E2C5416D-CA6F-4F3E-90C3-279D84750EC1}" type="slidenum">
-              <a:rPr lang="en-US" smtClean="0"/>
-              <a:t>‹#›</a:t>
-            </a:fld>
-            <a:endParaRPr lang="en-US"/>
-          </a:p>
-        </p:txBody>
-      </p:sp>
-      <p:sp>
-        <p:nvSpPr>
-          <p:cNvPr id="9" name="Subtitle 8"/>
+            <a:endParaRPr lang="en-US" dirty="0"/>
+          </a:p>
+        </p:txBody>
+      </p:sp>
+      <p:sp>
+        <p:nvSpPr>
+          <p:cNvPr id="3" name="Subtitle 2"/>
           <p:cNvSpPr>
             <a:spLocks noGrp="1"/>
           </p:cNvSpPr>
@@ -284,56 +798,185 @@
         </p:nvSpPr>
         <p:spPr>
           <a:xfrm>
-            <a:off x="1371600" y="3331698"/>
-            <a:ext cx="6400800" cy="1752600"/>
+            <a:off x="1130595" y="4050834"/>
+            <a:ext cx="5826719" cy="1096899"/>
           </a:xfrm>
         </p:spPr>
         <p:txBody>
-          <a:bodyPr/>
+          <a:bodyPr anchor="t"/>
           <a:lstStyle>
-            <a:lvl1pPr marL="0" indent="0" algn="ctr">
+            <a:lvl1pPr marL="0" indent="0" algn="r">
               <a:buNone/>
               <a:defRPr>
                 <a:solidFill>
-                  <a:schemeClr val="tx1"/>
+                  <a:schemeClr val="tx1">
+                    <a:lumMod val="50000"/>
+                    <a:lumOff val="50000"/>
+                  </a:schemeClr>
                 </a:solidFill>
               </a:defRPr>
             </a:lvl1pPr>
             <a:lvl2pPr marL="457200" indent="0" algn="ctr">
               <a:buNone/>
+              <a:defRPr>
+                <a:solidFill>
+                  <a:schemeClr val="tx1">
+                    <a:tint val="75000"/>
+                  </a:schemeClr>
+                </a:solidFill>
+              </a:defRPr>
             </a:lvl2pPr>
             <a:lvl3pPr marL="914400" indent="0" algn="ctr">
               <a:buNone/>
+              <a:defRPr>
+                <a:solidFill>
+                  <a:schemeClr val="tx1">
+                    <a:tint val="75000"/>
+                  </a:schemeClr>
+                </a:solidFill>
+              </a:defRPr>
             </a:lvl3pPr>
             <a:lvl4pPr marL="1371600" indent="0" algn="ctr">
               <a:buNone/>
+              <a:defRPr>
+                <a:solidFill>
+                  <a:schemeClr val="tx1">
+                    <a:tint val="75000"/>
+                  </a:schemeClr>
+                </a:solidFill>
+              </a:defRPr>
             </a:lvl4pPr>
             <a:lvl5pPr marL="1828800" indent="0" algn="ctr">
               <a:buNone/>
+              <a:defRPr>
+                <a:solidFill>
+                  <a:schemeClr val="tx1">
+                    <a:tint val="75000"/>
+                  </a:schemeClr>
+                </a:solidFill>
+              </a:defRPr>
             </a:lvl5pPr>
             <a:lvl6pPr marL="2286000" indent="0" algn="ctr">
               <a:buNone/>
+              <a:defRPr>
+                <a:solidFill>
+                  <a:schemeClr val="tx1">
+                    <a:tint val="75000"/>
+                  </a:schemeClr>
+                </a:solidFill>
+              </a:defRPr>
             </a:lvl6pPr>
             <a:lvl7pPr marL="2743200" indent="0" algn="ctr">
               <a:buNone/>
+              <a:defRPr>
+                <a:solidFill>
+                  <a:schemeClr val="tx1">
+                    <a:tint val="75000"/>
+                  </a:schemeClr>
+                </a:solidFill>
+              </a:defRPr>
             </a:lvl7pPr>
             <a:lvl8pPr marL="3200400" indent="0" algn="ctr">
               <a:buNone/>
+              <a:defRPr>
+                <a:solidFill>
+                  <a:schemeClr val="tx1">
+                    <a:tint val="75000"/>
+                  </a:schemeClr>
+                </a:solidFill>
+              </a:defRPr>
             </a:lvl8pPr>
             <a:lvl9pPr marL="3657600" indent="0" algn="ctr">
               <a:buNone/>
+              <a:defRPr>
+                <a:solidFill>
+                  <a:schemeClr val="tx1">
+                    <a:tint val="75000"/>
+                  </a:schemeClr>
+                </a:solidFill>
+              </a:defRPr>
             </a:lvl9pPr>
           </a:lstStyle>
           <a:p>
             <a:r>
-              <a:rPr kumimoji="0" lang="en-US" smtClean="0"/>
+              <a:rPr lang="en-US" smtClean="0"/>
               <a:t>Click to edit Master subtitle style</a:t>
             </a:r>
-            <a:endParaRPr kumimoji="0" lang="en-US"/>
+            <a:endParaRPr lang="en-US" dirty="0"/>
+          </a:p>
+        </p:txBody>
+      </p:sp>
+      <p:sp>
+        <p:nvSpPr>
+          <p:cNvPr id="4" name="Date Placeholder 3"/>
+          <p:cNvSpPr>
+            <a:spLocks noGrp="1"/>
+          </p:cNvSpPr>
+          <p:nvPr>
+            <p:ph type="dt" sz="half" idx="10"/>
+          </p:nvPr>
+        </p:nvSpPr>
+        <p:spPr/>
+        <p:txBody>
+          <a:bodyPr/>
+          <a:lstStyle/>
+          <a:p>
+            <a:fld id="{A682F2D7-7C85-4C31-A14E-26546F6D7771}" type="datetimeFigureOut">
+              <a:rPr lang="en-US" smtClean="0"/>
+              <a:t>6/8/2015</a:t>
+            </a:fld>
+            <a:endParaRPr lang="en-US" dirty="0"/>
+          </a:p>
+        </p:txBody>
+      </p:sp>
+      <p:sp>
+        <p:nvSpPr>
+          <p:cNvPr id="5" name="Footer Placeholder 4"/>
+          <p:cNvSpPr>
+            <a:spLocks noGrp="1"/>
+          </p:cNvSpPr>
+          <p:nvPr>
+            <p:ph type="ftr" sz="quarter" idx="11"/>
+          </p:nvPr>
+        </p:nvSpPr>
+        <p:spPr/>
+        <p:txBody>
+          <a:bodyPr/>
+          <a:lstStyle/>
+          <a:p>
+            <a:endParaRPr lang="en-US" dirty="0"/>
+          </a:p>
+        </p:txBody>
+      </p:sp>
+      <p:sp>
+        <p:nvSpPr>
+          <p:cNvPr id="6" name="Slide Number Placeholder 5"/>
+          <p:cNvSpPr>
+            <a:spLocks noGrp="1"/>
+          </p:cNvSpPr>
+          <p:nvPr>
+            <p:ph type="sldNum" sz="quarter" idx="12"/>
+          </p:nvPr>
+        </p:nvSpPr>
+        <p:spPr/>
+        <p:txBody>
+          <a:bodyPr/>
+          <a:lstStyle/>
+          <a:p>
+            <a:fld id="{E2C5416D-CA6F-4F3E-90C3-279D84750EC1}" type="slidenum">
+              <a:rPr lang="en-US" smtClean="0"/>
+              <a:t>‹#›</a:t>
+            </a:fld>
+            <a:endParaRPr lang="en-US" dirty="0"/>
           </a:p>
         </p:txBody>
       </p:sp>
     </p:spTree>
+    <p:extLst>
+      <p:ext uri="{BB962C8B-B14F-4D97-AF65-F5344CB8AC3E}">
+        <p14:creationId xmlns:p14="http://schemas.microsoft.com/office/powerpoint/2010/main" val="3679454466"/>
+      </p:ext>
+    </p:extLst>
   </p:cSld>
   <p:clrMapOvr>
     <a:masterClrMapping/>
@@ -342,6 +985,1611 @@
 </file>
 
 <file path=ppt/slideLayouts/slideLayout10.xml><?xml version="1.0" encoding="utf-8"?>
+<p:sldLayout xmlns:a="http://schemas.openxmlformats.org/drawingml/2006/main" xmlns:r="http://schemas.openxmlformats.org/officeDocument/2006/relationships" xmlns:p="http://schemas.openxmlformats.org/presentationml/2006/main" preserve="1">
+  <p:cSld name="Title and Caption">
+    <p:spTree>
+      <p:nvGrpSpPr>
+        <p:cNvPr id="1" name=""/>
+        <p:cNvGrpSpPr/>
+        <p:nvPr/>
+      </p:nvGrpSpPr>
+      <p:grpSpPr>
+        <a:xfrm>
+          <a:off x="0" y="0"/>
+          <a:ext cx="0" cy="0"/>
+          <a:chOff x="0" y="0"/>
+          <a:chExt cx="0" cy="0"/>
+        </a:xfrm>
+      </p:grpSpPr>
+      <p:sp>
+        <p:nvSpPr>
+          <p:cNvPr id="2" name="Title 1"/>
+          <p:cNvSpPr>
+            <a:spLocks noGrp="1"/>
+          </p:cNvSpPr>
+          <p:nvPr>
+            <p:ph type="title"/>
+          </p:nvPr>
+        </p:nvSpPr>
+        <p:spPr>
+          <a:xfrm>
+            <a:off x="609600" y="609600"/>
+            <a:ext cx="6347714" cy="3403600"/>
+          </a:xfrm>
+        </p:spPr>
+        <p:txBody>
+          <a:bodyPr anchor="ctr">
+            <a:normAutofit/>
+          </a:bodyPr>
+          <a:lstStyle>
+            <a:lvl1pPr algn="l">
+              <a:defRPr sz="4400" b="0" cap="none"/>
+            </a:lvl1pPr>
+          </a:lstStyle>
+          <a:p>
+            <a:r>
+              <a:rPr lang="en-US" smtClean="0"/>
+              <a:t>Click to edit Master title style</a:t>
+            </a:r>
+            <a:endParaRPr lang="en-US" dirty="0"/>
+          </a:p>
+        </p:txBody>
+      </p:sp>
+      <p:sp>
+        <p:nvSpPr>
+          <p:cNvPr id="3" name="Text Placeholder 2"/>
+          <p:cNvSpPr>
+            <a:spLocks noGrp="1"/>
+          </p:cNvSpPr>
+          <p:nvPr>
+            <p:ph type="body" idx="1"/>
+          </p:nvPr>
+        </p:nvSpPr>
+        <p:spPr>
+          <a:xfrm>
+            <a:off x="609600" y="4470400"/>
+            <a:ext cx="6347714" cy="1570962"/>
+          </a:xfrm>
+        </p:spPr>
+        <p:txBody>
+          <a:bodyPr anchor="ctr">
+            <a:normAutofit/>
+          </a:bodyPr>
+          <a:lstStyle>
+            <a:lvl1pPr marL="0" indent="0" algn="l">
+              <a:buNone/>
+              <a:defRPr sz="1800">
+                <a:solidFill>
+                  <a:schemeClr val="tx1">
+                    <a:lumMod val="75000"/>
+                    <a:lumOff val="25000"/>
+                  </a:schemeClr>
+                </a:solidFill>
+              </a:defRPr>
+            </a:lvl1pPr>
+            <a:lvl2pPr marL="457200" indent="0">
+              <a:buNone/>
+              <a:defRPr sz="1800">
+                <a:solidFill>
+                  <a:schemeClr val="tx1">
+                    <a:tint val="75000"/>
+                  </a:schemeClr>
+                </a:solidFill>
+              </a:defRPr>
+            </a:lvl2pPr>
+            <a:lvl3pPr marL="914400" indent="0">
+              <a:buNone/>
+              <a:defRPr sz="1600">
+                <a:solidFill>
+                  <a:schemeClr val="tx1">
+                    <a:tint val="75000"/>
+                  </a:schemeClr>
+                </a:solidFill>
+              </a:defRPr>
+            </a:lvl3pPr>
+            <a:lvl4pPr marL="1371600" indent="0">
+              <a:buNone/>
+              <a:defRPr sz="1400">
+                <a:solidFill>
+                  <a:schemeClr val="tx1">
+                    <a:tint val="75000"/>
+                  </a:schemeClr>
+                </a:solidFill>
+              </a:defRPr>
+            </a:lvl4pPr>
+            <a:lvl5pPr marL="1828800" indent="0">
+              <a:buNone/>
+              <a:defRPr sz="1400">
+                <a:solidFill>
+                  <a:schemeClr val="tx1">
+                    <a:tint val="75000"/>
+                  </a:schemeClr>
+                </a:solidFill>
+              </a:defRPr>
+            </a:lvl5pPr>
+            <a:lvl6pPr marL="2286000" indent="0">
+              <a:buNone/>
+              <a:defRPr sz="1400">
+                <a:solidFill>
+                  <a:schemeClr val="tx1">
+                    <a:tint val="75000"/>
+                  </a:schemeClr>
+                </a:solidFill>
+              </a:defRPr>
+            </a:lvl6pPr>
+            <a:lvl7pPr marL="2743200" indent="0">
+              <a:buNone/>
+              <a:defRPr sz="1400">
+                <a:solidFill>
+                  <a:schemeClr val="tx1">
+                    <a:tint val="75000"/>
+                  </a:schemeClr>
+                </a:solidFill>
+              </a:defRPr>
+            </a:lvl7pPr>
+            <a:lvl8pPr marL="3200400" indent="0">
+              <a:buNone/>
+              <a:defRPr sz="1400">
+                <a:solidFill>
+                  <a:schemeClr val="tx1">
+                    <a:tint val="75000"/>
+                  </a:schemeClr>
+                </a:solidFill>
+              </a:defRPr>
+            </a:lvl8pPr>
+            <a:lvl9pPr marL="3657600" indent="0">
+              <a:buNone/>
+              <a:defRPr sz="1400">
+                <a:solidFill>
+                  <a:schemeClr val="tx1">
+                    <a:tint val="75000"/>
+                  </a:schemeClr>
+                </a:solidFill>
+              </a:defRPr>
+            </a:lvl9pPr>
+          </a:lstStyle>
+          <a:p>
+            <a:pPr lvl="0"/>
+            <a:r>
+              <a:rPr lang="en-US" smtClean="0"/>
+              <a:t>Edit Master text styles</a:t>
+            </a:r>
+          </a:p>
+        </p:txBody>
+      </p:sp>
+      <p:sp>
+        <p:nvSpPr>
+          <p:cNvPr id="4" name="Date Placeholder 3"/>
+          <p:cNvSpPr>
+            <a:spLocks noGrp="1"/>
+          </p:cNvSpPr>
+          <p:nvPr>
+            <p:ph type="dt" sz="half" idx="10"/>
+          </p:nvPr>
+        </p:nvSpPr>
+        <p:spPr/>
+        <p:txBody>
+          <a:bodyPr/>
+          <a:lstStyle/>
+          <a:p>
+            <a:fld id="{A682F2D7-7C85-4C31-A14E-26546F6D7771}" type="datetimeFigureOut">
+              <a:rPr lang="en-US" smtClean="0"/>
+              <a:t>6/8/2015</a:t>
+            </a:fld>
+            <a:endParaRPr lang="en-US" dirty="0"/>
+          </a:p>
+        </p:txBody>
+      </p:sp>
+      <p:sp>
+        <p:nvSpPr>
+          <p:cNvPr id="5" name="Footer Placeholder 4"/>
+          <p:cNvSpPr>
+            <a:spLocks noGrp="1"/>
+          </p:cNvSpPr>
+          <p:nvPr>
+            <p:ph type="ftr" sz="quarter" idx="11"/>
+          </p:nvPr>
+        </p:nvSpPr>
+        <p:spPr/>
+        <p:txBody>
+          <a:bodyPr/>
+          <a:lstStyle/>
+          <a:p>
+            <a:endParaRPr lang="en-US" dirty="0"/>
+          </a:p>
+        </p:txBody>
+      </p:sp>
+      <p:sp>
+        <p:nvSpPr>
+          <p:cNvPr id="6" name="Slide Number Placeholder 5"/>
+          <p:cNvSpPr>
+            <a:spLocks noGrp="1"/>
+          </p:cNvSpPr>
+          <p:nvPr>
+            <p:ph type="sldNum" sz="quarter" idx="12"/>
+          </p:nvPr>
+        </p:nvSpPr>
+        <p:spPr/>
+        <p:txBody>
+          <a:bodyPr/>
+          <a:lstStyle/>
+          <a:p>
+            <a:fld id="{E2C5416D-CA6F-4F3E-90C3-279D84750EC1}" type="slidenum">
+              <a:rPr lang="en-US" smtClean="0"/>
+              <a:t>‹#›</a:t>
+            </a:fld>
+            <a:endParaRPr lang="en-US" dirty="0"/>
+          </a:p>
+        </p:txBody>
+      </p:sp>
+    </p:spTree>
+    <p:extLst>
+      <p:ext uri="{BB962C8B-B14F-4D97-AF65-F5344CB8AC3E}">
+        <p14:creationId xmlns:p14="http://schemas.microsoft.com/office/powerpoint/2010/main" val="536293295"/>
+      </p:ext>
+    </p:extLst>
+  </p:cSld>
+  <p:clrMapOvr>
+    <a:masterClrMapping/>
+  </p:clrMapOvr>
+</p:sldLayout>
+</file>
+
+<file path=ppt/slideLayouts/slideLayout11.xml><?xml version="1.0" encoding="utf-8"?>
+<p:sldLayout xmlns:a="http://schemas.openxmlformats.org/drawingml/2006/main" xmlns:r="http://schemas.openxmlformats.org/officeDocument/2006/relationships" xmlns:p="http://schemas.openxmlformats.org/presentationml/2006/main" preserve="1">
+  <p:cSld name="Quote with Caption">
+    <p:spTree>
+      <p:nvGrpSpPr>
+        <p:cNvPr id="1" name=""/>
+        <p:cNvGrpSpPr/>
+        <p:nvPr/>
+      </p:nvGrpSpPr>
+      <p:grpSpPr>
+        <a:xfrm>
+          <a:off x="0" y="0"/>
+          <a:ext cx="0" cy="0"/>
+          <a:chOff x="0" y="0"/>
+          <a:chExt cx="0" cy="0"/>
+        </a:xfrm>
+      </p:grpSpPr>
+      <p:sp>
+        <p:nvSpPr>
+          <p:cNvPr id="2" name="Title 1"/>
+          <p:cNvSpPr>
+            <a:spLocks noGrp="1"/>
+          </p:cNvSpPr>
+          <p:nvPr>
+            <p:ph type="title"/>
+          </p:nvPr>
+        </p:nvSpPr>
+        <p:spPr>
+          <a:xfrm>
+            <a:off x="774885" y="609600"/>
+            <a:ext cx="6072182" cy="3022600"/>
+          </a:xfrm>
+        </p:spPr>
+        <p:txBody>
+          <a:bodyPr anchor="ctr">
+            <a:normAutofit/>
+          </a:bodyPr>
+          <a:lstStyle>
+            <a:lvl1pPr algn="l">
+              <a:defRPr sz="4400" b="0" cap="none"/>
+            </a:lvl1pPr>
+          </a:lstStyle>
+          <a:p>
+            <a:r>
+              <a:rPr lang="en-US" smtClean="0"/>
+              <a:t>Click to edit Master title style</a:t>
+            </a:r>
+            <a:endParaRPr lang="en-US" dirty="0"/>
+          </a:p>
+        </p:txBody>
+      </p:sp>
+      <p:sp>
+        <p:nvSpPr>
+          <p:cNvPr id="23" name="Text Placeholder 9"/>
+          <p:cNvSpPr>
+            <a:spLocks noGrp="1"/>
+          </p:cNvSpPr>
+          <p:nvPr>
+            <p:ph type="body" sz="quarter" idx="13"/>
+          </p:nvPr>
+        </p:nvSpPr>
+        <p:spPr>
+          <a:xfrm>
+            <a:off x="1101074" y="3632200"/>
+            <a:ext cx="5419804" cy="381000"/>
+          </a:xfrm>
+        </p:spPr>
+        <p:txBody>
+          <a:bodyPr anchor="ctr">
+            <a:noAutofit/>
+          </a:bodyPr>
+          <a:lstStyle>
+            <a:lvl1pPr marL="0" indent="0">
+              <a:buFontTx/>
+              <a:buNone/>
+              <a:defRPr sz="1600">
+                <a:solidFill>
+                  <a:schemeClr val="tx1">
+                    <a:lumMod val="50000"/>
+                    <a:lumOff val="50000"/>
+                  </a:schemeClr>
+                </a:solidFill>
+              </a:defRPr>
+            </a:lvl1pPr>
+            <a:lvl2pPr marL="457200" indent="0">
+              <a:buFontTx/>
+              <a:buNone/>
+              <a:defRPr/>
+            </a:lvl2pPr>
+            <a:lvl3pPr marL="914400" indent="0">
+              <a:buFontTx/>
+              <a:buNone/>
+              <a:defRPr/>
+            </a:lvl3pPr>
+            <a:lvl4pPr marL="1371600" indent="0">
+              <a:buFontTx/>
+              <a:buNone/>
+              <a:defRPr/>
+            </a:lvl4pPr>
+            <a:lvl5pPr marL="1828800" indent="0">
+              <a:buFontTx/>
+              <a:buNone/>
+              <a:defRPr/>
+            </a:lvl5pPr>
+          </a:lstStyle>
+          <a:p>
+            <a:pPr lvl="0"/>
+            <a:r>
+              <a:rPr lang="en-US" smtClean="0"/>
+              <a:t>Edit Master text styles</a:t>
+            </a:r>
+          </a:p>
+        </p:txBody>
+      </p:sp>
+      <p:sp>
+        <p:nvSpPr>
+          <p:cNvPr id="3" name="Text Placeholder 2"/>
+          <p:cNvSpPr>
+            <a:spLocks noGrp="1"/>
+          </p:cNvSpPr>
+          <p:nvPr>
+            <p:ph type="body" idx="1"/>
+          </p:nvPr>
+        </p:nvSpPr>
+        <p:spPr>
+          <a:xfrm>
+            <a:off x="609598" y="4470400"/>
+            <a:ext cx="6347715" cy="1570962"/>
+          </a:xfrm>
+        </p:spPr>
+        <p:txBody>
+          <a:bodyPr anchor="ctr">
+            <a:normAutofit/>
+          </a:bodyPr>
+          <a:lstStyle>
+            <a:lvl1pPr marL="0" indent="0" algn="l">
+              <a:buNone/>
+              <a:defRPr sz="1800">
+                <a:solidFill>
+                  <a:schemeClr val="tx1">
+                    <a:lumMod val="75000"/>
+                    <a:lumOff val="25000"/>
+                  </a:schemeClr>
+                </a:solidFill>
+              </a:defRPr>
+            </a:lvl1pPr>
+            <a:lvl2pPr marL="457200" indent="0">
+              <a:buNone/>
+              <a:defRPr sz="1800">
+                <a:solidFill>
+                  <a:schemeClr val="tx1">
+                    <a:tint val="75000"/>
+                  </a:schemeClr>
+                </a:solidFill>
+              </a:defRPr>
+            </a:lvl2pPr>
+            <a:lvl3pPr marL="914400" indent="0">
+              <a:buNone/>
+              <a:defRPr sz="1600">
+                <a:solidFill>
+                  <a:schemeClr val="tx1">
+                    <a:tint val="75000"/>
+                  </a:schemeClr>
+                </a:solidFill>
+              </a:defRPr>
+            </a:lvl3pPr>
+            <a:lvl4pPr marL="1371600" indent="0">
+              <a:buNone/>
+              <a:defRPr sz="1400">
+                <a:solidFill>
+                  <a:schemeClr val="tx1">
+                    <a:tint val="75000"/>
+                  </a:schemeClr>
+                </a:solidFill>
+              </a:defRPr>
+            </a:lvl4pPr>
+            <a:lvl5pPr marL="1828800" indent="0">
+              <a:buNone/>
+              <a:defRPr sz="1400">
+                <a:solidFill>
+                  <a:schemeClr val="tx1">
+                    <a:tint val="75000"/>
+                  </a:schemeClr>
+                </a:solidFill>
+              </a:defRPr>
+            </a:lvl5pPr>
+            <a:lvl6pPr marL="2286000" indent="0">
+              <a:buNone/>
+              <a:defRPr sz="1400">
+                <a:solidFill>
+                  <a:schemeClr val="tx1">
+                    <a:tint val="75000"/>
+                  </a:schemeClr>
+                </a:solidFill>
+              </a:defRPr>
+            </a:lvl6pPr>
+            <a:lvl7pPr marL="2743200" indent="0">
+              <a:buNone/>
+              <a:defRPr sz="1400">
+                <a:solidFill>
+                  <a:schemeClr val="tx1">
+                    <a:tint val="75000"/>
+                  </a:schemeClr>
+                </a:solidFill>
+              </a:defRPr>
+            </a:lvl7pPr>
+            <a:lvl8pPr marL="3200400" indent="0">
+              <a:buNone/>
+              <a:defRPr sz="1400">
+                <a:solidFill>
+                  <a:schemeClr val="tx1">
+                    <a:tint val="75000"/>
+                  </a:schemeClr>
+                </a:solidFill>
+              </a:defRPr>
+            </a:lvl8pPr>
+            <a:lvl9pPr marL="3657600" indent="0">
+              <a:buNone/>
+              <a:defRPr sz="1400">
+                <a:solidFill>
+                  <a:schemeClr val="tx1">
+                    <a:tint val="75000"/>
+                  </a:schemeClr>
+                </a:solidFill>
+              </a:defRPr>
+            </a:lvl9pPr>
+          </a:lstStyle>
+          <a:p>
+            <a:pPr lvl="0"/>
+            <a:r>
+              <a:rPr lang="en-US" smtClean="0"/>
+              <a:t>Edit Master text styles</a:t>
+            </a:r>
+          </a:p>
+        </p:txBody>
+      </p:sp>
+      <p:sp>
+        <p:nvSpPr>
+          <p:cNvPr id="4" name="Date Placeholder 3"/>
+          <p:cNvSpPr>
+            <a:spLocks noGrp="1"/>
+          </p:cNvSpPr>
+          <p:nvPr>
+            <p:ph type="dt" sz="half" idx="10"/>
+          </p:nvPr>
+        </p:nvSpPr>
+        <p:spPr/>
+        <p:txBody>
+          <a:bodyPr/>
+          <a:lstStyle/>
+          <a:p>
+            <a:fld id="{A682F2D7-7C85-4C31-A14E-26546F6D7771}" type="datetimeFigureOut">
+              <a:rPr lang="en-US" smtClean="0"/>
+              <a:t>6/8/2015</a:t>
+            </a:fld>
+            <a:endParaRPr lang="en-US" dirty="0"/>
+          </a:p>
+        </p:txBody>
+      </p:sp>
+      <p:sp>
+        <p:nvSpPr>
+          <p:cNvPr id="5" name="Footer Placeholder 4"/>
+          <p:cNvSpPr>
+            <a:spLocks noGrp="1"/>
+          </p:cNvSpPr>
+          <p:nvPr>
+            <p:ph type="ftr" sz="quarter" idx="11"/>
+          </p:nvPr>
+        </p:nvSpPr>
+        <p:spPr/>
+        <p:txBody>
+          <a:bodyPr/>
+          <a:lstStyle/>
+          <a:p>
+            <a:endParaRPr lang="en-US" dirty="0"/>
+          </a:p>
+        </p:txBody>
+      </p:sp>
+      <p:sp>
+        <p:nvSpPr>
+          <p:cNvPr id="6" name="Slide Number Placeholder 5"/>
+          <p:cNvSpPr>
+            <a:spLocks noGrp="1"/>
+          </p:cNvSpPr>
+          <p:nvPr>
+            <p:ph type="sldNum" sz="quarter" idx="12"/>
+          </p:nvPr>
+        </p:nvSpPr>
+        <p:spPr/>
+        <p:txBody>
+          <a:bodyPr/>
+          <a:lstStyle/>
+          <a:p>
+            <a:fld id="{E2C5416D-CA6F-4F3E-90C3-279D84750EC1}" type="slidenum">
+              <a:rPr lang="en-US" smtClean="0"/>
+              <a:t>‹#›</a:t>
+            </a:fld>
+            <a:endParaRPr lang="en-US" dirty="0"/>
+          </a:p>
+        </p:txBody>
+      </p:sp>
+      <p:sp>
+        <p:nvSpPr>
+          <p:cNvPr id="24" name="TextBox 23"/>
+          <p:cNvSpPr txBox="1"/>
+          <p:nvPr/>
+        </p:nvSpPr>
+        <p:spPr>
+          <a:xfrm>
+            <a:off x="482711" y="790378"/>
+            <a:ext cx="457319" cy="584776"/>
+          </a:xfrm>
+          <a:prstGeom prst="rect">
+            <a:avLst/>
+          </a:prstGeom>
+        </p:spPr>
+        <p:txBody>
+          <a:bodyPr vert="horz" lIns="91440" tIns="45720" rIns="91440" bIns="45720" rtlCol="0" anchor="ctr">
+            <a:noAutofit/>
+          </a:bodyPr>
+          <a:lstStyle/>
+          <a:p>
+            <a:pPr lvl="0"/>
+            <a:r>
+              <a:rPr lang="en-US" sz="8000" baseline="0" dirty="0">
+                <a:ln w="3175" cmpd="sng">
+                  <a:noFill/>
+                </a:ln>
+                <a:solidFill>
+                  <a:schemeClr val="accent1">
+                    <a:lumMod val="60000"/>
+                    <a:lumOff val="40000"/>
+                  </a:schemeClr>
+                </a:solidFill>
+                <a:effectLst/>
+                <a:latin typeface="Arial"/>
+              </a:rPr>
+              <a:t>“</a:t>
+            </a:r>
+          </a:p>
+        </p:txBody>
+      </p:sp>
+      <p:sp>
+        <p:nvSpPr>
+          <p:cNvPr id="25" name="TextBox 24"/>
+          <p:cNvSpPr txBox="1"/>
+          <p:nvPr/>
+        </p:nvSpPr>
+        <p:spPr>
+          <a:xfrm>
+            <a:off x="6747699" y="2886556"/>
+            <a:ext cx="457319" cy="584776"/>
+          </a:xfrm>
+          <a:prstGeom prst="rect">
+            <a:avLst/>
+          </a:prstGeom>
+        </p:spPr>
+        <p:txBody>
+          <a:bodyPr vert="horz" lIns="91440" tIns="45720" rIns="91440" bIns="45720" rtlCol="0" anchor="ctr">
+            <a:noAutofit/>
+          </a:bodyPr>
+          <a:lstStyle/>
+          <a:p>
+            <a:pPr lvl="0"/>
+            <a:r>
+              <a:rPr lang="en-US" sz="8000" baseline="0" dirty="0">
+                <a:ln w="3175" cmpd="sng">
+                  <a:noFill/>
+                </a:ln>
+                <a:solidFill>
+                  <a:schemeClr val="accent1">
+                    <a:lumMod val="60000"/>
+                    <a:lumOff val="40000"/>
+                  </a:schemeClr>
+                </a:solidFill>
+                <a:effectLst/>
+                <a:latin typeface="Arial"/>
+              </a:rPr>
+              <a:t>”</a:t>
+            </a:r>
+          </a:p>
+        </p:txBody>
+      </p:sp>
+    </p:spTree>
+    <p:extLst>
+      <p:ext uri="{BB962C8B-B14F-4D97-AF65-F5344CB8AC3E}">
+        <p14:creationId xmlns:p14="http://schemas.microsoft.com/office/powerpoint/2010/main" val="105248576"/>
+      </p:ext>
+    </p:extLst>
+  </p:cSld>
+  <p:clrMapOvr>
+    <a:masterClrMapping/>
+  </p:clrMapOvr>
+</p:sldLayout>
+</file>
+
+<file path=ppt/slideLayouts/slideLayout12.xml><?xml version="1.0" encoding="utf-8"?>
+<p:sldLayout xmlns:a="http://schemas.openxmlformats.org/drawingml/2006/main" xmlns:r="http://schemas.openxmlformats.org/officeDocument/2006/relationships" xmlns:p="http://schemas.openxmlformats.org/presentationml/2006/main" preserve="1">
+  <p:cSld name="Name Card">
+    <p:spTree>
+      <p:nvGrpSpPr>
+        <p:cNvPr id="1" name=""/>
+        <p:cNvGrpSpPr/>
+        <p:nvPr/>
+      </p:nvGrpSpPr>
+      <p:grpSpPr>
+        <a:xfrm>
+          <a:off x="0" y="0"/>
+          <a:ext cx="0" cy="0"/>
+          <a:chOff x="0" y="0"/>
+          <a:chExt cx="0" cy="0"/>
+        </a:xfrm>
+      </p:grpSpPr>
+      <p:sp>
+        <p:nvSpPr>
+          <p:cNvPr id="2" name="Title 1"/>
+          <p:cNvSpPr>
+            <a:spLocks noGrp="1"/>
+          </p:cNvSpPr>
+          <p:nvPr>
+            <p:ph type="title"/>
+          </p:nvPr>
+        </p:nvSpPr>
+        <p:spPr>
+          <a:xfrm>
+            <a:off x="609598" y="1931988"/>
+            <a:ext cx="6347715" cy="2595460"/>
+          </a:xfrm>
+        </p:spPr>
+        <p:txBody>
+          <a:bodyPr anchor="b">
+            <a:normAutofit/>
+          </a:bodyPr>
+          <a:lstStyle>
+            <a:lvl1pPr algn="l">
+              <a:defRPr sz="4400" b="0" cap="none"/>
+            </a:lvl1pPr>
+          </a:lstStyle>
+          <a:p>
+            <a:r>
+              <a:rPr lang="en-US" smtClean="0"/>
+              <a:t>Click to edit Master title style</a:t>
+            </a:r>
+            <a:endParaRPr lang="en-US" dirty="0"/>
+          </a:p>
+        </p:txBody>
+      </p:sp>
+      <p:sp>
+        <p:nvSpPr>
+          <p:cNvPr id="3" name="Text Placeholder 2"/>
+          <p:cNvSpPr>
+            <a:spLocks noGrp="1"/>
+          </p:cNvSpPr>
+          <p:nvPr>
+            <p:ph type="body" idx="1"/>
+          </p:nvPr>
+        </p:nvSpPr>
+        <p:spPr>
+          <a:xfrm>
+            <a:off x="609598" y="4527448"/>
+            <a:ext cx="6347715" cy="1513914"/>
+          </a:xfrm>
+        </p:spPr>
+        <p:txBody>
+          <a:bodyPr anchor="t">
+            <a:normAutofit/>
+          </a:bodyPr>
+          <a:lstStyle>
+            <a:lvl1pPr marL="0" indent="0" algn="l">
+              <a:buNone/>
+              <a:defRPr sz="1800">
+                <a:solidFill>
+                  <a:schemeClr val="tx1">
+                    <a:lumMod val="75000"/>
+                    <a:lumOff val="25000"/>
+                  </a:schemeClr>
+                </a:solidFill>
+              </a:defRPr>
+            </a:lvl1pPr>
+            <a:lvl2pPr marL="457200" indent="0">
+              <a:buNone/>
+              <a:defRPr sz="1800">
+                <a:solidFill>
+                  <a:schemeClr val="tx1">
+                    <a:tint val="75000"/>
+                  </a:schemeClr>
+                </a:solidFill>
+              </a:defRPr>
+            </a:lvl2pPr>
+            <a:lvl3pPr marL="914400" indent="0">
+              <a:buNone/>
+              <a:defRPr sz="1600">
+                <a:solidFill>
+                  <a:schemeClr val="tx1">
+                    <a:tint val="75000"/>
+                  </a:schemeClr>
+                </a:solidFill>
+              </a:defRPr>
+            </a:lvl3pPr>
+            <a:lvl4pPr marL="1371600" indent="0">
+              <a:buNone/>
+              <a:defRPr sz="1400">
+                <a:solidFill>
+                  <a:schemeClr val="tx1">
+                    <a:tint val="75000"/>
+                  </a:schemeClr>
+                </a:solidFill>
+              </a:defRPr>
+            </a:lvl4pPr>
+            <a:lvl5pPr marL="1828800" indent="0">
+              <a:buNone/>
+              <a:defRPr sz="1400">
+                <a:solidFill>
+                  <a:schemeClr val="tx1">
+                    <a:tint val="75000"/>
+                  </a:schemeClr>
+                </a:solidFill>
+              </a:defRPr>
+            </a:lvl5pPr>
+            <a:lvl6pPr marL="2286000" indent="0">
+              <a:buNone/>
+              <a:defRPr sz="1400">
+                <a:solidFill>
+                  <a:schemeClr val="tx1">
+                    <a:tint val="75000"/>
+                  </a:schemeClr>
+                </a:solidFill>
+              </a:defRPr>
+            </a:lvl6pPr>
+            <a:lvl7pPr marL="2743200" indent="0">
+              <a:buNone/>
+              <a:defRPr sz="1400">
+                <a:solidFill>
+                  <a:schemeClr val="tx1">
+                    <a:tint val="75000"/>
+                  </a:schemeClr>
+                </a:solidFill>
+              </a:defRPr>
+            </a:lvl7pPr>
+            <a:lvl8pPr marL="3200400" indent="0">
+              <a:buNone/>
+              <a:defRPr sz="1400">
+                <a:solidFill>
+                  <a:schemeClr val="tx1">
+                    <a:tint val="75000"/>
+                  </a:schemeClr>
+                </a:solidFill>
+              </a:defRPr>
+            </a:lvl8pPr>
+            <a:lvl9pPr marL="3657600" indent="0">
+              <a:buNone/>
+              <a:defRPr sz="1400">
+                <a:solidFill>
+                  <a:schemeClr val="tx1">
+                    <a:tint val="75000"/>
+                  </a:schemeClr>
+                </a:solidFill>
+              </a:defRPr>
+            </a:lvl9pPr>
+          </a:lstStyle>
+          <a:p>
+            <a:pPr lvl="0"/>
+            <a:r>
+              <a:rPr lang="en-US" smtClean="0"/>
+              <a:t>Edit Master text styles</a:t>
+            </a:r>
+          </a:p>
+        </p:txBody>
+      </p:sp>
+      <p:sp>
+        <p:nvSpPr>
+          <p:cNvPr id="4" name="Date Placeholder 3"/>
+          <p:cNvSpPr>
+            <a:spLocks noGrp="1"/>
+          </p:cNvSpPr>
+          <p:nvPr>
+            <p:ph type="dt" sz="half" idx="10"/>
+          </p:nvPr>
+        </p:nvSpPr>
+        <p:spPr/>
+        <p:txBody>
+          <a:bodyPr/>
+          <a:lstStyle/>
+          <a:p>
+            <a:fld id="{A682F2D7-7C85-4C31-A14E-26546F6D7771}" type="datetimeFigureOut">
+              <a:rPr lang="en-US" smtClean="0"/>
+              <a:t>6/8/2015</a:t>
+            </a:fld>
+            <a:endParaRPr lang="en-US" dirty="0"/>
+          </a:p>
+        </p:txBody>
+      </p:sp>
+      <p:sp>
+        <p:nvSpPr>
+          <p:cNvPr id="5" name="Footer Placeholder 4"/>
+          <p:cNvSpPr>
+            <a:spLocks noGrp="1"/>
+          </p:cNvSpPr>
+          <p:nvPr>
+            <p:ph type="ftr" sz="quarter" idx="11"/>
+          </p:nvPr>
+        </p:nvSpPr>
+        <p:spPr/>
+        <p:txBody>
+          <a:bodyPr/>
+          <a:lstStyle/>
+          <a:p>
+            <a:endParaRPr lang="en-US" dirty="0"/>
+          </a:p>
+        </p:txBody>
+      </p:sp>
+      <p:sp>
+        <p:nvSpPr>
+          <p:cNvPr id="6" name="Slide Number Placeholder 5"/>
+          <p:cNvSpPr>
+            <a:spLocks noGrp="1"/>
+          </p:cNvSpPr>
+          <p:nvPr>
+            <p:ph type="sldNum" sz="quarter" idx="12"/>
+          </p:nvPr>
+        </p:nvSpPr>
+        <p:spPr/>
+        <p:txBody>
+          <a:bodyPr/>
+          <a:lstStyle/>
+          <a:p>
+            <a:fld id="{E2C5416D-CA6F-4F3E-90C3-279D84750EC1}" type="slidenum">
+              <a:rPr lang="en-US" smtClean="0"/>
+              <a:t>‹#›</a:t>
+            </a:fld>
+            <a:endParaRPr lang="en-US" dirty="0"/>
+          </a:p>
+        </p:txBody>
+      </p:sp>
+    </p:spTree>
+    <p:extLst>
+      <p:ext uri="{BB962C8B-B14F-4D97-AF65-F5344CB8AC3E}">
+        <p14:creationId xmlns:p14="http://schemas.microsoft.com/office/powerpoint/2010/main" val="366032976"/>
+      </p:ext>
+    </p:extLst>
+  </p:cSld>
+  <p:clrMapOvr>
+    <a:masterClrMapping/>
+  </p:clrMapOvr>
+</p:sldLayout>
+</file>
+
+<file path=ppt/slideLayouts/slideLayout13.xml><?xml version="1.0" encoding="utf-8"?>
+<p:sldLayout xmlns:a="http://schemas.openxmlformats.org/drawingml/2006/main" xmlns:r="http://schemas.openxmlformats.org/officeDocument/2006/relationships" xmlns:p="http://schemas.openxmlformats.org/presentationml/2006/main" preserve="1">
+  <p:cSld name="Quote Name Card">
+    <p:spTree>
+      <p:nvGrpSpPr>
+        <p:cNvPr id="1" name=""/>
+        <p:cNvGrpSpPr/>
+        <p:nvPr/>
+      </p:nvGrpSpPr>
+      <p:grpSpPr>
+        <a:xfrm>
+          <a:off x="0" y="0"/>
+          <a:ext cx="0" cy="0"/>
+          <a:chOff x="0" y="0"/>
+          <a:chExt cx="0" cy="0"/>
+        </a:xfrm>
+      </p:grpSpPr>
+      <p:sp>
+        <p:nvSpPr>
+          <p:cNvPr id="2" name="Title 1"/>
+          <p:cNvSpPr>
+            <a:spLocks noGrp="1"/>
+          </p:cNvSpPr>
+          <p:nvPr>
+            <p:ph type="title"/>
+          </p:nvPr>
+        </p:nvSpPr>
+        <p:spPr>
+          <a:xfrm>
+            <a:off x="774885" y="609600"/>
+            <a:ext cx="6072182" cy="3022600"/>
+          </a:xfrm>
+        </p:spPr>
+        <p:txBody>
+          <a:bodyPr anchor="ctr">
+            <a:normAutofit/>
+          </a:bodyPr>
+          <a:lstStyle>
+            <a:lvl1pPr algn="l">
+              <a:defRPr sz="4400" b="0" cap="none"/>
+            </a:lvl1pPr>
+          </a:lstStyle>
+          <a:p>
+            <a:r>
+              <a:rPr lang="en-US" smtClean="0"/>
+              <a:t>Click to edit Master title style</a:t>
+            </a:r>
+            <a:endParaRPr lang="en-US" dirty="0"/>
+          </a:p>
+        </p:txBody>
+      </p:sp>
+      <p:sp>
+        <p:nvSpPr>
+          <p:cNvPr id="23" name="Text Placeholder 9"/>
+          <p:cNvSpPr>
+            <a:spLocks noGrp="1"/>
+          </p:cNvSpPr>
+          <p:nvPr>
+            <p:ph type="body" sz="quarter" idx="13"/>
+          </p:nvPr>
+        </p:nvSpPr>
+        <p:spPr>
+          <a:xfrm>
+            <a:off x="609597" y="4013200"/>
+            <a:ext cx="6347716" cy="514248"/>
+          </a:xfrm>
+        </p:spPr>
+        <p:txBody>
+          <a:bodyPr anchor="b">
+            <a:noAutofit/>
+          </a:bodyPr>
+          <a:lstStyle>
+            <a:lvl1pPr marL="0" indent="0">
+              <a:buFontTx/>
+              <a:buNone/>
+              <a:defRPr sz="2400">
+                <a:solidFill>
+                  <a:schemeClr val="tx1">
+                    <a:lumMod val="75000"/>
+                    <a:lumOff val="25000"/>
+                  </a:schemeClr>
+                </a:solidFill>
+              </a:defRPr>
+            </a:lvl1pPr>
+            <a:lvl2pPr marL="457200" indent="0">
+              <a:buFontTx/>
+              <a:buNone/>
+              <a:defRPr/>
+            </a:lvl2pPr>
+            <a:lvl3pPr marL="914400" indent="0">
+              <a:buFontTx/>
+              <a:buNone/>
+              <a:defRPr/>
+            </a:lvl3pPr>
+            <a:lvl4pPr marL="1371600" indent="0">
+              <a:buFontTx/>
+              <a:buNone/>
+              <a:defRPr/>
+            </a:lvl4pPr>
+            <a:lvl5pPr marL="1828800" indent="0">
+              <a:buFontTx/>
+              <a:buNone/>
+              <a:defRPr/>
+            </a:lvl5pPr>
+          </a:lstStyle>
+          <a:p>
+            <a:pPr lvl="0"/>
+            <a:r>
+              <a:rPr lang="en-US" smtClean="0"/>
+              <a:t>Edit Master text styles</a:t>
+            </a:r>
+          </a:p>
+        </p:txBody>
+      </p:sp>
+      <p:sp>
+        <p:nvSpPr>
+          <p:cNvPr id="3" name="Text Placeholder 2"/>
+          <p:cNvSpPr>
+            <a:spLocks noGrp="1"/>
+          </p:cNvSpPr>
+          <p:nvPr>
+            <p:ph type="body" idx="1"/>
+          </p:nvPr>
+        </p:nvSpPr>
+        <p:spPr>
+          <a:xfrm>
+            <a:off x="609598" y="4527448"/>
+            <a:ext cx="6347715" cy="1513914"/>
+          </a:xfrm>
+        </p:spPr>
+        <p:txBody>
+          <a:bodyPr anchor="t">
+            <a:normAutofit/>
+          </a:bodyPr>
+          <a:lstStyle>
+            <a:lvl1pPr marL="0" indent="0" algn="l">
+              <a:buNone/>
+              <a:defRPr sz="1800">
+                <a:solidFill>
+                  <a:schemeClr val="tx1">
+                    <a:lumMod val="50000"/>
+                    <a:lumOff val="50000"/>
+                  </a:schemeClr>
+                </a:solidFill>
+              </a:defRPr>
+            </a:lvl1pPr>
+            <a:lvl2pPr marL="457200" indent="0">
+              <a:buNone/>
+              <a:defRPr sz="1800">
+                <a:solidFill>
+                  <a:schemeClr val="tx1">
+                    <a:tint val="75000"/>
+                  </a:schemeClr>
+                </a:solidFill>
+              </a:defRPr>
+            </a:lvl2pPr>
+            <a:lvl3pPr marL="914400" indent="0">
+              <a:buNone/>
+              <a:defRPr sz="1600">
+                <a:solidFill>
+                  <a:schemeClr val="tx1">
+                    <a:tint val="75000"/>
+                  </a:schemeClr>
+                </a:solidFill>
+              </a:defRPr>
+            </a:lvl3pPr>
+            <a:lvl4pPr marL="1371600" indent="0">
+              <a:buNone/>
+              <a:defRPr sz="1400">
+                <a:solidFill>
+                  <a:schemeClr val="tx1">
+                    <a:tint val="75000"/>
+                  </a:schemeClr>
+                </a:solidFill>
+              </a:defRPr>
+            </a:lvl4pPr>
+            <a:lvl5pPr marL="1828800" indent="0">
+              <a:buNone/>
+              <a:defRPr sz="1400">
+                <a:solidFill>
+                  <a:schemeClr val="tx1">
+                    <a:tint val="75000"/>
+                  </a:schemeClr>
+                </a:solidFill>
+              </a:defRPr>
+            </a:lvl5pPr>
+            <a:lvl6pPr marL="2286000" indent="0">
+              <a:buNone/>
+              <a:defRPr sz="1400">
+                <a:solidFill>
+                  <a:schemeClr val="tx1">
+                    <a:tint val="75000"/>
+                  </a:schemeClr>
+                </a:solidFill>
+              </a:defRPr>
+            </a:lvl6pPr>
+            <a:lvl7pPr marL="2743200" indent="0">
+              <a:buNone/>
+              <a:defRPr sz="1400">
+                <a:solidFill>
+                  <a:schemeClr val="tx1">
+                    <a:tint val="75000"/>
+                  </a:schemeClr>
+                </a:solidFill>
+              </a:defRPr>
+            </a:lvl7pPr>
+            <a:lvl8pPr marL="3200400" indent="0">
+              <a:buNone/>
+              <a:defRPr sz="1400">
+                <a:solidFill>
+                  <a:schemeClr val="tx1">
+                    <a:tint val="75000"/>
+                  </a:schemeClr>
+                </a:solidFill>
+              </a:defRPr>
+            </a:lvl8pPr>
+            <a:lvl9pPr marL="3657600" indent="0">
+              <a:buNone/>
+              <a:defRPr sz="1400">
+                <a:solidFill>
+                  <a:schemeClr val="tx1">
+                    <a:tint val="75000"/>
+                  </a:schemeClr>
+                </a:solidFill>
+              </a:defRPr>
+            </a:lvl9pPr>
+          </a:lstStyle>
+          <a:p>
+            <a:pPr lvl="0"/>
+            <a:r>
+              <a:rPr lang="en-US" smtClean="0"/>
+              <a:t>Edit Master text styles</a:t>
+            </a:r>
+          </a:p>
+        </p:txBody>
+      </p:sp>
+      <p:sp>
+        <p:nvSpPr>
+          <p:cNvPr id="4" name="Date Placeholder 3"/>
+          <p:cNvSpPr>
+            <a:spLocks noGrp="1"/>
+          </p:cNvSpPr>
+          <p:nvPr>
+            <p:ph type="dt" sz="half" idx="10"/>
+          </p:nvPr>
+        </p:nvSpPr>
+        <p:spPr/>
+        <p:txBody>
+          <a:bodyPr/>
+          <a:lstStyle/>
+          <a:p>
+            <a:fld id="{A682F2D7-7C85-4C31-A14E-26546F6D7771}" type="datetimeFigureOut">
+              <a:rPr lang="en-US" smtClean="0"/>
+              <a:t>6/8/2015</a:t>
+            </a:fld>
+            <a:endParaRPr lang="en-US" dirty="0"/>
+          </a:p>
+        </p:txBody>
+      </p:sp>
+      <p:sp>
+        <p:nvSpPr>
+          <p:cNvPr id="5" name="Footer Placeholder 4"/>
+          <p:cNvSpPr>
+            <a:spLocks noGrp="1"/>
+          </p:cNvSpPr>
+          <p:nvPr>
+            <p:ph type="ftr" sz="quarter" idx="11"/>
+          </p:nvPr>
+        </p:nvSpPr>
+        <p:spPr/>
+        <p:txBody>
+          <a:bodyPr/>
+          <a:lstStyle/>
+          <a:p>
+            <a:endParaRPr lang="en-US" dirty="0"/>
+          </a:p>
+        </p:txBody>
+      </p:sp>
+      <p:sp>
+        <p:nvSpPr>
+          <p:cNvPr id="6" name="Slide Number Placeholder 5"/>
+          <p:cNvSpPr>
+            <a:spLocks noGrp="1"/>
+          </p:cNvSpPr>
+          <p:nvPr>
+            <p:ph type="sldNum" sz="quarter" idx="12"/>
+          </p:nvPr>
+        </p:nvSpPr>
+        <p:spPr/>
+        <p:txBody>
+          <a:bodyPr/>
+          <a:lstStyle/>
+          <a:p>
+            <a:fld id="{E2C5416D-CA6F-4F3E-90C3-279D84750EC1}" type="slidenum">
+              <a:rPr lang="en-US" smtClean="0"/>
+              <a:t>‹#›</a:t>
+            </a:fld>
+            <a:endParaRPr lang="en-US" dirty="0"/>
+          </a:p>
+        </p:txBody>
+      </p:sp>
+      <p:sp>
+        <p:nvSpPr>
+          <p:cNvPr id="24" name="TextBox 23"/>
+          <p:cNvSpPr txBox="1"/>
+          <p:nvPr/>
+        </p:nvSpPr>
+        <p:spPr>
+          <a:xfrm>
+            <a:off x="482711" y="790378"/>
+            <a:ext cx="457319" cy="584776"/>
+          </a:xfrm>
+          <a:prstGeom prst="rect">
+            <a:avLst/>
+          </a:prstGeom>
+        </p:spPr>
+        <p:txBody>
+          <a:bodyPr vert="horz" lIns="91440" tIns="45720" rIns="91440" bIns="45720" rtlCol="0" anchor="ctr">
+            <a:noAutofit/>
+          </a:bodyPr>
+          <a:lstStyle/>
+          <a:p>
+            <a:pPr lvl="0"/>
+            <a:r>
+              <a:rPr lang="en-US" sz="8000" baseline="0" dirty="0">
+                <a:ln w="3175" cmpd="sng">
+                  <a:noFill/>
+                </a:ln>
+                <a:solidFill>
+                  <a:schemeClr val="accent1">
+                    <a:lumMod val="60000"/>
+                    <a:lumOff val="40000"/>
+                  </a:schemeClr>
+                </a:solidFill>
+                <a:effectLst/>
+                <a:latin typeface="Arial"/>
+              </a:rPr>
+              <a:t>“</a:t>
+            </a:r>
+          </a:p>
+        </p:txBody>
+      </p:sp>
+      <p:sp>
+        <p:nvSpPr>
+          <p:cNvPr id="25" name="TextBox 24"/>
+          <p:cNvSpPr txBox="1"/>
+          <p:nvPr/>
+        </p:nvSpPr>
+        <p:spPr>
+          <a:xfrm>
+            <a:off x="6747699" y="2886556"/>
+            <a:ext cx="457319" cy="584776"/>
+          </a:xfrm>
+          <a:prstGeom prst="rect">
+            <a:avLst/>
+          </a:prstGeom>
+        </p:spPr>
+        <p:txBody>
+          <a:bodyPr vert="horz" lIns="91440" tIns="45720" rIns="91440" bIns="45720" rtlCol="0" anchor="ctr">
+            <a:noAutofit/>
+          </a:bodyPr>
+          <a:lstStyle/>
+          <a:p>
+            <a:pPr lvl="0"/>
+            <a:r>
+              <a:rPr lang="en-US" sz="8000" baseline="0" dirty="0">
+                <a:ln w="3175" cmpd="sng">
+                  <a:noFill/>
+                </a:ln>
+                <a:solidFill>
+                  <a:schemeClr val="accent1">
+                    <a:lumMod val="60000"/>
+                    <a:lumOff val="40000"/>
+                  </a:schemeClr>
+                </a:solidFill>
+                <a:effectLst/>
+                <a:latin typeface="Arial"/>
+              </a:rPr>
+              <a:t>”</a:t>
+            </a:r>
+          </a:p>
+        </p:txBody>
+      </p:sp>
+    </p:spTree>
+    <p:extLst>
+      <p:ext uri="{BB962C8B-B14F-4D97-AF65-F5344CB8AC3E}">
+        <p14:creationId xmlns:p14="http://schemas.microsoft.com/office/powerpoint/2010/main" val="1468673686"/>
+      </p:ext>
+    </p:extLst>
+  </p:cSld>
+  <p:clrMapOvr>
+    <a:masterClrMapping/>
+  </p:clrMapOvr>
+</p:sldLayout>
+</file>
+
+<file path=ppt/slideLayouts/slideLayout14.xml><?xml version="1.0" encoding="utf-8"?>
+<p:sldLayout xmlns:a="http://schemas.openxmlformats.org/drawingml/2006/main" xmlns:r="http://schemas.openxmlformats.org/officeDocument/2006/relationships" xmlns:p="http://schemas.openxmlformats.org/presentationml/2006/main" preserve="1">
+  <p:cSld name="True or False">
+    <p:spTree>
+      <p:nvGrpSpPr>
+        <p:cNvPr id="1" name=""/>
+        <p:cNvGrpSpPr/>
+        <p:nvPr/>
+      </p:nvGrpSpPr>
+      <p:grpSpPr>
+        <a:xfrm>
+          <a:off x="0" y="0"/>
+          <a:ext cx="0" cy="0"/>
+          <a:chOff x="0" y="0"/>
+          <a:chExt cx="0" cy="0"/>
+        </a:xfrm>
+      </p:grpSpPr>
+      <p:sp>
+        <p:nvSpPr>
+          <p:cNvPr id="2" name="Title 1"/>
+          <p:cNvSpPr>
+            <a:spLocks noGrp="1"/>
+          </p:cNvSpPr>
+          <p:nvPr>
+            <p:ph type="title"/>
+          </p:nvPr>
+        </p:nvSpPr>
+        <p:spPr>
+          <a:xfrm>
+            <a:off x="615848" y="609600"/>
+            <a:ext cx="6341465" cy="3022600"/>
+          </a:xfrm>
+        </p:spPr>
+        <p:txBody>
+          <a:bodyPr anchor="ctr">
+            <a:normAutofit/>
+          </a:bodyPr>
+          <a:lstStyle>
+            <a:lvl1pPr algn="l">
+              <a:defRPr sz="4400" b="0" cap="none"/>
+            </a:lvl1pPr>
+          </a:lstStyle>
+          <a:p>
+            <a:r>
+              <a:rPr lang="en-US" smtClean="0"/>
+              <a:t>Click to edit Master title style</a:t>
+            </a:r>
+            <a:endParaRPr lang="en-US" dirty="0"/>
+          </a:p>
+        </p:txBody>
+      </p:sp>
+      <p:sp>
+        <p:nvSpPr>
+          <p:cNvPr id="23" name="Text Placeholder 9"/>
+          <p:cNvSpPr>
+            <a:spLocks noGrp="1"/>
+          </p:cNvSpPr>
+          <p:nvPr>
+            <p:ph type="body" sz="quarter" idx="13"/>
+          </p:nvPr>
+        </p:nvSpPr>
+        <p:spPr>
+          <a:xfrm>
+            <a:off x="609597" y="4013200"/>
+            <a:ext cx="6347716" cy="514248"/>
+          </a:xfrm>
+        </p:spPr>
+        <p:txBody>
+          <a:bodyPr anchor="b">
+            <a:noAutofit/>
+          </a:bodyPr>
+          <a:lstStyle>
+            <a:lvl1pPr marL="0" indent="0">
+              <a:buFontTx/>
+              <a:buNone/>
+              <a:defRPr sz="2400">
+                <a:solidFill>
+                  <a:schemeClr val="accent1"/>
+                </a:solidFill>
+              </a:defRPr>
+            </a:lvl1pPr>
+            <a:lvl2pPr marL="457200" indent="0">
+              <a:buFontTx/>
+              <a:buNone/>
+              <a:defRPr/>
+            </a:lvl2pPr>
+            <a:lvl3pPr marL="914400" indent="0">
+              <a:buFontTx/>
+              <a:buNone/>
+              <a:defRPr/>
+            </a:lvl3pPr>
+            <a:lvl4pPr marL="1371600" indent="0">
+              <a:buFontTx/>
+              <a:buNone/>
+              <a:defRPr/>
+            </a:lvl4pPr>
+            <a:lvl5pPr marL="1828800" indent="0">
+              <a:buFontTx/>
+              <a:buNone/>
+              <a:defRPr/>
+            </a:lvl5pPr>
+          </a:lstStyle>
+          <a:p>
+            <a:pPr lvl="0"/>
+            <a:r>
+              <a:rPr lang="en-US" smtClean="0"/>
+              <a:t>Edit Master text styles</a:t>
+            </a:r>
+          </a:p>
+        </p:txBody>
+      </p:sp>
+      <p:sp>
+        <p:nvSpPr>
+          <p:cNvPr id="3" name="Text Placeholder 2"/>
+          <p:cNvSpPr>
+            <a:spLocks noGrp="1"/>
+          </p:cNvSpPr>
+          <p:nvPr>
+            <p:ph type="body" idx="1"/>
+          </p:nvPr>
+        </p:nvSpPr>
+        <p:spPr>
+          <a:xfrm>
+            <a:off x="609598" y="4527448"/>
+            <a:ext cx="6347715" cy="1513914"/>
+          </a:xfrm>
+        </p:spPr>
+        <p:txBody>
+          <a:bodyPr anchor="t">
+            <a:normAutofit/>
+          </a:bodyPr>
+          <a:lstStyle>
+            <a:lvl1pPr marL="0" indent="0" algn="l">
+              <a:buNone/>
+              <a:defRPr sz="1800">
+                <a:solidFill>
+                  <a:schemeClr val="tx1">
+                    <a:lumMod val="50000"/>
+                    <a:lumOff val="50000"/>
+                  </a:schemeClr>
+                </a:solidFill>
+              </a:defRPr>
+            </a:lvl1pPr>
+            <a:lvl2pPr marL="457200" indent="0">
+              <a:buNone/>
+              <a:defRPr sz="1800">
+                <a:solidFill>
+                  <a:schemeClr val="tx1">
+                    <a:tint val="75000"/>
+                  </a:schemeClr>
+                </a:solidFill>
+              </a:defRPr>
+            </a:lvl2pPr>
+            <a:lvl3pPr marL="914400" indent="0">
+              <a:buNone/>
+              <a:defRPr sz="1600">
+                <a:solidFill>
+                  <a:schemeClr val="tx1">
+                    <a:tint val="75000"/>
+                  </a:schemeClr>
+                </a:solidFill>
+              </a:defRPr>
+            </a:lvl3pPr>
+            <a:lvl4pPr marL="1371600" indent="0">
+              <a:buNone/>
+              <a:defRPr sz="1400">
+                <a:solidFill>
+                  <a:schemeClr val="tx1">
+                    <a:tint val="75000"/>
+                  </a:schemeClr>
+                </a:solidFill>
+              </a:defRPr>
+            </a:lvl4pPr>
+            <a:lvl5pPr marL="1828800" indent="0">
+              <a:buNone/>
+              <a:defRPr sz="1400">
+                <a:solidFill>
+                  <a:schemeClr val="tx1">
+                    <a:tint val="75000"/>
+                  </a:schemeClr>
+                </a:solidFill>
+              </a:defRPr>
+            </a:lvl5pPr>
+            <a:lvl6pPr marL="2286000" indent="0">
+              <a:buNone/>
+              <a:defRPr sz="1400">
+                <a:solidFill>
+                  <a:schemeClr val="tx1">
+                    <a:tint val="75000"/>
+                  </a:schemeClr>
+                </a:solidFill>
+              </a:defRPr>
+            </a:lvl6pPr>
+            <a:lvl7pPr marL="2743200" indent="0">
+              <a:buNone/>
+              <a:defRPr sz="1400">
+                <a:solidFill>
+                  <a:schemeClr val="tx1">
+                    <a:tint val="75000"/>
+                  </a:schemeClr>
+                </a:solidFill>
+              </a:defRPr>
+            </a:lvl7pPr>
+            <a:lvl8pPr marL="3200400" indent="0">
+              <a:buNone/>
+              <a:defRPr sz="1400">
+                <a:solidFill>
+                  <a:schemeClr val="tx1">
+                    <a:tint val="75000"/>
+                  </a:schemeClr>
+                </a:solidFill>
+              </a:defRPr>
+            </a:lvl8pPr>
+            <a:lvl9pPr marL="3657600" indent="0">
+              <a:buNone/>
+              <a:defRPr sz="1400">
+                <a:solidFill>
+                  <a:schemeClr val="tx1">
+                    <a:tint val="75000"/>
+                  </a:schemeClr>
+                </a:solidFill>
+              </a:defRPr>
+            </a:lvl9pPr>
+          </a:lstStyle>
+          <a:p>
+            <a:pPr lvl="0"/>
+            <a:r>
+              <a:rPr lang="en-US" smtClean="0"/>
+              <a:t>Edit Master text styles</a:t>
+            </a:r>
+          </a:p>
+        </p:txBody>
+      </p:sp>
+      <p:sp>
+        <p:nvSpPr>
+          <p:cNvPr id="4" name="Date Placeholder 3"/>
+          <p:cNvSpPr>
+            <a:spLocks noGrp="1"/>
+          </p:cNvSpPr>
+          <p:nvPr>
+            <p:ph type="dt" sz="half" idx="10"/>
+          </p:nvPr>
+        </p:nvSpPr>
+        <p:spPr/>
+        <p:txBody>
+          <a:bodyPr/>
+          <a:lstStyle/>
+          <a:p>
+            <a:fld id="{A682F2D7-7C85-4C31-A14E-26546F6D7771}" type="datetimeFigureOut">
+              <a:rPr lang="en-US" smtClean="0"/>
+              <a:t>6/8/2015</a:t>
+            </a:fld>
+            <a:endParaRPr lang="en-US" dirty="0"/>
+          </a:p>
+        </p:txBody>
+      </p:sp>
+      <p:sp>
+        <p:nvSpPr>
+          <p:cNvPr id="5" name="Footer Placeholder 4"/>
+          <p:cNvSpPr>
+            <a:spLocks noGrp="1"/>
+          </p:cNvSpPr>
+          <p:nvPr>
+            <p:ph type="ftr" sz="quarter" idx="11"/>
+          </p:nvPr>
+        </p:nvSpPr>
+        <p:spPr/>
+        <p:txBody>
+          <a:bodyPr/>
+          <a:lstStyle/>
+          <a:p>
+            <a:endParaRPr lang="en-US" dirty="0"/>
+          </a:p>
+        </p:txBody>
+      </p:sp>
+      <p:sp>
+        <p:nvSpPr>
+          <p:cNvPr id="6" name="Slide Number Placeholder 5"/>
+          <p:cNvSpPr>
+            <a:spLocks noGrp="1"/>
+          </p:cNvSpPr>
+          <p:nvPr>
+            <p:ph type="sldNum" sz="quarter" idx="12"/>
+          </p:nvPr>
+        </p:nvSpPr>
+        <p:spPr/>
+        <p:txBody>
+          <a:bodyPr/>
+          <a:lstStyle/>
+          <a:p>
+            <a:fld id="{E2C5416D-CA6F-4F3E-90C3-279D84750EC1}" type="slidenum">
+              <a:rPr lang="en-US" smtClean="0"/>
+              <a:t>‹#›</a:t>
+            </a:fld>
+            <a:endParaRPr lang="en-US" dirty="0"/>
+          </a:p>
+        </p:txBody>
+      </p:sp>
+    </p:spTree>
+    <p:extLst>
+      <p:ext uri="{BB962C8B-B14F-4D97-AF65-F5344CB8AC3E}">
+        <p14:creationId xmlns:p14="http://schemas.microsoft.com/office/powerpoint/2010/main" val="2001712633"/>
+      </p:ext>
+    </p:extLst>
+  </p:cSld>
+  <p:clrMapOvr>
+    <a:masterClrMapping/>
+  </p:clrMapOvr>
+</p:sldLayout>
+</file>
+
+<file path=ppt/slideLayouts/slideLayout15.xml><?xml version="1.0" encoding="utf-8"?>
 <p:sldLayout xmlns:a="http://schemas.openxmlformats.org/drawingml/2006/main" xmlns:r="http://schemas.openxmlformats.org/officeDocument/2006/relationships" xmlns:p="http://schemas.openxmlformats.org/presentationml/2006/main" type="vertTx" preserve="1">
   <p:cSld name="Title and Vertical Text">
     <p:spTree>
@@ -374,10 +2622,10 @@
           <a:lstStyle/>
           <a:p>
             <a:r>
-              <a:rPr kumimoji="0" lang="en-US" smtClean="0"/>
+              <a:rPr lang="en-US" smtClean="0"/>
               <a:t>Click to edit Master title style</a:t>
             </a:r>
-            <a:endParaRPr kumimoji="0" lang="en-US"/>
+            <a:endParaRPr lang="en-US" dirty="0"/>
           </a:p>
         </p:txBody>
       </p:sp>
@@ -396,40 +2644,40 @@
           <a:bodyPr vert="eaVert"/>
           <a:lstStyle/>
           <a:p>
-            <a:pPr lvl="0" eaLnBrk="1" latinLnBrk="0" hangingPunct="1"/>
-            <a:r>
-              <a:rPr lang="en-US" smtClean="0"/>
-              <a:t>Click to edit Master text styles</a:t>
-            </a:r>
-          </a:p>
-          <a:p>
-            <a:pPr lvl="1" eaLnBrk="1" latinLnBrk="0" hangingPunct="1"/>
+            <a:pPr lvl="0"/>
+            <a:r>
+              <a:rPr lang="en-US" smtClean="0"/>
+              <a:t>Edit Master text styles</a:t>
+            </a:r>
+          </a:p>
+          <a:p>
+            <a:pPr lvl="1"/>
             <a:r>
               <a:rPr lang="en-US" smtClean="0"/>
               <a:t>Second level</a:t>
             </a:r>
           </a:p>
           <a:p>
-            <a:pPr lvl="2" eaLnBrk="1" latinLnBrk="0" hangingPunct="1"/>
+            <a:pPr lvl="2"/>
             <a:r>
               <a:rPr lang="en-US" smtClean="0"/>
               <a:t>Third level</a:t>
             </a:r>
           </a:p>
           <a:p>
-            <a:pPr lvl="3" eaLnBrk="1" latinLnBrk="0" hangingPunct="1"/>
+            <a:pPr lvl="3"/>
             <a:r>
               <a:rPr lang="en-US" smtClean="0"/>
               <a:t>Fourth level</a:t>
             </a:r>
           </a:p>
           <a:p>
-            <a:pPr lvl="4" eaLnBrk="1" latinLnBrk="0" hangingPunct="1"/>
+            <a:pPr lvl="4"/>
             <a:r>
               <a:rPr lang="en-US" smtClean="0"/>
               <a:t>Fifth level</a:t>
             </a:r>
-            <a:endParaRPr kumimoji="0" lang="en-US"/>
+            <a:endParaRPr lang="en-US" dirty="0"/>
           </a:p>
         </p:txBody>
       </p:sp>
@@ -452,7 +2700,7 @@
               <a:rPr lang="en-US" smtClean="0"/>
               <a:t>6/8/2015</a:t>
             </a:fld>
-            <a:endParaRPr lang="en-US"/>
+            <a:endParaRPr lang="en-US" dirty="0"/>
           </a:p>
         </p:txBody>
       </p:sp>
@@ -471,7 +2719,7 @@
           <a:bodyPr/>
           <a:lstStyle/>
           <a:p>
-            <a:endParaRPr lang="en-US"/>
+            <a:endParaRPr lang="en-US" dirty="0"/>
           </a:p>
         </p:txBody>
       </p:sp>
@@ -494,11 +2742,16 @@
               <a:rPr lang="en-US" smtClean="0"/>
               <a:t>‹#›</a:t>
             </a:fld>
-            <a:endParaRPr lang="en-US"/>
+            <a:endParaRPr lang="en-US" dirty="0"/>
           </a:p>
         </p:txBody>
       </p:sp>
     </p:spTree>
+    <p:extLst>
+      <p:ext uri="{BB962C8B-B14F-4D97-AF65-F5344CB8AC3E}">
+        <p14:creationId xmlns:p14="http://schemas.microsoft.com/office/powerpoint/2010/main" val="1823333369"/>
+      </p:ext>
+    </p:extLst>
   </p:cSld>
   <p:clrMapOvr>
     <a:masterClrMapping/>
@@ -506,7 +2759,7 @@
 </p:sldLayout>
 </file>
 
-<file path=ppt/slideLayouts/slideLayout11.xml><?xml version="1.0" encoding="utf-8"?>
+<file path=ppt/slideLayouts/slideLayout16.xml><?xml version="1.0" encoding="utf-8"?>
 <p:sldLayout xmlns:a="http://schemas.openxmlformats.org/drawingml/2006/main" xmlns:r="http://schemas.openxmlformats.org/officeDocument/2006/relationships" xmlns:p="http://schemas.openxmlformats.org/presentationml/2006/main" type="vertTitleAndTx" preserve="1">
   <p:cSld name="Vertical Title and Text">
     <p:spTree>
@@ -535,19 +2788,19 @@
         </p:nvSpPr>
         <p:spPr>
           <a:xfrm>
-            <a:off x="6629400" y="274638"/>
-            <a:ext cx="2057400" cy="5851525"/>
+            <a:off x="5977312" y="609600"/>
+            <a:ext cx="978812" cy="5251451"/>
           </a:xfrm>
         </p:spPr>
         <p:txBody>
-          <a:bodyPr vert="eaVert"/>
-          <a:lstStyle/>
-          <a:p>
-            <a:r>
-              <a:rPr kumimoji="0" lang="en-US" smtClean="0"/>
+          <a:bodyPr vert="eaVert" anchor="ctr"/>
+          <a:lstStyle/>
+          <a:p>
+            <a:r>
+              <a:rPr lang="en-US" smtClean="0"/>
               <a:t>Click to edit Master title style</a:t>
             </a:r>
-            <a:endParaRPr kumimoji="0" lang="en-US"/>
+            <a:endParaRPr lang="en-US" dirty="0"/>
           </a:p>
         </p:txBody>
       </p:sp>
@@ -563,48 +2816,48 @@
         </p:nvSpPr>
         <p:spPr>
           <a:xfrm>
-            <a:off x="457200" y="274638"/>
-            <a:ext cx="6019800" cy="5851525"/>
+            <a:off x="609599" y="609600"/>
+            <a:ext cx="5195026" cy="5251451"/>
           </a:xfrm>
         </p:spPr>
         <p:txBody>
           <a:bodyPr vert="eaVert"/>
           <a:lstStyle/>
           <a:p>
-            <a:pPr lvl="0" eaLnBrk="1" latinLnBrk="0" hangingPunct="1"/>
-            <a:r>
-              <a:rPr lang="en-US" smtClean="0"/>
-              <a:t>Click to edit Master text styles</a:t>
-            </a:r>
-          </a:p>
-          <a:p>
-            <a:pPr lvl="1" eaLnBrk="1" latinLnBrk="0" hangingPunct="1"/>
+            <a:pPr lvl="0"/>
+            <a:r>
+              <a:rPr lang="en-US" smtClean="0"/>
+              <a:t>Edit Master text styles</a:t>
+            </a:r>
+          </a:p>
+          <a:p>
+            <a:pPr lvl="1"/>
             <a:r>
               <a:rPr lang="en-US" smtClean="0"/>
               <a:t>Second level</a:t>
             </a:r>
           </a:p>
           <a:p>
-            <a:pPr lvl="2" eaLnBrk="1" latinLnBrk="0" hangingPunct="1"/>
+            <a:pPr lvl="2"/>
             <a:r>
               <a:rPr lang="en-US" smtClean="0"/>
               <a:t>Third level</a:t>
             </a:r>
           </a:p>
           <a:p>
-            <a:pPr lvl="3" eaLnBrk="1" latinLnBrk="0" hangingPunct="1"/>
+            <a:pPr lvl="3"/>
             <a:r>
               <a:rPr lang="en-US" smtClean="0"/>
               <a:t>Fourth level</a:t>
             </a:r>
           </a:p>
           <a:p>
-            <a:pPr lvl="4" eaLnBrk="1" latinLnBrk="0" hangingPunct="1"/>
+            <a:pPr lvl="4"/>
             <a:r>
               <a:rPr lang="en-US" smtClean="0"/>
               <a:t>Fifth level</a:t>
             </a:r>
-            <a:endParaRPr kumimoji="0" lang="en-US"/>
+            <a:endParaRPr lang="en-US" dirty="0"/>
           </a:p>
         </p:txBody>
       </p:sp>
@@ -627,7 +2880,7 @@
               <a:rPr lang="en-US" smtClean="0"/>
               <a:t>6/8/2015</a:t>
             </a:fld>
-            <a:endParaRPr lang="en-US"/>
+            <a:endParaRPr lang="en-US" dirty="0"/>
           </a:p>
         </p:txBody>
       </p:sp>
@@ -646,7 +2899,7 @@
           <a:bodyPr/>
           <a:lstStyle/>
           <a:p>
-            <a:endParaRPr lang="en-US"/>
+            <a:endParaRPr lang="en-US" dirty="0"/>
           </a:p>
         </p:txBody>
       </p:sp>
@@ -669,11 +2922,16 @@
               <a:rPr lang="en-US" smtClean="0"/>
               <a:t>‹#›</a:t>
             </a:fld>
-            <a:endParaRPr lang="en-US"/>
+            <a:endParaRPr lang="en-US" dirty="0"/>
           </a:p>
         </p:txBody>
       </p:sp>
     </p:spTree>
+    <p:extLst>
+      <p:ext uri="{BB962C8B-B14F-4D97-AF65-F5344CB8AC3E}">
+        <p14:creationId xmlns:p14="http://schemas.microsoft.com/office/powerpoint/2010/main" val="2737658340"/>
+      </p:ext>
+    </p:extLst>
   </p:cSld>
   <p:clrMapOvr>
     <a:masterClrMapping/>
@@ -714,10 +2972,10 @@
           <a:lstStyle/>
           <a:p>
             <a:r>
-              <a:rPr kumimoji="0" lang="en-US" smtClean="0"/>
+              <a:rPr lang="en-US" smtClean="0"/>
               <a:t>Click to edit Master title style</a:t>
             </a:r>
-            <a:endParaRPr kumimoji="0" lang="en-US"/>
+            <a:endParaRPr lang="en-US" dirty="0"/>
           </a:p>
         </p:txBody>
       </p:sp>
@@ -736,40 +2994,40 @@
           <a:bodyPr/>
           <a:lstStyle/>
           <a:p>
-            <a:pPr lvl="0" eaLnBrk="1" latinLnBrk="0" hangingPunct="1"/>
-            <a:r>
-              <a:rPr lang="en-US" smtClean="0"/>
-              <a:t>Click to edit Master text styles</a:t>
-            </a:r>
-          </a:p>
-          <a:p>
-            <a:pPr lvl="1" eaLnBrk="1" latinLnBrk="0" hangingPunct="1"/>
+            <a:pPr lvl="0"/>
+            <a:r>
+              <a:rPr lang="en-US" smtClean="0"/>
+              <a:t>Edit Master text styles</a:t>
+            </a:r>
+          </a:p>
+          <a:p>
+            <a:pPr lvl="1"/>
             <a:r>
               <a:rPr lang="en-US" smtClean="0"/>
               <a:t>Second level</a:t>
             </a:r>
           </a:p>
           <a:p>
-            <a:pPr lvl="2" eaLnBrk="1" latinLnBrk="0" hangingPunct="1"/>
+            <a:pPr lvl="2"/>
             <a:r>
               <a:rPr lang="en-US" smtClean="0"/>
               <a:t>Third level</a:t>
             </a:r>
           </a:p>
           <a:p>
-            <a:pPr lvl="3" eaLnBrk="1" latinLnBrk="0" hangingPunct="1"/>
+            <a:pPr lvl="3"/>
             <a:r>
               <a:rPr lang="en-US" smtClean="0"/>
               <a:t>Fourth level</a:t>
             </a:r>
           </a:p>
           <a:p>
-            <a:pPr lvl="4" eaLnBrk="1" latinLnBrk="0" hangingPunct="1"/>
+            <a:pPr lvl="4"/>
             <a:r>
               <a:rPr lang="en-US" smtClean="0"/>
               <a:t>Fifth level</a:t>
             </a:r>
-            <a:endParaRPr kumimoji="0" lang="en-US"/>
+            <a:endParaRPr lang="en-US" dirty="0"/>
           </a:p>
         </p:txBody>
       </p:sp>
@@ -792,7 +3050,7 @@
               <a:rPr lang="en-US" smtClean="0"/>
               <a:t>6/8/2015</a:t>
             </a:fld>
-            <a:endParaRPr lang="en-US"/>
+            <a:endParaRPr lang="en-US" dirty="0"/>
           </a:p>
         </p:txBody>
       </p:sp>
@@ -811,7 +3069,7 @@
           <a:bodyPr/>
           <a:lstStyle/>
           <a:p>
-            <a:endParaRPr lang="en-US"/>
+            <a:endParaRPr lang="en-US" dirty="0"/>
           </a:p>
         </p:txBody>
       </p:sp>
@@ -834,11 +3092,16 @@
               <a:rPr lang="en-US" smtClean="0"/>
               <a:t>‹#›</a:t>
             </a:fld>
-            <a:endParaRPr lang="en-US"/>
+            <a:endParaRPr lang="en-US" dirty="0"/>
           </a:p>
         </p:txBody>
       </p:sp>
     </p:spTree>
+    <p:extLst>
+      <p:ext uri="{BB962C8B-B14F-4D97-AF65-F5344CB8AC3E}">
+        <p14:creationId xmlns:p14="http://schemas.microsoft.com/office/powerpoint/2010/main" val="982555361"/>
+      </p:ext>
+    </p:extLst>
   </p:cSld>
   <p:clrMapOvr>
     <a:masterClrMapping/>
@@ -875,94 +3138,57 @@
         </p:nvSpPr>
         <p:spPr>
           <a:xfrm>
-            <a:off x="1600200" y="609600"/>
-            <a:ext cx="7086600" cy="1828800"/>
+            <a:off x="609598" y="2700868"/>
+            <a:ext cx="6347715" cy="1826581"/>
           </a:xfrm>
         </p:spPr>
         <p:txBody>
-          <a:bodyPr vert="horz" bIns="0" anchor="b">
-            <a:noAutofit/>
-            <a:scene3d>
-              <a:camera prst="orthographicFront"/>
-              <a:lightRig rig="soft" dir="t">
-                <a:rot lat="0" lon="0" rev="17220000"/>
-              </a:lightRig>
-            </a:scene3d>
-            <a:sp3d prstMaterial="softEdge">
-              <a:bevelT w="38100" h="38100"/>
-              <a:contourClr>
-                <a:schemeClr val="tx2">
-                  <a:shade val="50000"/>
-                </a:schemeClr>
-              </a:contourClr>
-            </a:sp3d>
-          </a:bodyPr>
+          <a:bodyPr anchor="b"/>
           <a:lstStyle>
-            <a:lvl1pPr algn="l" rtl="0">
-              <a:spcBef>
-                <a:spcPct val="0"/>
-              </a:spcBef>
-              <a:buNone/>
-              <a:defRPr sz="4800" b="1" cap="none" baseline="0">
-                <a:ln w="6350">
-                  <a:noFill/>
-                </a:ln>
-                <a:solidFill>
-                  <a:schemeClr val="accent1">
-                    <a:tint val="90000"/>
-                    <a:satMod val="120000"/>
+            <a:lvl1pPr algn="l">
+              <a:defRPr sz="4000" b="0" cap="none"/>
+            </a:lvl1pPr>
+          </a:lstStyle>
+          <a:p>
+            <a:r>
+              <a:rPr lang="en-US" smtClean="0"/>
+              <a:t>Click to edit Master title style</a:t>
+            </a:r>
+            <a:endParaRPr lang="en-US" dirty="0"/>
+          </a:p>
+        </p:txBody>
+      </p:sp>
+      <p:sp>
+        <p:nvSpPr>
+          <p:cNvPr id="3" name="Text Placeholder 2"/>
+          <p:cNvSpPr>
+            <a:spLocks noGrp="1"/>
+          </p:cNvSpPr>
+          <p:nvPr>
+            <p:ph type="body" idx="1"/>
+          </p:nvPr>
+        </p:nvSpPr>
+        <p:spPr>
+          <a:xfrm>
+            <a:off x="609598" y="4527448"/>
+            <a:ext cx="6347715" cy="860400"/>
+          </a:xfrm>
+        </p:spPr>
+        <p:txBody>
+          <a:bodyPr anchor="t"/>
+          <a:lstStyle>
+            <a:lvl1pPr marL="0" indent="0" algn="l">
+              <a:buNone/>
+              <a:defRPr sz="2000">
+                <a:solidFill>
+                  <a:schemeClr val="tx1">
+                    <a:lumMod val="50000"/>
+                    <a:lumOff val="50000"/>
                   </a:schemeClr>
                 </a:solidFill>
-                <a:effectLst>
-                  <a:outerShdw blurRad="114300" dist="101600" dir="2700000" algn="tl" rotWithShape="0">
-                    <a:srgbClr val="000000">
-                      <a:alpha val="40000"/>
-                    </a:srgbClr>
-                  </a:outerShdw>
-                </a:effectLst>
-                <a:latin typeface="+mj-lt"/>
-                <a:ea typeface="+mj-ea"/>
-                <a:cs typeface="+mj-cs"/>
               </a:defRPr>
             </a:lvl1pPr>
-          </a:lstStyle>
-          <a:p>
-            <a:r>
-              <a:rPr kumimoji="0" lang="en-US" smtClean="0"/>
-              <a:t>Click to edit Master title style</a:t>
-            </a:r>
-            <a:endParaRPr kumimoji="0" lang="en-US"/>
-          </a:p>
-        </p:txBody>
-      </p:sp>
-      <p:sp>
-        <p:nvSpPr>
-          <p:cNvPr id="3" name="Text Placeholder 2"/>
-          <p:cNvSpPr>
-            <a:spLocks noGrp="1"/>
-          </p:cNvSpPr>
-          <p:nvPr>
-            <p:ph type="body" idx="1"/>
-          </p:nvPr>
-        </p:nvSpPr>
-        <p:spPr>
-          <a:xfrm>
-            <a:off x="1600200" y="2507786"/>
-            <a:ext cx="7086600" cy="1509712"/>
-          </a:xfrm>
-        </p:spPr>
-        <p:txBody>
-          <a:bodyPr anchor="t"/>
-          <a:lstStyle>
-            <a:lvl1pPr marL="73152" indent="0" algn="l">
-              <a:buNone/>
-              <a:defRPr sz="2000">
-                <a:solidFill>
-                  <a:schemeClr val="tx1"/>
-                </a:solidFill>
-              </a:defRPr>
-            </a:lvl1pPr>
-            <a:lvl2pPr>
+            <a:lvl2pPr marL="457200" indent="0">
               <a:buNone/>
               <a:defRPr sz="1800">
                 <a:solidFill>
@@ -972,7 +3198,7 @@
                 </a:solidFill>
               </a:defRPr>
             </a:lvl2pPr>
-            <a:lvl3pPr>
+            <a:lvl3pPr marL="914400" indent="0">
               <a:buNone/>
               <a:defRPr sz="1600">
                 <a:solidFill>
@@ -982,7 +3208,7 @@
                 </a:solidFill>
               </a:defRPr>
             </a:lvl3pPr>
-            <a:lvl4pPr>
+            <a:lvl4pPr marL="1371600" indent="0">
               <a:buNone/>
               <a:defRPr sz="1400">
                 <a:solidFill>
@@ -992,7 +3218,7 @@
                 </a:solidFill>
               </a:defRPr>
             </a:lvl4pPr>
-            <a:lvl5pPr>
+            <a:lvl5pPr marL="1828800" indent="0">
               <a:buNone/>
               <a:defRPr sz="1400">
                 <a:solidFill>
@@ -1002,12 +3228,52 @@
                 </a:solidFill>
               </a:defRPr>
             </a:lvl5pPr>
+            <a:lvl6pPr marL="2286000" indent="0">
+              <a:buNone/>
+              <a:defRPr sz="1400">
+                <a:solidFill>
+                  <a:schemeClr val="tx1">
+                    <a:tint val="75000"/>
+                  </a:schemeClr>
+                </a:solidFill>
+              </a:defRPr>
+            </a:lvl6pPr>
+            <a:lvl7pPr marL="2743200" indent="0">
+              <a:buNone/>
+              <a:defRPr sz="1400">
+                <a:solidFill>
+                  <a:schemeClr val="tx1">
+                    <a:tint val="75000"/>
+                  </a:schemeClr>
+                </a:solidFill>
+              </a:defRPr>
+            </a:lvl7pPr>
+            <a:lvl8pPr marL="3200400" indent="0">
+              <a:buNone/>
+              <a:defRPr sz="1400">
+                <a:solidFill>
+                  <a:schemeClr val="tx1">
+                    <a:tint val="75000"/>
+                  </a:schemeClr>
+                </a:solidFill>
+              </a:defRPr>
+            </a:lvl8pPr>
+            <a:lvl9pPr marL="3657600" indent="0">
+              <a:buNone/>
+              <a:defRPr sz="1400">
+                <a:solidFill>
+                  <a:schemeClr val="tx1">
+                    <a:tint val="75000"/>
+                  </a:schemeClr>
+                </a:solidFill>
+              </a:defRPr>
+            </a:lvl9pPr>
           </a:lstStyle>
           <a:p>
-            <a:pPr lvl="0" eaLnBrk="1" latinLnBrk="0" hangingPunct="1"/>
-            <a:r>
-              <a:rPr kumimoji="0" lang="en-US" smtClean="0"/>
-              <a:t>Click to edit Master text styles</a:t>
+            <a:pPr lvl="0"/>
+            <a:r>
+              <a:rPr lang="en-US" smtClean="0"/>
+              <a:t>Edit Master text styles</a:t>
             </a:r>
           </a:p>
         </p:txBody>
@@ -1031,7 +3297,7 @@
               <a:rPr lang="en-US" smtClean="0"/>
               <a:t>6/8/2015</a:t>
             </a:fld>
-            <a:endParaRPr lang="en-US"/>
+            <a:endParaRPr lang="en-US" dirty="0"/>
           </a:p>
         </p:txBody>
       </p:sp>
@@ -1050,7 +3316,7 @@
           <a:bodyPr/>
           <a:lstStyle/>
           <a:p>
-            <a:endParaRPr lang="en-US"/>
+            <a:endParaRPr lang="en-US" dirty="0"/>
           </a:p>
         </p:txBody>
       </p:sp>
@@ -1064,12 +3330,7 @@
             <p:ph type="sldNum" sz="quarter" idx="12"/>
           </p:nvPr>
         </p:nvSpPr>
-        <p:spPr>
-          <a:xfrm>
-            <a:off x="7924800" y="6416675"/>
-            <a:ext cx="762000" cy="365125"/>
-          </a:xfrm>
-        </p:spPr>
+        <p:spPr/>
         <p:txBody>
           <a:bodyPr/>
           <a:lstStyle/>
@@ -1078,14 +3339,19 @@
               <a:rPr lang="en-US" smtClean="0"/>
               <a:t>‹#›</a:t>
             </a:fld>
-            <a:endParaRPr lang="en-US"/>
+            <a:endParaRPr lang="en-US" dirty="0"/>
           </a:p>
         </p:txBody>
       </p:sp>
     </p:spTree>
+    <p:extLst>
+      <p:ext uri="{BB962C8B-B14F-4D97-AF65-F5344CB8AC3E}">
+        <p14:creationId xmlns:p14="http://schemas.microsoft.com/office/powerpoint/2010/main" val="1841927528"/>
+      </p:ext>
+    </p:extLst>
   </p:cSld>
   <p:clrMapOvr>
-    <a:overrideClrMapping bg1="dk1" tx1="lt1" bg2="dk2" tx2="lt2" accent1="accent1" accent2="accent2" accent3="accent3" accent4="accent4" accent5="accent5" accent6="accent6" hlink="hlink" folHlink="folHlink"/>
+    <a:masterClrMapping/>
   </p:clrMapOvr>
 </p:sldLayout>
 </file>
@@ -1117,89 +3383,108 @@
             <p:ph type="title"/>
           </p:nvPr>
         </p:nvSpPr>
-        <p:spPr/>
-        <p:txBody>
-          <a:bodyPr/>
-          <a:lstStyle/>
-          <a:p>
-            <a:r>
-              <a:rPr kumimoji="0" lang="en-US" smtClean="0"/>
-              <a:t>Click to edit Master title style</a:t>
-            </a:r>
-            <a:endParaRPr kumimoji="0" lang="en-US"/>
-          </a:p>
-        </p:txBody>
-      </p:sp>
-      <p:sp>
-        <p:nvSpPr>
-          <p:cNvPr id="3" name="Content Placeholder 2"/>
-          <p:cNvSpPr>
-            <a:spLocks noGrp="1"/>
-          </p:cNvSpPr>
-          <p:nvPr>
-            <p:ph sz="half" idx="1"/>
-          </p:nvPr>
-        </p:nvSpPr>
         <p:spPr>
           <a:xfrm>
-            <a:off x="457200" y="1600200"/>
-            <a:ext cx="4038600" cy="4525963"/>
+            <a:off x="609600" y="609600"/>
+            <a:ext cx="6347714" cy="1320800"/>
           </a:xfrm>
         </p:spPr>
         <p:txBody>
           <a:bodyPr/>
+          <a:lstStyle/>
+          <a:p>
+            <a:r>
+              <a:rPr lang="en-US" smtClean="0"/>
+              <a:t>Click to edit Master title style</a:t>
+            </a:r>
+            <a:endParaRPr lang="en-US" dirty="0"/>
+          </a:p>
+        </p:txBody>
+      </p:sp>
+      <p:sp>
+        <p:nvSpPr>
+          <p:cNvPr id="3" name="Content Placeholder 2"/>
+          <p:cNvSpPr>
+            <a:spLocks noGrp="1"/>
+          </p:cNvSpPr>
+          <p:nvPr>
+            <p:ph sz="half" idx="1"/>
+          </p:nvPr>
+        </p:nvSpPr>
+        <p:spPr>
+          <a:xfrm>
+            <a:off x="609600" y="2160589"/>
+            <a:ext cx="3088109" cy="3880772"/>
+          </a:xfrm>
+        </p:spPr>
+        <p:txBody>
+          <a:bodyPr>
+            <a:normAutofit/>
+          </a:bodyPr>
           <a:lstStyle>
             <a:lvl1pPr>
-              <a:defRPr sz="2600"/>
+              <a:defRPr sz="1800"/>
             </a:lvl1pPr>
             <a:lvl2pPr>
-              <a:defRPr sz="2400"/>
+              <a:defRPr sz="1600"/>
             </a:lvl2pPr>
             <a:lvl3pPr>
-              <a:defRPr sz="2000"/>
+              <a:defRPr sz="1400"/>
             </a:lvl3pPr>
             <a:lvl4pPr>
-              <a:defRPr sz="1800"/>
+              <a:defRPr sz="1200"/>
             </a:lvl4pPr>
             <a:lvl5pPr>
-              <a:defRPr sz="1800"/>
+              <a:defRPr sz="1200"/>
             </a:lvl5pPr>
+            <a:lvl6pPr>
+              <a:defRPr sz="1200"/>
+            </a:lvl6pPr>
+            <a:lvl7pPr>
+              <a:defRPr sz="1200"/>
+            </a:lvl7pPr>
+            <a:lvl8pPr>
+              <a:defRPr sz="1200"/>
+            </a:lvl8pPr>
+            <a:lvl9pPr>
+              <a:defRPr sz="1200"/>
+            </a:lvl9pPr>
           </a:lstStyle>
           <a:p>
-            <a:pPr lvl="0" eaLnBrk="1" latinLnBrk="0" hangingPunct="1"/>
-            <a:r>
-              <a:rPr lang="en-US" smtClean="0"/>
-              <a:t>Click to edit Master text styles</a:t>
-            </a:r>
-          </a:p>
-          <a:p>
-            <a:pPr lvl="1" eaLnBrk="1" latinLnBrk="0" hangingPunct="1"/>
+            <a:pPr lvl="0"/>
+            <a:r>
+              <a:rPr lang="en-US" smtClean="0"/>
+              <a:t>Edit Master text styles</a:t>
+            </a:r>
+          </a:p>
+          <a:p>
+            <a:pPr lvl="1"/>
             <a:r>
               <a:rPr lang="en-US" smtClean="0"/>
               <a:t>Second level</a:t>
             </a:r>
           </a:p>
           <a:p>
-            <a:pPr lvl="2" eaLnBrk="1" latinLnBrk="0" hangingPunct="1"/>
+            <a:pPr lvl="2"/>
             <a:r>
               <a:rPr lang="en-US" smtClean="0"/>
               <a:t>Third level</a:t>
             </a:r>
           </a:p>
           <a:p>
-            <a:pPr lvl="3" eaLnBrk="1" latinLnBrk="0" hangingPunct="1"/>
+            <a:pPr lvl="3"/>
             <a:r>
               <a:rPr lang="en-US" smtClean="0"/>
               <a:t>Fourth level</a:t>
             </a:r>
           </a:p>
           <a:p>
-            <a:pPr lvl="4" eaLnBrk="1" latinLnBrk="0" hangingPunct="1"/>
+            <a:pPr lvl="4"/>
             <a:r>
               <a:rPr lang="en-US" smtClean="0"/>
               <a:t>Fifth level</a:t>
             </a:r>
-            <a:endParaRPr kumimoji="0" lang="en-US"/>
+            <a:endParaRPr lang="en-US" dirty="0"/>
           </a:p>
         </p:txBody>
       </p:sp>
@@ -1215,64 +3500,78 @@
         </p:nvSpPr>
         <p:spPr>
           <a:xfrm>
-            <a:off x="4648200" y="1600200"/>
-            <a:ext cx="4038600" cy="4525963"/>
+            <a:off x="3869204" y="2160590"/>
+            <a:ext cx="3088110" cy="3880773"/>
           </a:xfrm>
         </p:spPr>
         <p:txBody>
-          <a:bodyPr/>
+          <a:bodyPr>
+            <a:normAutofit/>
+          </a:bodyPr>
           <a:lstStyle>
             <a:lvl1pPr>
-              <a:defRPr sz="2600"/>
+              <a:defRPr sz="1800"/>
             </a:lvl1pPr>
             <a:lvl2pPr>
-              <a:defRPr sz="2400"/>
+              <a:defRPr sz="1600"/>
             </a:lvl2pPr>
             <a:lvl3pPr>
-              <a:defRPr sz="2000"/>
+              <a:defRPr sz="1400"/>
             </a:lvl3pPr>
             <a:lvl4pPr>
-              <a:defRPr sz="1800"/>
+              <a:defRPr sz="1200"/>
             </a:lvl4pPr>
             <a:lvl5pPr>
-              <a:defRPr sz="1800"/>
+              <a:defRPr sz="1200"/>
             </a:lvl5pPr>
+            <a:lvl6pPr>
+              <a:defRPr sz="1200"/>
+            </a:lvl6pPr>
+            <a:lvl7pPr>
+              <a:defRPr sz="1200"/>
+            </a:lvl7pPr>
+            <a:lvl8pPr>
+              <a:defRPr sz="1200"/>
+            </a:lvl8pPr>
+            <a:lvl9pPr>
+              <a:defRPr sz="1200"/>
+            </a:lvl9pPr>
           </a:lstStyle>
           <a:p>
-            <a:pPr lvl="0" eaLnBrk="1" latinLnBrk="0" hangingPunct="1"/>
-            <a:r>
-              <a:rPr lang="en-US" smtClean="0"/>
-              <a:t>Click to edit Master text styles</a:t>
-            </a:r>
-          </a:p>
-          <a:p>
-            <a:pPr lvl="1" eaLnBrk="1" latinLnBrk="0" hangingPunct="1"/>
+            <a:pPr lvl="0"/>
+            <a:r>
+              <a:rPr lang="en-US" smtClean="0"/>
+              <a:t>Edit Master text styles</a:t>
+            </a:r>
+          </a:p>
+          <a:p>
+            <a:pPr lvl="1"/>
             <a:r>
               <a:rPr lang="en-US" smtClean="0"/>
               <a:t>Second level</a:t>
             </a:r>
           </a:p>
           <a:p>
-            <a:pPr lvl="2" eaLnBrk="1" latinLnBrk="0" hangingPunct="1"/>
+            <a:pPr lvl="2"/>
             <a:r>
               <a:rPr lang="en-US" smtClean="0"/>
               <a:t>Third level</a:t>
             </a:r>
           </a:p>
           <a:p>
-            <a:pPr lvl="3" eaLnBrk="1" latinLnBrk="0" hangingPunct="1"/>
+            <a:pPr lvl="3"/>
             <a:r>
               <a:rPr lang="en-US" smtClean="0"/>
               <a:t>Fourth level</a:t>
             </a:r>
           </a:p>
           <a:p>
-            <a:pPr lvl="4" eaLnBrk="1" latinLnBrk="0" hangingPunct="1"/>
+            <a:pPr lvl="4"/>
             <a:r>
               <a:rPr lang="en-US" smtClean="0"/>
               <a:t>Fifth level</a:t>
             </a:r>
-            <a:endParaRPr kumimoji="0" lang="en-US"/>
+            <a:endParaRPr lang="en-US" dirty="0"/>
           </a:p>
         </p:txBody>
       </p:sp>
@@ -1295,7 +3594,7 @@
               <a:rPr lang="en-US" smtClean="0"/>
               <a:t>6/8/2015</a:t>
             </a:fld>
-            <a:endParaRPr lang="en-US"/>
+            <a:endParaRPr lang="en-US" dirty="0"/>
           </a:p>
         </p:txBody>
       </p:sp>
@@ -1314,7 +3613,7 @@
           <a:bodyPr/>
           <a:lstStyle/>
           <a:p>
-            <a:endParaRPr lang="en-US"/>
+            <a:endParaRPr lang="en-US" dirty="0"/>
           </a:p>
         </p:txBody>
       </p:sp>
@@ -1337,11 +3636,16 @@
               <a:rPr lang="en-US" smtClean="0"/>
               <a:t>‹#›</a:t>
             </a:fld>
-            <a:endParaRPr lang="en-US"/>
+            <a:endParaRPr lang="en-US" dirty="0"/>
           </a:p>
         </p:txBody>
       </p:sp>
     </p:spTree>
+    <p:extLst>
+      <p:ext uri="{BB962C8B-B14F-4D97-AF65-F5344CB8AC3E}">
+        <p14:creationId xmlns:p14="http://schemas.microsoft.com/office/powerpoint/2010/main" val="2836269555"/>
+      </p:ext>
+    </p:extLst>
   </p:cSld>
   <p:clrMapOvr>
     <a:masterClrMapping/>
@@ -1378,12 +3682,12 @@
         </p:nvSpPr>
         <p:spPr>
           <a:xfrm>
-            <a:off x="457200" y="273050"/>
-            <a:ext cx="8229600" cy="1143000"/>
+            <a:off x="609599" y="609600"/>
+            <a:ext cx="6347713" cy="1320800"/>
           </a:xfrm>
         </p:spPr>
         <p:txBody>
-          <a:bodyPr anchor="ctr"/>
+          <a:bodyPr/>
           <a:lstStyle>
             <a:lvl1pPr>
               <a:defRPr/>
@@ -1391,10 +3695,10 @@
           </a:lstStyle>
           <a:p>
             <a:r>
-              <a:rPr kumimoji="0" lang="en-US" smtClean="0"/>
+              <a:rPr lang="en-US" smtClean="0"/>
               <a:t>Click to edit Master title style</a:t>
             </a:r>
-            <a:endParaRPr kumimoji="0" lang="en-US"/>
+            <a:endParaRPr lang="en-US" dirty="0"/>
           </a:p>
         </p:txBody>
       </p:sp>
@@ -1410,243 +3714,243 @@
         </p:nvSpPr>
         <p:spPr>
           <a:xfrm>
-            <a:off x="457200" y="1535112"/>
-            <a:ext cx="4040188" cy="750887"/>
+            <a:off x="609599" y="2160983"/>
+            <a:ext cx="3090672" cy="576262"/>
           </a:xfrm>
         </p:spPr>
         <p:txBody>
-          <a:bodyPr anchor="ctr"/>
+          <a:bodyPr anchor="b">
+            <a:noAutofit/>
+          </a:bodyPr>
           <a:lstStyle>
             <a:lvl1pPr marL="0" indent="0">
               <a:buNone/>
-              <a:defRPr sz="2400" b="0" cap="all" baseline="0">
-                <a:solidFill>
-                  <a:schemeClr val="tx1"/>
-                </a:solidFill>
-              </a:defRPr>
+              <a:defRPr sz="2400" b="0"/>
             </a:lvl1pPr>
-            <a:lvl2pPr>
+            <a:lvl2pPr marL="457200" indent="0">
               <a:buNone/>
               <a:defRPr sz="2000" b="1"/>
             </a:lvl2pPr>
-            <a:lvl3pPr>
+            <a:lvl3pPr marL="914400" indent="0">
               <a:buNone/>
               <a:defRPr sz="1800" b="1"/>
             </a:lvl3pPr>
-            <a:lvl4pPr>
+            <a:lvl4pPr marL="1371600" indent="0">
               <a:buNone/>
               <a:defRPr sz="1600" b="1"/>
             </a:lvl4pPr>
-            <a:lvl5pPr>
+            <a:lvl5pPr marL="1828800" indent="0">
               <a:buNone/>
               <a:defRPr sz="1600" b="1"/>
             </a:lvl5pPr>
+            <a:lvl6pPr marL="2286000" indent="0">
+              <a:buNone/>
+              <a:defRPr sz="1600" b="1"/>
+            </a:lvl6pPr>
+            <a:lvl7pPr marL="2743200" indent="0">
+              <a:buNone/>
+              <a:defRPr sz="1600" b="1"/>
+            </a:lvl7pPr>
+            <a:lvl8pPr marL="3200400" indent="0">
+              <a:buNone/>
+              <a:defRPr sz="1600" b="1"/>
+            </a:lvl8pPr>
+            <a:lvl9pPr marL="3657600" indent="0">
+              <a:buNone/>
+              <a:defRPr sz="1600" b="1"/>
+            </a:lvl9pPr>
           </a:lstStyle>
           <a:p>
-            <a:pPr lvl="0" eaLnBrk="1" latinLnBrk="0" hangingPunct="1"/>
-            <a:r>
-              <a:rPr kumimoji="0" lang="en-US" smtClean="0"/>
-              <a:t>Click to edit Master text styles</a:t>
-            </a:r>
-          </a:p>
-        </p:txBody>
-      </p:sp>
-      <p:sp>
-        <p:nvSpPr>
-          <p:cNvPr id="4" name="Text Placeholder 3"/>
-          <p:cNvSpPr>
-            <a:spLocks noGrp="1"/>
-          </p:cNvSpPr>
-          <p:nvPr>
-            <p:ph type="body" sz="half" idx="3"/>
+            <a:pPr lvl="0"/>
+            <a:r>
+              <a:rPr lang="en-US" smtClean="0"/>
+              <a:t>Edit Master text styles</a:t>
+            </a:r>
+          </a:p>
+        </p:txBody>
+      </p:sp>
+      <p:sp>
+        <p:nvSpPr>
+          <p:cNvPr id="4" name="Content Placeholder 3"/>
+          <p:cNvSpPr>
+            <a:spLocks noGrp="1"/>
+          </p:cNvSpPr>
+          <p:nvPr>
+            <p:ph sz="half" idx="2"/>
           </p:nvPr>
         </p:nvSpPr>
         <p:spPr>
           <a:xfrm>
-            <a:off x="4645025" y="1535112"/>
-            <a:ext cx="4041775" cy="750887"/>
+            <a:off x="609599" y="2737246"/>
+            <a:ext cx="3090672" cy="3304117"/>
           </a:xfrm>
         </p:spPr>
         <p:txBody>
-          <a:bodyPr anchor="ctr"/>
+          <a:bodyPr>
+            <a:normAutofit/>
+          </a:bodyPr>
+          <a:lstStyle/>
+          <a:p>
+            <a:pPr lvl="0"/>
+            <a:r>
+              <a:rPr lang="en-US" smtClean="0"/>
+              <a:t>Edit Master text styles</a:t>
+            </a:r>
+          </a:p>
+          <a:p>
+            <a:pPr lvl="1"/>
+            <a:r>
+              <a:rPr lang="en-US" smtClean="0"/>
+              <a:t>Second level</a:t>
+            </a:r>
+          </a:p>
+          <a:p>
+            <a:pPr lvl="2"/>
+            <a:r>
+              <a:rPr lang="en-US" smtClean="0"/>
+              <a:t>Third level</a:t>
+            </a:r>
+          </a:p>
+          <a:p>
+            <a:pPr lvl="3"/>
+            <a:r>
+              <a:rPr lang="en-US" smtClean="0"/>
+              <a:t>Fourth level</a:t>
+            </a:r>
+          </a:p>
+          <a:p>
+            <a:pPr lvl="4"/>
+            <a:r>
+              <a:rPr lang="en-US" smtClean="0"/>
+              <a:t>Fifth level</a:t>
+            </a:r>
+            <a:endParaRPr lang="en-US" dirty="0"/>
+          </a:p>
+        </p:txBody>
+      </p:sp>
+      <p:sp>
+        <p:nvSpPr>
+          <p:cNvPr id="5" name="Text Placeholder 4"/>
+          <p:cNvSpPr>
+            <a:spLocks noGrp="1"/>
+          </p:cNvSpPr>
+          <p:nvPr>
+            <p:ph type="body" sz="quarter" idx="3"/>
+          </p:nvPr>
+        </p:nvSpPr>
+        <p:spPr>
+          <a:xfrm>
+            <a:off x="3866640" y="2160983"/>
+            <a:ext cx="3090672" cy="576262"/>
+          </a:xfrm>
+        </p:spPr>
+        <p:txBody>
+          <a:bodyPr anchor="b">
+            <a:noAutofit/>
+          </a:bodyPr>
           <a:lstStyle>
             <a:lvl1pPr marL="0" indent="0">
               <a:buNone/>
-              <a:defRPr sz="2400" b="0" cap="all" baseline="0">
-                <a:solidFill>
-                  <a:schemeClr val="tx1"/>
-                </a:solidFill>
-              </a:defRPr>
+              <a:defRPr sz="2400" b="0"/>
             </a:lvl1pPr>
-            <a:lvl2pPr>
+            <a:lvl2pPr marL="457200" indent="0">
               <a:buNone/>
               <a:defRPr sz="2000" b="1"/>
             </a:lvl2pPr>
-            <a:lvl3pPr>
+            <a:lvl3pPr marL="914400" indent="0">
               <a:buNone/>
               <a:defRPr sz="1800" b="1"/>
             </a:lvl3pPr>
-            <a:lvl4pPr>
+            <a:lvl4pPr marL="1371600" indent="0">
               <a:buNone/>
               <a:defRPr sz="1600" b="1"/>
             </a:lvl4pPr>
-            <a:lvl5pPr>
+            <a:lvl5pPr marL="1828800" indent="0">
               <a:buNone/>
               <a:defRPr sz="1600" b="1"/>
             </a:lvl5pPr>
+            <a:lvl6pPr marL="2286000" indent="0">
+              <a:buNone/>
+              <a:defRPr sz="1600" b="1"/>
+            </a:lvl6pPr>
+            <a:lvl7pPr marL="2743200" indent="0">
+              <a:buNone/>
+              <a:defRPr sz="1600" b="1"/>
+            </a:lvl7pPr>
+            <a:lvl8pPr marL="3200400" indent="0">
+              <a:buNone/>
+              <a:defRPr sz="1600" b="1"/>
+            </a:lvl8pPr>
+            <a:lvl9pPr marL="3657600" indent="0">
+              <a:buNone/>
+              <a:defRPr sz="1600" b="1"/>
+            </a:lvl9pPr>
           </a:lstStyle>
           <a:p>
-            <a:pPr lvl="0" eaLnBrk="1" latinLnBrk="0" hangingPunct="1"/>
-            <a:r>
-              <a:rPr kumimoji="0" lang="en-US" smtClean="0"/>
-              <a:t>Click to edit Master text styles</a:t>
-            </a:r>
-          </a:p>
-        </p:txBody>
-      </p:sp>
-      <p:sp>
-        <p:nvSpPr>
-          <p:cNvPr id="5" name="Content Placeholder 4"/>
-          <p:cNvSpPr>
-            <a:spLocks noGrp="1"/>
-          </p:cNvSpPr>
-          <p:nvPr>
-            <p:ph sz="quarter" idx="2"/>
+            <a:pPr lvl="0"/>
+            <a:r>
+              <a:rPr lang="en-US" smtClean="0"/>
+              <a:t>Edit Master text styles</a:t>
+            </a:r>
+          </a:p>
+        </p:txBody>
+      </p:sp>
+      <p:sp>
+        <p:nvSpPr>
+          <p:cNvPr id="6" name="Content Placeholder 5"/>
+          <p:cNvSpPr>
+            <a:spLocks noGrp="1"/>
+          </p:cNvSpPr>
+          <p:nvPr>
+            <p:ph sz="quarter" idx="4"/>
           </p:nvPr>
         </p:nvSpPr>
         <p:spPr>
           <a:xfrm>
-            <a:off x="457200" y="2362200"/>
-            <a:ext cx="4040188" cy="3763963"/>
+            <a:off x="3866640" y="2737246"/>
+            <a:ext cx="3090672" cy="3304117"/>
           </a:xfrm>
         </p:spPr>
         <p:txBody>
-          <a:bodyPr/>
-          <a:lstStyle>
-            <a:lvl1pPr>
-              <a:defRPr sz="2400"/>
-            </a:lvl1pPr>
-            <a:lvl2pPr>
-              <a:defRPr sz="2000"/>
-            </a:lvl2pPr>
-            <a:lvl3pPr>
-              <a:defRPr sz="1800"/>
-            </a:lvl3pPr>
-            <a:lvl4pPr>
-              <a:defRPr sz="1600"/>
-            </a:lvl4pPr>
-            <a:lvl5pPr>
-              <a:defRPr sz="1600"/>
-            </a:lvl5pPr>
-          </a:lstStyle>
-          <a:p>
-            <a:pPr lvl="0" eaLnBrk="1" latinLnBrk="0" hangingPunct="1"/>
-            <a:r>
-              <a:rPr lang="en-US" smtClean="0"/>
-              <a:t>Click to edit Master text styles</a:t>
-            </a:r>
-          </a:p>
-          <a:p>
-            <a:pPr lvl="1" eaLnBrk="1" latinLnBrk="0" hangingPunct="1"/>
+          <a:bodyPr>
+            <a:normAutofit/>
+          </a:bodyPr>
+          <a:lstStyle/>
+          <a:p>
+            <a:pPr lvl="0"/>
+            <a:r>
+              <a:rPr lang="en-US" smtClean="0"/>
+              <a:t>Edit Master text styles</a:t>
+            </a:r>
+          </a:p>
+          <a:p>
+            <a:pPr lvl="1"/>
             <a:r>
               <a:rPr lang="en-US" smtClean="0"/>
               <a:t>Second level</a:t>
             </a:r>
           </a:p>
           <a:p>
-            <a:pPr lvl="2" eaLnBrk="1" latinLnBrk="0" hangingPunct="1"/>
+            <a:pPr lvl="2"/>
             <a:r>
               <a:rPr lang="en-US" smtClean="0"/>
               <a:t>Third level</a:t>
             </a:r>
           </a:p>
           <a:p>
-            <a:pPr lvl="3" eaLnBrk="1" latinLnBrk="0" hangingPunct="1"/>
+            <a:pPr lvl="3"/>
             <a:r>
               <a:rPr lang="en-US" smtClean="0"/>
               <a:t>Fourth level</a:t>
             </a:r>
           </a:p>
           <a:p>
-            <a:pPr lvl="4" eaLnBrk="1" latinLnBrk="0" hangingPunct="1"/>
+            <a:pPr lvl="4"/>
             <a:r>
               <a:rPr lang="en-US" smtClean="0"/>
               <a:t>Fifth level</a:t>
             </a:r>
-            <a:endParaRPr kumimoji="0" lang="en-US"/>
-          </a:p>
-        </p:txBody>
-      </p:sp>
-      <p:sp>
-        <p:nvSpPr>
-          <p:cNvPr id="6" name="Content Placeholder 5"/>
-          <p:cNvSpPr>
-            <a:spLocks noGrp="1"/>
-          </p:cNvSpPr>
-          <p:nvPr>
-            <p:ph sz="quarter" idx="4"/>
-          </p:nvPr>
-        </p:nvSpPr>
-        <p:spPr>
-          <a:xfrm>
-            <a:off x="4645025" y="2362200"/>
-            <a:ext cx="4041775" cy="3763963"/>
-          </a:xfrm>
-        </p:spPr>
-        <p:txBody>
-          <a:bodyPr/>
-          <a:lstStyle>
-            <a:lvl1pPr>
-              <a:defRPr sz="2400"/>
-            </a:lvl1pPr>
-            <a:lvl2pPr>
-              <a:defRPr sz="2000"/>
-            </a:lvl2pPr>
-            <a:lvl3pPr>
-              <a:defRPr sz="1800"/>
-            </a:lvl3pPr>
-            <a:lvl4pPr>
-              <a:defRPr sz="1600"/>
-            </a:lvl4pPr>
-            <a:lvl5pPr>
-              <a:defRPr sz="1600"/>
-            </a:lvl5pPr>
-          </a:lstStyle>
-          <a:p>
-            <a:pPr lvl="0" eaLnBrk="1" latinLnBrk="0" hangingPunct="1"/>
-            <a:r>
-              <a:rPr lang="en-US" smtClean="0"/>
-              <a:t>Click to edit Master text styles</a:t>
-            </a:r>
-          </a:p>
-          <a:p>
-            <a:pPr lvl="1" eaLnBrk="1" latinLnBrk="0" hangingPunct="1"/>
-            <a:r>
-              <a:rPr lang="en-US" smtClean="0"/>
-              <a:t>Second level</a:t>
-            </a:r>
-          </a:p>
-          <a:p>
-            <a:pPr lvl="2" eaLnBrk="1" latinLnBrk="0" hangingPunct="1"/>
-            <a:r>
-              <a:rPr lang="en-US" smtClean="0"/>
-              <a:t>Third level</a:t>
-            </a:r>
-          </a:p>
-          <a:p>
-            <a:pPr lvl="3" eaLnBrk="1" latinLnBrk="0" hangingPunct="1"/>
-            <a:r>
-              <a:rPr lang="en-US" smtClean="0"/>
-              <a:t>Fourth level</a:t>
-            </a:r>
-          </a:p>
-          <a:p>
-            <a:pPr lvl="4" eaLnBrk="1" latinLnBrk="0" hangingPunct="1"/>
-            <a:r>
-              <a:rPr lang="en-US" smtClean="0"/>
-              <a:t>Fifth level</a:t>
-            </a:r>
-            <a:endParaRPr kumimoji="0" lang="en-US"/>
+            <a:endParaRPr lang="en-US" dirty="0"/>
           </a:p>
         </p:txBody>
       </p:sp>
@@ -1669,7 +3973,7 @@
               <a:rPr lang="en-US" smtClean="0"/>
               <a:t>6/8/2015</a:t>
             </a:fld>
-            <a:endParaRPr lang="en-US"/>
+            <a:endParaRPr lang="en-US" dirty="0"/>
           </a:p>
         </p:txBody>
       </p:sp>
@@ -1688,7 +3992,7 @@
           <a:bodyPr/>
           <a:lstStyle/>
           <a:p>
-            <a:endParaRPr lang="en-US"/>
+            <a:endParaRPr lang="en-US" dirty="0"/>
           </a:p>
         </p:txBody>
       </p:sp>
@@ -1711,11 +4015,16 @@
               <a:rPr lang="en-US" smtClean="0"/>
               <a:t>‹#›</a:t>
             </a:fld>
-            <a:endParaRPr lang="en-US"/>
+            <a:endParaRPr lang="en-US" dirty="0"/>
           </a:p>
         </p:txBody>
       </p:sp>
     </p:spTree>
+    <p:extLst>
+      <p:ext uri="{BB962C8B-B14F-4D97-AF65-F5344CB8AC3E}">
+        <p14:creationId xmlns:p14="http://schemas.microsoft.com/office/powerpoint/2010/main" val="4175853317"/>
+      </p:ext>
+    </p:extLst>
   </p:cSld>
   <p:clrMapOvr>
     <a:masterClrMapping/>
@@ -1750,16 +4059,21 @@
             <p:ph type="title"/>
           </p:nvPr>
         </p:nvSpPr>
-        <p:spPr/>
+        <p:spPr>
+          <a:xfrm>
+            <a:off x="609599" y="609600"/>
+            <a:ext cx="6347714" cy="1320800"/>
+          </a:xfrm>
+        </p:spPr>
         <p:txBody>
           <a:bodyPr/>
           <a:lstStyle/>
           <a:p>
             <a:r>
-              <a:rPr kumimoji="0" lang="en-US" smtClean="0"/>
+              <a:rPr lang="en-US" smtClean="0"/>
               <a:t>Click to edit Master title style</a:t>
             </a:r>
-            <a:endParaRPr kumimoji="0" lang="en-US"/>
+            <a:endParaRPr lang="en-US" dirty="0"/>
           </a:p>
         </p:txBody>
       </p:sp>
@@ -1782,7 +4096,7 @@
               <a:rPr lang="en-US" smtClean="0"/>
               <a:t>6/8/2015</a:t>
             </a:fld>
-            <a:endParaRPr lang="en-US"/>
+            <a:endParaRPr lang="en-US" dirty="0"/>
           </a:p>
         </p:txBody>
       </p:sp>
@@ -1801,7 +4115,7 @@
           <a:bodyPr/>
           <a:lstStyle/>
           <a:p>
-            <a:endParaRPr lang="en-US"/>
+            <a:endParaRPr lang="en-US" dirty="0"/>
           </a:p>
         </p:txBody>
       </p:sp>
@@ -1824,11 +4138,16 @@
               <a:rPr lang="en-US" smtClean="0"/>
               <a:t>‹#›</a:t>
             </a:fld>
-            <a:endParaRPr lang="en-US"/>
+            <a:endParaRPr lang="en-US" dirty="0"/>
           </a:p>
         </p:txBody>
       </p:sp>
     </p:spTree>
+    <p:extLst>
+      <p:ext uri="{BB962C8B-B14F-4D97-AF65-F5344CB8AC3E}">
+        <p14:creationId xmlns:p14="http://schemas.microsoft.com/office/powerpoint/2010/main" val="4218585858"/>
+      </p:ext>
+    </p:extLst>
   </p:cSld>
   <p:clrMapOvr>
     <a:masterClrMapping/>
@@ -1872,7 +4191,7 @@
               <a:rPr lang="en-US" smtClean="0"/>
               <a:t>6/8/2015</a:t>
             </a:fld>
-            <a:endParaRPr lang="en-US"/>
+            <a:endParaRPr lang="en-US" dirty="0"/>
           </a:p>
         </p:txBody>
       </p:sp>
@@ -1891,7 +4210,7 @@
           <a:bodyPr/>
           <a:lstStyle/>
           <a:p>
-            <a:endParaRPr lang="en-US"/>
+            <a:endParaRPr lang="en-US" dirty="0"/>
           </a:p>
         </p:txBody>
       </p:sp>
@@ -1914,11 +4233,16 @@
               <a:rPr lang="en-US" smtClean="0"/>
               <a:t>‹#›</a:t>
             </a:fld>
-            <a:endParaRPr lang="en-US"/>
+            <a:endParaRPr lang="en-US" dirty="0"/>
           </a:p>
         </p:txBody>
       </p:sp>
     </p:spTree>
+    <p:extLst>
+      <p:ext uri="{BB962C8B-B14F-4D97-AF65-F5344CB8AC3E}">
+        <p14:creationId xmlns:p14="http://schemas.microsoft.com/office/powerpoint/2010/main" val="43385660"/>
+      </p:ext>
+    </p:extLst>
   </p:cSld>
   <p:clrMapOvr>
     <a:masterClrMapping/>
@@ -1955,159 +4279,151 @@
         </p:nvSpPr>
         <p:spPr>
           <a:xfrm>
-            <a:off x="457200" y="273050"/>
-            <a:ext cx="3008313" cy="1162050"/>
+            <a:off x="609599" y="1498604"/>
+            <a:ext cx="2790182" cy="1278466"/>
           </a:xfrm>
         </p:spPr>
         <p:txBody>
-          <a:bodyPr vert="horz" anchor="b">
+          <a:bodyPr anchor="b">
             <a:normAutofit/>
-            <a:sp3d prstMaterial="softEdge"/>
           </a:bodyPr>
           <a:lstStyle>
-            <a:lvl1pPr algn="l">
-              <a:buNone/>
-              <a:defRPr sz="2200" b="0">
-                <a:ln w="6350">
-                  <a:noFill/>
-                </a:ln>
-                <a:solidFill>
-                  <a:schemeClr val="accent1">
-                    <a:tint val="73000"/>
-                    <a:satMod val="180000"/>
-                  </a:schemeClr>
-                </a:solidFill>
-              </a:defRPr>
+            <a:lvl1pPr>
+              <a:defRPr sz="2000"/>
             </a:lvl1pPr>
           </a:lstStyle>
           <a:p>
             <a:r>
-              <a:rPr kumimoji="0" lang="en-US" smtClean="0"/>
+              <a:rPr lang="en-US" smtClean="0"/>
               <a:t>Click to edit Master title style</a:t>
             </a:r>
-            <a:endParaRPr kumimoji="0" lang="en-US"/>
-          </a:p>
-        </p:txBody>
-      </p:sp>
-      <p:sp>
-        <p:nvSpPr>
-          <p:cNvPr id="3" name="Text Placeholder 2"/>
-          <p:cNvSpPr>
-            <a:spLocks noGrp="1"/>
-          </p:cNvSpPr>
-          <p:nvPr>
-            <p:ph type="body" idx="2"/>
+            <a:endParaRPr lang="en-US" dirty="0"/>
+          </a:p>
+        </p:txBody>
+      </p:sp>
+      <p:sp>
+        <p:nvSpPr>
+          <p:cNvPr id="3" name="Content Placeholder 2"/>
+          <p:cNvSpPr>
+            <a:spLocks noGrp="1"/>
+          </p:cNvSpPr>
+          <p:nvPr>
+            <p:ph idx="1"/>
           </p:nvPr>
         </p:nvSpPr>
         <p:spPr>
           <a:xfrm>
-            <a:off x="457200" y="1524000"/>
-            <a:ext cx="3008313" cy="4602163"/>
+            <a:off x="3571275" y="514925"/>
+            <a:ext cx="3386037" cy="5526437"/>
           </a:xfrm>
         </p:spPr>
         <p:txBody>
-          <a:bodyPr/>
+          <a:bodyPr>
+            <a:normAutofit/>
+          </a:bodyPr>
+          <a:lstStyle/>
+          <a:p>
+            <a:pPr lvl="0"/>
+            <a:r>
+              <a:rPr lang="en-US" smtClean="0"/>
+              <a:t>Edit Master text styles</a:t>
+            </a:r>
+          </a:p>
+          <a:p>
+            <a:pPr lvl="1"/>
+            <a:r>
+              <a:rPr lang="en-US" smtClean="0"/>
+              <a:t>Second level</a:t>
+            </a:r>
+          </a:p>
+          <a:p>
+            <a:pPr lvl="2"/>
+            <a:r>
+              <a:rPr lang="en-US" smtClean="0"/>
+              <a:t>Third level</a:t>
+            </a:r>
+          </a:p>
+          <a:p>
+            <a:pPr lvl="3"/>
+            <a:r>
+              <a:rPr lang="en-US" smtClean="0"/>
+              <a:t>Fourth level</a:t>
+            </a:r>
+          </a:p>
+          <a:p>
+            <a:pPr lvl="4"/>
+            <a:r>
+              <a:rPr lang="en-US" smtClean="0"/>
+              <a:t>Fifth level</a:t>
+            </a:r>
+            <a:endParaRPr lang="en-US" dirty="0"/>
+          </a:p>
+        </p:txBody>
+      </p:sp>
+      <p:sp>
+        <p:nvSpPr>
+          <p:cNvPr id="4" name="Text Placeholder 3"/>
+          <p:cNvSpPr>
+            <a:spLocks noGrp="1"/>
+          </p:cNvSpPr>
+          <p:nvPr>
+            <p:ph type="body" sz="half" idx="2"/>
+          </p:nvPr>
+        </p:nvSpPr>
+        <p:spPr>
+          <a:xfrm>
+            <a:off x="609599" y="2777069"/>
+            <a:ext cx="2790182" cy="2584449"/>
+          </a:xfrm>
+        </p:spPr>
+        <p:txBody>
+          <a:bodyPr>
+            <a:normAutofit/>
+          </a:bodyPr>
           <a:lstStyle>
             <a:lvl1pPr marL="0" indent="0">
               <a:buNone/>
               <a:defRPr sz="1400"/>
             </a:lvl1pPr>
-            <a:lvl2pPr>
-              <a:buNone/>
-              <a:defRPr sz="1200"/>
+            <a:lvl2pPr marL="342900" indent="0">
+              <a:buNone/>
+              <a:defRPr sz="1050"/>
             </a:lvl2pPr>
-            <a:lvl3pPr>
-              <a:buNone/>
-              <a:defRPr sz="1000"/>
+            <a:lvl3pPr marL="685800" indent="0">
+              <a:buNone/>
+              <a:defRPr sz="900"/>
             </a:lvl3pPr>
-            <a:lvl4pPr>
-              <a:buNone/>
-              <a:defRPr sz="900"/>
+            <a:lvl4pPr marL="1028700" indent="0">
+              <a:buNone/>
+              <a:defRPr sz="750"/>
             </a:lvl4pPr>
-            <a:lvl5pPr>
-              <a:buNone/>
-              <a:defRPr sz="900"/>
+            <a:lvl5pPr marL="1371600" indent="0">
+              <a:buNone/>
+              <a:defRPr sz="750"/>
             </a:lvl5pPr>
+            <a:lvl6pPr marL="1714500" indent="0">
+              <a:buNone/>
+              <a:defRPr sz="750"/>
+            </a:lvl6pPr>
+            <a:lvl7pPr marL="2057400" indent="0">
+              <a:buNone/>
+              <a:defRPr sz="750"/>
+            </a:lvl7pPr>
+            <a:lvl8pPr marL="2400300" indent="0">
+              <a:buNone/>
+              <a:defRPr sz="750"/>
+            </a:lvl8pPr>
+            <a:lvl9pPr marL="2743200" indent="0">
+              <a:buNone/>
+              <a:defRPr sz="750"/>
+            </a:lvl9pPr>
           </a:lstStyle>
           <a:p>
-            <a:pPr lvl="0" eaLnBrk="1" latinLnBrk="0" hangingPunct="1"/>
-            <a:r>
-              <a:rPr kumimoji="0" lang="en-US" smtClean="0"/>
-              <a:t>Click to edit Master text styles</a:t>
-            </a:r>
-          </a:p>
-        </p:txBody>
-      </p:sp>
-      <p:sp>
-        <p:nvSpPr>
-          <p:cNvPr id="4" name="Content Placeholder 3"/>
-          <p:cNvSpPr>
-            <a:spLocks noGrp="1"/>
-          </p:cNvSpPr>
-          <p:nvPr>
-            <p:ph sz="half" idx="1"/>
-          </p:nvPr>
-        </p:nvSpPr>
-        <p:spPr>
-          <a:xfrm>
-            <a:off x="3575050" y="273050"/>
-            <a:ext cx="5111750" cy="5853113"/>
-          </a:xfrm>
-        </p:spPr>
-        <p:txBody>
-          <a:bodyPr/>
-          <a:lstStyle>
-            <a:lvl1pPr>
-              <a:defRPr sz="2600"/>
-            </a:lvl1pPr>
-            <a:lvl2pPr>
-              <a:defRPr sz="2400"/>
-            </a:lvl2pPr>
-            <a:lvl3pPr>
-              <a:defRPr sz="2200"/>
-            </a:lvl3pPr>
-            <a:lvl4pPr>
-              <a:defRPr sz="2000"/>
-            </a:lvl4pPr>
-            <a:lvl5pPr>
-              <a:defRPr sz="1800"/>
-            </a:lvl5pPr>
-          </a:lstStyle>
-          <a:p>
-            <a:pPr lvl="0" eaLnBrk="1" latinLnBrk="0" hangingPunct="1"/>
-            <a:r>
-              <a:rPr lang="en-US" smtClean="0"/>
-              <a:t>Click to edit Master text styles</a:t>
-            </a:r>
-          </a:p>
-          <a:p>
-            <a:pPr lvl="1" eaLnBrk="1" latinLnBrk="0" hangingPunct="1"/>
-            <a:r>
-              <a:rPr lang="en-US" smtClean="0"/>
-              <a:t>Second level</a:t>
-            </a:r>
-          </a:p>
-          <a:p>
-            <a:pPr lvl="2" eaLnBrk="1" latinLnBrk="0" hangingPunct="1"/>
-            <a:r>
-              <a:rPr lang="en-US" smtClean="0"/>
-              <a:t>Third level</a:t>
-            </a:r>
-          </a:p>
-          <a:p>
-            <a:pPr lvl="3" eaLnBrk="1" latinLnBrk="0" hangingPunct="1"/>
-            <a:r>
-              <a:rPr lang="en-US" smtClean="0"/>
-              <a:t>Fourth level</a:t>
-            </a:r>
-          </a:p>
-          <a:p>
-            <a:pPr lvl="4" eaLnBrk="1" latinLnBrk="0" hangingPunct="1"/>
-            <a:r>
-              <a:rPr lang="en-US" smtClean="0"/>
-              <a:t>Fifth level</a:t>
-            </a:r>
-            <a:endParaRPr kumimoji="0" lang="en-US"/>
+            <a:pPr lvl="0"/>
+            <a:r>
+              <a:rPr lang="en-US" smtClean="0"/>
+              <a:t>Edit Master text styles</a:t>
+            </a:r>
           </a:p>
         </p:txBody>
       </p:sp>
@@ -2130,7 +4446,7 @@
               <a:rPr lang="en-US" smtClean="0"/>
               <a:t>6/8/2015</a:t>
             </a:fld>
-            <a:endParaRPr lang="en-US"/>
+            <a:endParaRPr lang="en-US" dirty="0"/>
           </a:p>
         </p:txBody>
       </p:sp>
@@ -2149,7 +4465,7 @@
           <a:bodyPr/>
           <a:lstStyle/>
           <a:p>
-            <a:endParaRPr lang="en-US"/>
+            <a:endParaRPr lang="en-US" dirty="0"/>
           </a:p>
         </p:txBody>
       </p:sp>
@@ -2172,11 +4488,16 @@
               <a:rPr lang="en-US" smtClean="0"/>
               <a:t>‹#›</a:t>
             </a:fld>
-            <a:endParaRPr lang="en-US"/>
+            <a:endParaRPr lang="en-US" dirty="0"/>
           </a:p>
         </p:txBody>
       </p:sp>
     </p:spTree>
+    <p:extLst>
+      <p:ext uri="{BB962C8B-B14F-4D97-AF65-F5344CB8AC3E}">
+        <p14:creationId xmlns:p14="http://schemas.microsoft.com/office/powerpoint/2010/main" val="3715941493"/>
+      </p:ext>
+    </p:extLst>
   </p:cSld>
   <p:clrMapOvr>
     <a:masterClrMapping/>
@@ -2213,26 +4534,25 @@
         </p:nvSpPr>
         <p:spPr>
           <a:xfrm>
-            <a:off x="1828800" y="609600"/>
-            <a:ext cx="5486400" cy="522288"/>
+            <a:off x="609599" y="4800600"/>
+            <a:ext cx="6347714" cy="566738"/>
           </a:xfrm>
         </p:spPr>
         <p:txBody>
-          <a:bodyPr lIns="45720" rIns="45720" bIns="0" anchor="b">
-            <a:sp3d prstMaterial="softEdge"/>
+          <a:bodyPr anchor="b">
+            <a:normAutofit/>
           </a:bodyPr>
           <a:lstStyle>
-            <a:lvl1pPr algn="ctr">
-              <a:buNone/>
-              <a:defRPr sz="2000" b="1"/>
+            <a:lvl1pPr algn="l">
+              <a:defRPr sz="2400" b="0"/>
             </a:lvl1pPr>
           </a:lstStyle>
           <a:p>
             <a:r>
-              <a:rPr kumimoji="0" lang="en-US" smtClean="0"/>
+              <a:rPr lang="en-US" smtClean="0"/>
               <a:t>Click to edit Master title style</a:t>
             </a:r>
-            <a:endParaRPr kumimoji="0" lang="en-US"/>
+            <a:endParaRPr lang="en-US" dirty="0"/>
           </a:p>
         </p:txBody>
       </p:sp>
@@ -2240,7 +4560,7 @@
         <p:nvSpPr>
           <p:cNvPr id="3" name="Picture Placeholder 2"/>
           <p:cNvSpPr>
-            <a:spLocks noGrp="1"/>
+            <a:spLocks noGrp="1" noChangeAspect="1"/>
           </p:cNvSpPr>
           <p:nvPr>
             <p:ph type="pic" idx="1"/>
@@ -2248,85 +4568,58 @@
         </p:nvSpPr>
         <p:spPr>
           <a:xfrm>
-            <a:off x="1828800" y="1831975"/>
-            <a:ext cx="5486400" cy="3962400"/>
+            <a:off x="609599" y="609600"/>
+            <a:ext cx="6347714" cy="3845718"/>
           </a:xfrm>
-          <a:solidFill>
-            <a:schemeClr val="bg2"/>
-          </a:solidFill>
-          <a:ln w="44450" cap="sq" cmpd="sng" algn="ctr">
-            <a:solidFill>
-              <a:srgbClr val="FFFFFF"/>
-            </a:solidFill>
-            <a:prstDash val="solid"/>
-            <a:miter lim="800000"/>
-          </a:ln>
-          <a:effectLst>
-            <a:outerShdw blurRad="190500" dist="228600" dir="2700000" sy="90000">
-              <a:srgbClr val="000000">
-                <a:alpha val="25000"/>
-              </a:srgbClr>
-            </a:outerShdw>
-          </a:effectLst>
-          <a:scene3d>
-            <a:camera prst="orthographicFront">
-              <a:rot lat="0" lon="0" rev="0"/>
-            </a:camera>
-            <a:lightRig rig="balanced" dir="tr">
-              <a:rot lat="0" lon="0" rev="2700000"/>
-            </a:lightRig>
-          </a:scene3d>
-          <a:sp3d prstMaterial="matte">
-            <a:contourClr>
-              <a:schemeClr val="tx2">
-                <a:shade val="50000"/>
-              </a:schemeClr>
-            </a:contourClr>
-          </a:sp3d>
         </p:spPr>
-        <p:style>
-          <a:lnRef idx="3">
-            <a:schemeClr val="lt1"/>
-          </a:lnRef>
-          <a:fillRef idx="1">
-            <a:schemeClr val="accent1"/>
-          </a:fillRef>
-          <a:effectRef idx="1">
-            <a:schemeClr val="accent1"/>
-          </a:effectRef>
-          <a:fontRef idx="minor">
-            <a:schemeClr val="lt1"/>
-          </a:fontRef>
-        </p:style>
-        <p:txBody>
-          <a:bodyPr anchor="t"/>
+        <p:txBody>
+          <a:bodyPr anchor="t">
+            <a:normAutofit/>
+          </a:bodyPr>
           <a:lstStyle>
-            <a:lvl1pPr indent="0">
-              <a:buNone/>
-              <a:defRPr sz="3200"/>
+            <a:lvl1pPr marL="0" indent="0" algn="ctr">
+              <a:buNone/>
+              <a:defRPr sz="1600"/>
             </a:lvl1pPr>
+            <a:lvl2pPr marL="457200" indent="0">
+              <a:buNone/>
+              <a:defRPr sz="1600"/>
+            </a:lvl2pPr>
+            <a:lvl3pPr marL="914400" indent="0">
+              <a:buNone/>
+              <a:defRPr sz="1600"/>
+            </a:lvl3pPr>
+            <a:lvl4pPr marL="1371600" indent="0">
+              <a:buNone/>
+              <a:defRPr sz="1600"/>
+            </a:lvl4pPr>
+            <a:lvl5pPr marL="1828800" indent="0">
+              <a:buNone/>
+              <a:defRPr sz="1600"/>
+            </a:lvl5pPr>
+            <a:lvl6pPr marL="2286000" indent="0">
+              <a:buNone/>
+              <a:defRPr sz="1600"/>
+            </a:lvl6pPr>
+            <a:lvl7pPr marL="2743200" indent="0">
+              <a:buNone/>
+              <a:defRPr sz="1600"/>
+            </a:lvl7pPr>
+            <a:lvl8pPr marL="3200400" indent="0">
+              <a:buNone/>
+              <a:defRPr sz="1600"/>
+            </a:lvl8pPr>
+            <a:lvl9pPr marL="3657600" indent="0">
+              <a:buNone/>
+              <a:defRPr sz="1600"/>
+            </a:lvl9pPr>
           </a:lstStyle>
           <a:p>
-            <a:pPr marL="0" algn="l" rtl="0" eaLnBrk="1" latinLnBrk="0" hangingPunct="1"/>
-            <a:r>
-              <a:rPr kumimoji="0" lang="en-US" smtClean="0">
-                <a:solidFill>
-                  <a:schemeClr val="lt1"/>
-                </a:solidFill>
-                <a:latin typeface="+mn-lt"/>
-                <a:ea typeface="+mn-ea"/>
-                <a:cs typeface="+mn-cs"/>
-              </a:rPr>
+            <a:r>
+              <a:rPr lang="en-US" smtClean="0"/>
               <a:t>Click icon to add picture</a:t>
             </a:r>
-            <a:endParaRPr kumimoji="0" lang="en-US" dirty="0">
-              <a:solidFill>
-                <a:schemeClr val="lt1"/>
-              </a:solidFill>
-              <a:latin typeface="+mn-lt"/>
-              <a:ea typeface="+mn-ea"/>
-              <a:cs typeface="+mn-cs"/>
-            </a:endParaRPr>
+            <a:endParaRPr lang="en-US" dirty="0"/>
           </a:p>
         </p:txBody>
       </p:sp>
@@ -2342,35 +4635,57 @@
         </p:nvSpPr>
         <p:spPr>
           <a:xfrm>
-            <a:off x="1828800" y="1166787"/>
-            <a:ext cx="5486400" cy="530352"/>
+            <a:off x="609599" y="5367338"/>
+            <a:ext cx="6347714" cy="674024"/>
           </a:xfrm>
         </p:spPr>
         <p:txBody>
-          <a:bodyPr lIns="45720" tIns="45720" rIns="45720" anchor="t"/>
+          <a:bodyPr>
+            <a:normAutofit/>
+          </a:bodyPr>
           <a:lstStyle>
-            <a:lvl1pPr marL="0" indent="0" algn="ctr">
-              <a:buNone/>
-              <a:defRPr sz="1400"/>
+            <a:lvl1pPr marL="0" indent="0">
+              <a:buNone/>
+              <a:defRPr sz="1200"/>
             </a:lvl1pPr>
-            <a:lvl2pPr>
+            <a:lvl2pPr marL="457200" indent="0">
+              <a:buNone/>
               <a:defRPr sz="1200"/>
             </a:lvl2pPr>
-            <a:lvl3pPr>
+            <a:lvl3pPr marL="914400" indent="0">
+              <a:buNone/>
               <a:defRPr sz="1000"/>
             </a:lvl3pPr>
-            <a:lvl4pPr>
+            <a:lvl4pPr marL="1371600" indent="0">
+              <a:buNone/>
               <a:defRPr sz="900"/>
             </a:lvl4pPr>
-            <a:lvl5pPr>
+            <a:lvl5pPr marL="1828800" indent="0">
+              <a:buNone/>
               <a:defRPr sz="900"/>
             </a:lvl5pPr>
+            <a:lvl6pPr marL="2286000" indent="0">
+              <a:buNone/>
+              <a:defRPr sz="900"/>
+            </a:lvl6pPr>
+            <a:lvl7pPr marL="2743200" indent="0">
+              <a:buNone/>
+              <a:defRPr sz="900"/>
+            </a:lvl7pPr>
+            <a:lvl8pPr marL="3200400" indent="0">
+              <a:buNone/>
+              <a:defRPr sz="900"/>
+            </a:lvl8pPr>
+            <a:lvl9pPr marL="3657600" indent="0">
+              <a:buNone/>
+              <a:defRPr sz="900"/>
+            </a:lvl9pPr>
           </a:lstStyle>
           <a:p>
-            <a:pPr lvl="0" eaLnBrk="1" latinLnBrk="0" hangingPunct="1"/>
-            <a:r>
-              <a:rPr kumimoji="0" lang="en-US" smtClean="0"/>
-              <a:t>Click to edit Master text styles</a:t>
+            <a:pPr lvl="0"/>
+            <a:r>
+              <a:rPr lang="en-US" smtClean="0"/>
+              <a:t>Edit Master text styles</a:t>
             </a:r>
           </a:p>
         </p:txBody>
@@ -2394,7 +4709,7 @@
               <a:rPr lang="en-US" smtClean="0"/>
               <a:t>6/8/2015</a:t>
             </a:fld>
-            <a:endParaRPr lang="en-US"/>
+            <a:endParaRPr lang="en-US" dirty="0"/>
           </a:p>
         </p:txBody>
       </p:sp>
@@ -2413,7 +4728,7 @@
           <a:bodyPr/>
           <a:lstStyle/>
           <a:p>
-            <a:endParaRPr lang="en-US"/>
+            <a:endParaRPr lang="en-US" dirty="0"/>
           </a:p>
         </p:txBody>
       </p:sp>
@@ -2436,11 +4751,16 @@
               <a:rPr lang="en-US" smtClean="0"/>
               <a:t>‹#›</a:t>
             </a:fld>
-            <a:endParaRPr lang="en-US"/>
+            <a:endParaRPr lang="en-US" dirty="0"/>
           </a:p>
         </p:txBody>
       </p:sp>
     </p:spTree>
+    <p:extLst>
+      <p:ext uri="{BB962C8B-B14F-4D97-AF65-F5344CB8AC3E}">
+        <p14:creationId xmlns:p14="http://schemas.microsoft.com/office/powerpoint/2010/main" val="1552557576"/>
+      </p:ext>
+    </p:extLst>
   </p:cSld>
   <p:clrMapOvr>
     <a:masterClrMapping/>
@@ -2452,18 +4772,9 @@
 <p:sldMaster xmlns:a="http://schemas.openxmlformats.org/drawingml/2006/main" xmlns:r="http://schemas.openxmlformats.org/officeDocument/2006/relationships" xmlns:p="http://schemas.openxmlformats.org/presentationml/2006/main">
   <p:cSld>
     <p:bg>
-      <p:bgPr>
-        <a:blipFill dpi="0" rotWithShape="1">
-          <a:blip r:embed="rId13" cstate="print">
-            <a:lum/>
-          </a:blip>
-          <a:srcRect/>
-          <a:stretch>
-            <a:fillRect t="-25000" b="-25000"/>
-          </a:stretch>
-        </a:blipFill>
-        <a:effectLst/>
-      </p:bgPr>
+      <p:bgRef idx="1001">
+        <a:schemeClr val="bg1"/>
+      </p:bgRef>
     </p:bg>
     <p:spTree>
       <p:nvGrpSpPr>
@@ -2479,9 +4790,610 @@
           <a:chExt cx="0" cy="0"/>
         </a:xfrm>
       </p:grpSpPr>
-      <p:sp>
-        <p:nvSpPr>
-          <p:cNvPr id="22" name="Title Placeholder 21"/>
+      <p:grpSp>
+        <p:nvGrpSpPr>
+          <p:cNvPr id="17" name="Group 16"/>
+          <p:cNvGrpSpPr/>
+          <p:nvPr/>
+        </p:nvGrpSpPr>
+        <p:grpSpPr>
+          <a:xfrm>
+            <a:off x="-8467" y="-8468"/>
+            <a:ext cx="9169805" cy="6874935"/>
+            <a:chOff x="-8467" y="-8468"/>
+            <a:chExt cx="9169805" cy="6874935"/>
+          </a:xfrm>
+        </p:grpSpPr>
+        <p:sp>
+          <p:nvSpPr>
+            <p:cNvPr id="7" name="Freeform 6"/>
+            <p:cNvSpPr/>
+            <p:nvPr/>
+          </p:nvSpPr>
+          <p:spPr>
+            <a:xfrm>
+              <a:off x="-8467" y="4013200"/>
+              <a:ext cx="457200" cy="2853267"/>
+            </a:xfrm>
+            <a:custGeom>
+              <a:avLst/>
+              <a:gdLst/>
+              <a:ahLst/>
+              <a:cxnLst/>
+              <a:rect l="l" t="t" r="r" b="b"/>
+              <a:pathLst>
+                <a:path w="457200" h="2853267">
+                  <a:moveTo>
+                    <a:pt x="0" y="0"/>
+                  </a:moveTo>
+                  <a:lnTo>
+                    <a:pt x="457200" y="2853267"/>
+                  </a:lnTo>
+                  <a:lnTo>
+                    <a:pt x="0" y="2844800"/>
+                  </a:lnTo>
+                  <a:cubicBezTo>
+                    <a:pt x="2822" y="1905000"/>
+                    <a:pt x="5645" y="965200"/>
+                    <a:pt x="0" y="0"/>
+                  </a:cubicBezTo>
+                  <a:close/>
+                </a:path>
+              </a:pathLst>
+            </a:custGeom>
+            <a:solidFill>
+              <a:schemeClr val="accent1">
+                <a:alpha val="85000"/>
+              </a:schemeClr>
+            </a:solidFill>
+            <a:ln>
+              <a:noFill/>
+            </a:ln>
+            <a:effectLst/>
+          </p:spPr>
+          <p:style>
+            <a:lnRef idx="1">
+              <a:schemeClr val="accent1"/>
+            </a:lnRef>
+            <a:fillRef idx="3">
+              <a:schemeClr val="accent1"/>
+            </a:fillRef>
+            <a:effectRef idx="2">
+              <a:schemeClr val="accent1"/>
+            </a:effectRef>
+            <a:fontRef idx="minor">
+              <a:schemeClr val="lt1"/>
+            </a:fontRef>
+          </p:style>
+        </p:sp>
+        <p:cxnSp>
+          <p:nvCxnSpPr>
+            <p:cNvPr id="8" name="Straight Connector 7"/>
+            <p:cNvCxnSpPr/>
+            <p:nvPr/>
+          </p:nvCxnSpPr>
+          <p:spPr>
+            <a:xfrm flipV="1">
+              <a:off x="5130830" y="4175605"/>
+              <a:ext cx="4022475" cy="2682396"/>
+            </a:xfrm>
+            <a:prstGeom prst="line">
+              <a:avLst/>
+            </a:prstGeom>
+            <a:ln w="9525">
+              <a:solidFill>
+                <a:schemeClr val="bg1">
+                  <a:lumMod val="85000"/>
+                </a:schemeClr>
+              </a:solidFill>
+            </a:ln>
+          </p:spPr>
+          <p:style>
+            <a:lnRef idx="2">
+              <a:schemeClr val="accent1"/>
+            </a:lnRef>
+            <a:fillRef idx="0">
+              <a:schemeClr val="accent1"/>
+            </a:fillRef>
+            <a:effectRef idx="1">
+              <a:schemeClr val="accent1"/>
+            </a:effectRef>
+            <a:fontRef idx="minor">
+              <a:schemeClr val="tx1"/>
+            </a:fontRef>
+          </p:style>
+        </p:cxnSp>
+        <p:cxnSp>
+          <p:nvCxnSpPr>
+            <p:cNvPr id="9" name="Straight Connector 8"/>
+            <p:cNvCxnSpPr/>
+            <p:nvPr/>
+          </p:nvCxnSpPr>
+          <p:spPr>
+            <a:xfrm>
+              <a:off x="7042707" y="0"/>
+              <a:ext cx="1219200" cy="6858000"/>
+            </a:xfrm>
+            <a:prstGeom prst="line">
+              <a:avLst/>
+            </a:prstGeom>
+            <a:ln w="9525">
+              <a:solidFill>
+                <a:schemeClr val="bg1">
+                  <a:lumMod val="75000"/>
+                </a:schemeClr>
+              </a:solidFill>
+            </a:ln>
+          </p:spPr>
+          <p:style>
+            <a:lnRef idx="2">
+              <a:schemeClr val="accent1"/>
+            </a:lnRef>
+            <a:fillRef idx="0">
+              <a:schemeClr val="accent1"/>
+            </a:fillRef>
+            <a:effectRef idx="1">
+              <a:schemeClr val="accent1"/>
+            </a:effectRef>
+            <a:fontRef idx="minor">
+              <a:schemeClr val="tx1"/>
+            </a:fontRef>
+          </p:style>
+        </p:cxnSp>
+        <p:sp>
+          <p:nvSpPr>
+            <p:cNvPr id="10" name="Freeform 9"/>
+            <p:cNvSpPr/>
+            <p:nvPr/>
+          </p:nvSpPr>
+          <p:spPr>
+            <a:xfrm>
+              <a:off x="6891896" y="1"/>
+              <a:ext cx="2269442" cy="6866466"/>
+            </a:xfrm>
+            <a:custGeom>
+              <a:avLst/>
+              <a:gdLst/>
+              <a:ahLst/>
+              <a:cxnLst/>
+              <a:rect l="l" t="t" r="r" b="b"/>
+              <a:pathLst>
+                <a:path w="2269442" h="6866466">
+                  <a:moveTo>
+                    <a:pt x="2023534" y="0"/>
+                  </a:moveTo>
+                  <a:lnTo>
+                    <a:pt x="0" y="6858000"/>
+                  </a:lnTo>
+                  <a:lnTo>
+                    <a:pt x="2269067" y="6866466"/>
+                  </a:lnTo>
+                  <a:cubicBezTo>
+                    <a:pt x="2271889" y="4580466"/>
+                    <a:pt x="2257778" y="2294466"/>
+                    <a:pt x="2260600" y="8466"/>
+                  </a:cubicBezTo>
+                  <a:lnTo>
+                    <a:pt x="2023534" y="0"/>
+                  </a:lnTo>
+                  <a:close/>
+                </a:path>
+              </a:pathLst>
+            </a:custGeom>
+            <a:solidFill>
+              <a:schemeClr val="accent1">
+                <a:alpha val="30000"/>
+              </a:schemeClr>
+            </a:solidFill>
+            <a:ln>
+              <a:noFill/>
+            </a:ln>
+            <a:effectLst/>
+          </p:spPr>
+          <p:style>
+            <a:lnRef idx="1">
+              <a:schemeClr val="accent1"/>
+            </a:lnRef>
+            <a:fillRef idx="3">
+              <a:schemeClr val="accent1"/>
+            </a:fillRef>
+            <a:effectRef idx="2">
+              <a:schemeClr val="accent1"/>
+            </a:effectRef>
+            <a:fontRef idx="minor">
+              <a:schemeClr val="lt1"/>
+            </a:fontRef>
+          </p:style>
+        </p:sp>
+        <p:sp>
+          <p:nvSpPr>
+            <p:cNvPr id="11" name="Freeform 10"/>
+            <p:cNvSpPr/>
+            <p:nvPr/>
+          </p:nvSpPr>
+          <p:spPr>
+            <a:xfrm>
+              <a:off x="7205158" y="-8467"/>
+              <a:ext cx="1948147" cy="6866467"/>
+            </a:xfrm>
+            <a:custGeom>
+              <a:avLst/>
+              <a:gdLst/>
+              <a:ahLst/>
+              <a:cxnLst/>
+              <a:rect l="l" t="t" r="r" b="b"/>
+              <a:pathLst>
+                <a:path w="1948147" h="6866467">
+                  <a:moveTo>
+                    <a:pt x="0" y="0"/>
+                  </a:moveTo>
+                  <a:lnTo>
+                    <a:pt x="1202267" y="6866467"/>
+                  </a:lnTo>
+                  <a:lnTo>
+                    <a:pt x="1947333" y="6866467"/>
+                  </a:lnTo>
+                  <a:cubicBezTo>
+                    <a:pt x="1944511" y="4577645"/>
+                    <a:pt x="1950155" y="2288822"/>
+                    <a:pt x="1947333" y="0"/>
+                  </a:cubicBezTo>
+                  <a:lnTo>
+                    <a:pt x="0" y="0"/>
+                  </a:lnTo>
+                  <a:close/>
+                </a:path>
+              </a:pathLst>
+            </a:custGeom>
+            <a:solidFill>
+              <a:schemeClr val="accent1">
+                <a:alpha val="20000"/>
+              </a:schemeClr>
+            </a:solidFill>
+            <a:ln>
+              <a:noFill/>
+            </a:ln>
+            <a:effectLst/>
+          </p:spPr>
+          <p:style>
+            <a:lnRef idx="1">
+              <a:schemeClr val="accent1"/>
+            </a:lnRef>
+            <a:fillRef idx="3">
+              <a:schemeClr val="accent1"/>
+            </a:fillRef>
+            <a:effectRef idx="2">
+              <a:schemeClr val="accent1"/>
+            </a:effectRef>
+            <a:fontRef idx="minor">
+              <a:schemeClr val="lt1"/>
+            </a:fontRef>
+          </p:style>
+        </p:sp>
+        <p:sp>
+          <p:nvSpPr>
+            <p:cNvPr id="12" name="Freeform 11"/>
+            <p:cNvSpPr/>
+            <p:nvPr/>
+          </p:nvSpPr>
+          <p:spPr>
+            <a:xfrm>
+              <a:off x="6637896" y="3920066"/>
+              <a:ext cx="2513565" cy="2937933"/>
+            </a:xfrm>
+            <a:custGeom>
+              <a:avLst/>
+              <a:gdLst/>
+              <a:ahLst/>
+              <a:cxnLst/>
+              <a:rect l="l" t="t" r="r" b="b"/>
+              <a:pathLst>
+                <a:path w="3259667" h="3810000">
+                  <a:moveTo>
+                    <a:pt x="0" y="3810000"/>
+                  </a:moveTo>
+                  <a:lnTo>
+                    <a:pt x="3251200" y="0"/>
+                  </a:lnTo>
+                  <a:cubicBezTo>
+                    <a:pt x="3254022" y="1270000"/>
+                    <a:pt x="3256845" y="2540000"/>
+                    <a:pt x="3259667" y="3810000"/>
+                  </a:cubicBezTo>
+                  <a:lnTo>
+                    <a:pt x="0" y="3810000"/>
+                  </a:lnTo>
+                  <a:close/>
+                </a:path>
+              </a:pathLst>
+            </a:custGeom>
+            <a:solidFill>
+              <a:schemeClr val="accent2">
+                <a:alpha val="72000"/>
+              </a:schemeClr>
+            </a:solidFill>
+            <a:ln>
+              <a:noFill/>
+            </a:ln>
+            <a:effectLst/>
+          </p:spPr>
+          <p:style>
+            <a:lnRef idx="1">
+              <a:schemeClr val="accent1"/>
+            </a:lnRef>
+            <a:fillRef idx="3">
+              <a:schemeClr val="accent1"/>
+            </a:fillRef>
+            <a:effectRef idx="2">
+              <a:schemeClr val="accent1"/>
+            </a:effectRef>
+            <a:fontRef idx="minor">
+              <a:schemeClr val="lt1"/>
+            </a:fontRef>
+          </p:style>
+        </p:sp>
+        <p:sp>
+          <p:nvSpPr>
+            <p:cNvPr id="13" name="Freeform 12"/>
+            <p:cNvSpPr/>
+            <p:nvPr/>
+          </p:nvSpPr>
+          <p:spPr>
+            <a:xfrm>
+              <a:off x="7010429" y="-8467"/>
+              <a:ext cx="2142876" cy="6866467"/>
+            </a:xfrm>
+            <a:custGeom>
+              <a:avLst/>
+              <a:gdLst/>
+              <a:ahLst/>
+              <a:cxnLst/>
+              <a:rect l="l" t="t" r="r" b="b"/>
+              <a:pathLst>
+                <a:path w="2853267" h="6866467">
+                  <a:moveTo>
+                    <a:pt x="0" y="0"/>
+                  </a:moveTo>
+                  <a:lnTo>
+                    <a:pt x="2472267" y="6866467"/>
+                  </a:lnTo>
+                  <a:lnTo>
+                    <a:pt x="2853267" y="6858000"/>
+                  </a:lnTo>
+                  <a:lnTo>
+                    <a:pt x="2853267" y="0"/>
+                  </a:lnTo>
+                  <a:lnTo>
+                    <a:pt x="0" y="0"/>
+                  </a:lnTo>
+                  <a:close/>
+                </a:path>
+              </a:pathLst>
+            </a:custGeom>
+            <a:solidFill>
+              <a:schemeClr val="accent2">
+                <a:lumMod val="75000"/>
+                <a:alpha val="70000"/>
+              </a:schemeClr>
+            </a:solidFill>
+            <a:ln>
+              <a:noFill/>
+            </a:ln>
+            <a:effectLst/>
+          </p:spPr>
+          <p:style>
+            <a:lnRef idx="1">
+              <a:schemeClr val="accent1"/>
+            </a:lnRef>
+            <a:fillRef idx="3">
+              <a:schemeClr val="accent1"/>
+            </a:fillRef>
+            <a:effectRef idx="2">
+              <a:schemeClr val="accent1"/>
+            </a:effectRef>
+            <a:fontRef idx="minor">
+              <a:schemeClr val="lt1"/>
+            </a:fontRef>
+          </p:style>
+        </p:sp>
+        <p:sp>
+          <p:nvSpPr>
+            <p:cNvPr id="14" name="Freeform 13"/>
+            <p:cNvSpPr/>
+            <p:nvPr/>
+          </p:nvSpPr>
+          <p:spPr>
+            <a:xfrm>
+              <a:off x="8295776" y="-8467"/>
+              <a:ext cx="857530" cy="6866467"/>
+            </a:xfrm>
+            <a:custGeom>
+              <a:avLst/>
+              <a:gdLst/>
+              <a:ahLst/>
+              <a:cxnLst/>
+              <a:rect l="l" t="t" r="r" b="b"/>
+              <a:pathLst>
+                <a:path w="1286933" h="6866467">
+                  <a:moveTo>
+                    <a:pt x="1016000" y="0"/>
+                  </a:moveTo>
+                  <a:lnTo>
+                    <a:pt x="0" y="6866467"/>
+                  </a:lnTo>
+                  <a:lnTo>
+                    <a:pt x="1286933" y="6866467"/>
+                  </a:lnTo>
+                  <a:cubicBezTo>
+                    <a:pt x="1284111" y="4577645"/>
+                    <a:pt x="1281288" y="2288822"/>
+                    <a:pt x="1278466" y="0"/>
+                  </a:cubicBezTo>
+                  <a:lnTo>
+                    <a:pt x="1016000" y="0"/>
+                  </a:lnTo>
+                  <a:close/>
+                </a:path>
+              </a:pathLst>
+            </a:custGeom>
+            <a:solidFill>
+              <a:schemeClr val="accent1">
+                <a:lumMod val="60000"/>
+                <a:lumOff val="40000"/>
+                <a:alpha val="70000"/>
+              </a:schemeClr>
+            </a:solidFill>
+            <a:ln>
+              <a:noFill/>
+            </a:ln>
+            <a:effectLst/>
+          </p:spPr>
+          <p:style>
+            <a:lnRef idx="1">
+              <a:schemeClr val="accent1"/>
+            </a:lnRef>
+            <a:fillRef idx="3">
+              <a:schemeClr val="accent1"/>
+            </a:fillRef>
+            <a:effectRef idx="2">
+              <a:schemeClr val="accent1"/>
+            </a:effectRef>
+            <a:fontRef idx="minor">
+              <a:schemeClr val="lt1"/>
+            </a:fontRef>
+          </p:style>
+        </p:sp>
+        <p:sp>
+          <p:nvSpPr>
+            <p:cNvPr id="15" name="Freeform 14"/>
+            <p:cNvSpPr/>
+            <p:nvPr/>
+          </p:nvSpPr>
+          <p:spPr>
+            <a:xfrm>
+              <a:off x="8077231" y="-8468"/>
+              <a:ext cx="1066770" cy="6866467"/>
+            </a:xfrm>
+            <a:custGeom>
+              <a:avLst/>
+              <a:gdLst/>
+              <a:ahLst/>
+              <a:cxnLst/>
+              <a:rect l="l" t="t" r="r" b="b"/>
+              <a:pathLst>
+                <a:path w="1270244" h="6866467">
+                  <a:moveTo>
+                    <a:pt x="0" y="0"/>
+                  </a:moveTo>
+                  <a:lnTo>
+                    <a:pt x="1117600" y="6866467"/>
+                  </a:lnTo>
+                  <a:lnTo>
+                    <a:pt x="1270000" y="6866467"/>
+                  </a:lnTo>
+                  <a:cubicBezTo>
+                    <a:pt x="1272822" y="4574822"/>
+                    <a:pt x="1250245" y="2291645"/>
+                    <a:pt x="1253067" y="0"/>
+                  </a:cubicBezTo>
+                  <a:lnTo>
+                    <a:pt x="0" y="0"/>
+                  </a:lnTo>
+                  <a:close/>
+                </a:path>
+              </a:pathLst>
+            </a:custGeom>
+            <a:solidFill>
+              <a:schemeClr val="accent1">
+                <a:alpha val="65000"/>
+              </a:schemeClr>
+            </a:solidFill>
+            <a:ln>
+              <a:noFill/>
+            </a:ln>
+            <a:effectLst/>
+          </p:spPr>
+          <p:style>
+            <a:lnRef idx="1">
+              <a:schemeClr val="accent1"/>
+            </a:lnRef>
+            <a:fillRef idx="3">
+              <a:schemeClr val="accent1"/>
+            </a:fillRef>
+            <a:effectRef idx="2">
+              <a:schemeClr val="accent1"/>
+            </a:effectRef>
+            <a:fontRef idx="minor">
+              <a:schemeClr val="lt1"/>
+            </a:fontRef>
+          </p:style>
+        </p:sp>
+        <p:sp>
+          <p:nvSpPr>
+            <p:cNvPr id="16" name="Freeform 15"/>
+            <p:cNvSpPr/>
+            <p:nvPr/>
+          </p:nvSpPr>
+          <p:spPr>
+            <a:xfrm>
+              <a:off x="8060297" y="4893733"/>
+              <a:ext cx="1094086" cy="1964267"/>
+            </a:xfrm>
+            <a:custGeom>
+              <a:avLst/>
+              <a:gdLst/>
+              <a:ahLst/>
+              <a:cxnLst/>
+              <a:rect l="l" t="t" r="r" b="b"/>
+              <a:pathLst>
+                <a:path w="1820333" h="3268133">
+                  <a:moveTo>
+                    <a:pt x="0" y="3268133"/>
+                  </a:moveTo>
+                  <a:lnTo>
+                    <a:pt x="1811866" y="0"/>
+                  </a:lnTo>
+                  <a:cubicBezTo>
+                    <a:pt x="1814688" y="1086555"/>
+                    <a:pt x="1817511" y="2173111"/>
+                    <a:pt x="1820333" y="3259666"/>
+                  </a:cubicBezTo>
+                  <a:lnTo>
+                    <a:pt x="0" y="3268133"/>
+                  </a:lnTo>
+                  <a:close/>
+                </a:path>
+              </a:pathLst>
+            </a:custGeom>
+            <a:solidFill>
+              <a:schemeClr val="accent1">
+                <a:alpha val="80000"/>
+              </a:schemeClr>
+            </a:solidFill>
+            <a:ln>
+              <a:noFill/>
+            </a:ln>
+            <a:effectLst/>
+          </p:spPr>
+          <p:style>
+            <a:lnRef idx="1">
+              <a:schemeClr val="accent1"/>
+            </a:lnRef>
+            <a:fillRef idx="3">
+              <a:schemeClr val="accent1"/>
+            </a:fillRef>
+            <a:effectRef idx="2">
+              <a:schemeClr val="accent1"/>
+            </a:effectRef>
+            <a:fontRef idx="minor">
+              <a:schemeClr val="lt1"/>
+            </a:fontRef>
+          </p:style>
+        </p:sp>
+      </p:grpSp>
+      <p:sp>
+        <p:nvSpPr>
+          <p:cNvPr id="2" name="Title Placeholder 1"/>
           <p:cNvSpPr>
             <a:spLocks noGrp="1"/>
           </p:cNvSpPr>
@@ -2491,39 +5403,30 @@
         </p:nvSpPr>
         <p:spPr>
           <a:xfrm>
-            <a:off x="457200" y="274638"/>
-            <a:ext cx="8229600" cy="1143000"/>
+            <a:off x="609599" y="609600"/>
+            <a:ext cx="6347713" cy="1320800"/>
           </a:xfrm>
           <a:prstGeom prst="rect">
             <a:avLst/>
           </a:prstGeom>
         </p:spPr>
         <p:txBody>
-          <a:bodyPr vert="horz" anchor="ctr">
+          <a:bodyPr vert="horz" lIns="91440" tIns="45720" rIns="91440" bIns="45720" rtlCol="0" anchor="t">
             <a:normAutofit/>
-            <a:scene3d>
-              <a:camera prst="orthographicFront"/>
-              <a:lightRig rig="soft" dir="t">
-                <a:rot lat="0" lon="0" rev="16800000"/>
-              </a:lightRig>
-            </a:scene3d>
-            <a:sp3d prstMaterial="softEdge">
-              <a:bevelT w="38100" h="38100"/>
-            </a:sp3d>
           </a:bodyPr>
           <a:lstStyle/>
           <a:p>
             <a:r>
-              <a:rPr kumimoji="0" lang="en-US" smtClean="0"/>
+              <a:rPr lang="en-US" smtClean="0"/>
               <a:t>Click to edit Master title style</a:t>
             </a:r>
-            <a:endParaRPr kumimoji="0" lang="en-US"/>
-          </a:p>
-        </p:txBody>
-      </p:sp>
-      <p:sp>
-        <p:nvSpPr>
-          <p:cNvPr id="13" name="Text Placeholder 12"/>
+            <a:endParaRPr lang="en-US" dirty="0"/>
+          </a:p>
+        </p:txBody>
+      </p:sp>
+      <p:sp>
+        <p:nvSpPr>
+          <p:cNvPr id="3" name="Text Placeholder 2"/>
           <p:cNvSpPr>
             <a:spLocks noGrp="1"/>
           </p:cNvSpPr>
@@ -2533,59 +5436,59 @@
         </p:nvSpPr>
         <p:spPr>
           <a:xfrm>
-            <a:off x="457200" y="1600200"/>
-            <a:ext cx="8229600" cy="4709160"/>
+            <a:off x="609599" y="2160590"/>
+            <a:ext cx="6347714" cy="3880773"/>
           </a:xfrm>
           <a:prstGeom prst="rect">
             <a:avLst/>
           </a:prstGeom>
         </p:spPr>
         <p:txBody>
-          <a:bodyPr vert="horz">
+          <a:bodyPr vert="horz" lIns="91440" tIns="45720" rIns="91440" bIns="45720" rtlCol="0">
             <a:normAutofit/>
           </a:bodyPr>
           <a:lstStyle/>
           <a:p>
-            <a:pPr lvl="0" eaLnBrk="1" latinLnBrk="0" hangingPunct="1"/>
-            <a:r>
-              <a:rPr kumimoji="0" lang="en-US" smtClean="0"/>
-              <a:t>Click to edit Master text styles</a:t>
-            </a:r>
-          </a:p>
-          <a:p>
-            <a:pPr lvl="1" eaLnBrk="1" latinLnBrk="0" hangingPunct="1"/>
-            <a:r>
-              <a:rPr kumimoji="0" lang="en-US" smtClean="0"/>
+            <a:pPr lvl="0"/>
+            <a:r>
+              <a:rPr lang="en-US" smtClean="0"/>
+              <a:t>Edit Master text styles</a:t>
+            </a:r>
+          </a:p>
+          <a:p>
+            <a:pPr lvl="1"/>
+            <a:r>
+              <a:rPr lang="en-US" smtClean="0"/>
               <a:t>Second level</a:t>
             </a:r>
           </a:p>
           <a:p>
-            <a:pPr lvl="2" eaLnBrk="1" latinLnBrk="0" hangingPunct="1"/>
-            <a:r>
-              <a:rPr kumimoji="0" lang="en-US" smtClean="0"/>
+            <a:pPr lvl="2"/>
+            <a:r>
+              <a:rPr lang="en-US" smtClean="0"/>
               <a:t>Third level</a:t>
             </a:r>
           </a:p>
           <a:p>
-            <a:pPr lvl="3" eaLnBrk="1" latinLnBrk="0" hangingPunct="1"/>
-            <a:r>
-              <a:rPr kumimoji="0" lang="en-US" smtClean="0"/>
+            <a:pPr lvl="3"/>
+            <a:r>
+              <a:rPr lang="en-US" smtClean="0"/>
               <a:t>Fourth level</a:t>
             </a:r>
           </a:p>
           <a:p>
-            <a:pPr lvl="4" eaLnBrk="1" latinLnBrk="0" hangingPunct="1"/>
-            <a:r>
-              <a:rPr kumimoji="0" lang="en-US" smtClean="0"/>
+            <a:pPr lvl="4"/>
+            <a:r>
+              <a:rPr lang="en-US" smtClean="0"/>
               <a:t>Fifth level</a:t>
             </a:r>
-            <a:endParaRPr kumimoji="0" lang="en-US"/>
-          </a:p>
-        </p:txBody>
-      </p:sp>
-      <p:sp>
-        <p:nvSpPr>
-          <p:cNvPr id="14" name="Date Placeholder 13"/>
+            <a:endParaRPr lang="en-US" dirty="0"/>
+          </a:p>
+        </p:txBody>
+      </p:sp>
+      <p:sp>
+        <p:nvSpPr>
+          <p:cNvPr id="4" name="Date Placeholder 3"/>
           <p:cNvSpPr>
             <a:spLocks noGrp="1"/>
           </p:cNvSpPr>
@@ -2595,21 +5498,21 @@
         </p:nvSpPr>
         <p:spPr>
           <a:xfrm>
-            <a:off x="457200" y="6416675"/>
-            <a:ext cx="2133600" cy="365125"/>
+            <a:off x="5405258" y="6041363"/>
+            <a:ext cx="684132" cy="365125"/>
           </a:xfrm>
           <a:prstGeom prst="rect">
             <a:avLst/>
           </a:prstGeom>
         </p:spPr>
         <p:txBody>
-          <a:bodyPr vert="horz" anchor="b"/>
+          <a:bodyPr vert="horz" lIns="91440" tIns="45720" rIns="91440" bIns="45720" rtlCol="0" anchor="ctr"/>
           <a:lstStyle>
-            <a:lvl1pPr algn="l" eaLnBrk="1" latinLnBrk="0" hangingPunct="1">
-              <a:defRPr kumimoji="0" sz="1200">
+            <a:lvl1pPr algn="r">
+              <a:defRPr sz="900">
                 <a:solidFill>
                   <a:schemeClr val="tx1">
-                    <a:shade val="50000"/>
+                    <a:tint val="75000"/>
                   </a:schemeClr>
                 </a:solidFill>
               </a:defRPr>
@@ -2620,13 +5523,13 @@
               <a:rPr lang="en-US" smtClean="0"/>
               <a:t>6/8/2015</a:t>
             </a:fld>
-            <a:endParaRPr lang="en-US"/>
-          </a:p>
-        </p:txBody>
-      </p:sp>
-      <p:sp>
-        <p:nvSpPr>
-          <p:cNvPr id="3" name="Footer Placeholder 2"/>
+            <a:endParaRPr lang="en-US" dirty="0"/>
+          </a:p>
+        </p:txBody>
+      </p:sp>
+      <p:sp>
+        <p:nvSpPr>
+          <p:cNvPr id="5" name="Footer Placeholder 4"/>
           <p:cNvSpPr>
             <a:spLocks noGrp="1"/>
           </p:cNvSpPr>
@@ -2636,34 +5539,34 @@
         </p:nvSpPr>
         <p:spPr>
           <a:xfrm>
-            <a:off x="3124200" y="6416675"/>
-            <a:ext cx="2895600" cy="365125"/>
+            <a:off x="609599" y="6041363"/>
+            <a:ext cx="4622973" cy="365125"/>
           </a:xfrm>
           <a:prstGeom prst="rect">
             <a:avLst/>
           </a:prstGeom>
         </p:spPr>
         <p:txBody>
-          <a:bodyPr vert="horz" anchor="b"/>
+          <a:bodyPr vert="horz" lIns="91440" tIns="45720" rIns="91440" bIns="45720" rtlCol="0" anchor="ctr"/>
           <a:lstStyle>
-            <a:lvl1pPr algn="ctr" eaLnBrk="1" latinLnBrk="0" hangingPunct="1">
-              <a:defRPr kumimoji="0" sz="1200">
+            <a:lvl1pPr algn="l">
+              <a:defRPr sz="900">
                 <a:solidFill>
                   <a:schemeClr val="tx1">
-                    <a:shade val="50000"/>
+                    <a:tint val="75000"/>
                   </a:schemeClr>
                 </a:solidFill>
               </a:defRPr>
             </a:lvl1pPr>
           </a:lstStyle>
           <a:p>
-            <a:endParaRPr lang="en-US"/>
-          </a:p>
-        </p:txBody>
-      </p:sp>
-      <p:sp>
-        <p:nvSpPr>
-          <p:cNvPr id="23" name="Slide Number Placeholder 22"/>
+            <a:endParaRPr lang="en-US" dirty="0"/>
+          </a:p>
+        </p:txBody>
+      </p:sp>
+      <p:sp>
+        <p:nvSpPr>
+          <p:cNvPr id="6" name="Slide Number Placeholder 5"/>
           <p:cNvSpPr>
             <a:spLocks noGrp="1"/>
           </p:cNvSpPr>
@@ -2673,22 +5576,20 @@
         </p:nvSpPr>
         <p:spPr>
           <a:xfrm>
-            <a:off x="7924800" y="6416675"/>
-            <a:ext cx="762000" cy="365125"/>
+            <a:off x="6444676" y="6041363"/>
+            <a:ext cx="512638" cy="365125"/>
           </a:xfrm>
           <a:prstGeom prst="rect">
             <a:avLst/>
           </a:prstGeom>
         </p:spPr>
         <p:txBody>
-          <a:bodyPr vert="horz" lIns="0" rIns="0" anchor="b"/>
+          <a:bodyPr vert="horz" lIns="91440" tIns="45720" rIns="91440" bIns="45720" rtlCol="0" anchor="ctr"/>
           <a:lstStyle>
-            <a:lvl1pPr algn="r" eaLnBrk="1" latinLnBrk="0" hangingPunct="1">
-              <a:defRPr kumimoji="0" sz="1200">
-                <a:solidFill>
-                  <a:schemeClr val="tx1">
-                    <a:shade val="50000"/>
-                  </a:schemeClr>
+            <a:lvl1pPr algn="r">
+              <a:defRPr sz="900">
+                <a:solidFill>
+                  <a:schemeClr val="accent1"/>
                 </a:solidFill>
               </a:defRPr>
             </a:lvl1pPr>
@@ -2698,87 +5599,342 @@
               <a:rPr lang="en-US" smtClean="0"/>
               <a:t>‹#›</a:t>
             </a:fld>
-            <a:endParaRPr lang="en-US"/>
+            <a:endParaRPr lang="en-US" dirty="0"/>
           </a:p>
         </p:txBody>
       </p:sp>
     </p:spTree>
+    <p:extLst>
+      <p:ext uri="{BB962C8B-B14F-4D97-AF65-F5344CB8AC3E}">
+        <p14:creationId xmlns:p14="http://schemas.microsoft.com/office/powerpoint/2010/main" val="2789271022"/>
+      </p:ext>
+    </p:extLst>
   </p:cSld>
-  <p:clrMap bg1="dk1" tx1="lt1" bg2="dk2" tx2="lt2" accent1="accent1" accent2="accent2" accent3="accent3" accent4="accent4" accent5="accent5" accent6="accent6" hlink="hlink" folHlink="folHlink"/>
+  <p:clrMap bg1="lt1" tx1="dk1" bg2="lt2" tx2="dk2" accent1="accent1" accent2="accent2" accent3="accent3" accent4="accent4" accent5="accent5" accent6="accent6" hlink="hlink" folHlink="folHlink"/>
   <p:sldLayoutIdLst>
-    <p:sldLayoutId id="2147483661" r:id="rId1"/>
-    <p:sldLayoutId id="2147483662" r:id="rId2"/>
-    <p:sldLayoutId id="2147483663" r:id="rId3"/>
-    <p:sldLayoutId id="2147483664" r:id="rId4"/>
-    <p:sldLayoutId id="2147483665" r:id="rId5"/>
-    <p:sldLayoutId id="2147483666" r:id="rId6"/>
-    <p:sldLayoutId id="2147483667" r:id="rId7"/>
-    <p:sldLayoutId id="2147483668" r:id="rId8"/>
-    <p:sldLayoutId id="2147483669" r:id="rId9"/>
-    <p:sldLayoutId id="2147483670" r:id="rId10"/>
-    <p:sldLayoutId id="2147483671" r:id="rId11"/>
+    <p:sldLayoutId id="2147483902" r:id="rId1"/>
+    <p:sldLayoutId id="2147483903" r:id="rId2"/>
+    <p:sldLayoutId id="2147483904" r:id="rId3"/>
+    <p:sldLayoutId id="2147483905" r:id="rId4"/>
+    <p:sldLayoutId id="2147483906" r:id="rId5"/>
+    <p:sldLayoutId id="2147483907" r:id="rId6"/>
+    <p:sldLayoutId id="2147483908" r:id="rId7"/>
+    <p:sldLayoutId id="2147483909" r:id="rId8"/>
+    <p:sldLayoutId id="2147483910" r:id="rId9"/>
+    <p:sldLayoutId id="2147483911" r:id="rId10"/>
+    <p:sldLayoutId id="2147483912" r:id="rId11"/>
+    <p:sldLayoutId id="2147483913" r:id="rId12"/>
+    <p:sldLayoutId id="2147483914" r:id="rId13"/>
+    <p:sldLayoutId id="2147483915" r:id="rId14"/>
+    <p:sldLayoutId id="2147483916" r:id="rId15"/>
+    <p:sldLayoutId id="2147483917" r:id="rId16"/>
   </p:sldLayoutIdLst>
   <p:txStyles>
     <p:titleStyle>
-      <a:lvl1pPr algn="ctr" rtl="0" eaLnBrk="1" latinLnBrk="0" hangingPunct="1">
+      <a:lvl1pPr algn="l" defTabSz="457200" rtl="0" eaLnBrk="1" latinLnBrk="0" hangingPunct="1">
         <a:spcBef>
           <a:spcPct val="0"/>
         </a:spcBef>
         <a:buNone/>
-        <a:defRPr kumimoji="0" sz="4100" b="1" kern="1200" cap="none" baseline="0">
-          <a:ln w="6350">
-            <a:noFill/>
-          </a:ln>
-          <a:gradFill>
-            <a:gsLst>
-              <a:gs pos="0">
-                <a:schemeClr val="accent1">
-                  <a:tint val="73000"/>
-                  <a:satMod val="145000"/>
-                </a:schemeClr>
-              </a:gs>
-              <a:gs pos="73000">
-                <a:schemeClr val="accent1">
-                  <a:tint val="73000"/>
-                  <a:satMod val="145000"/>
-                </a:schemeClr>
-              </a:gs>
-              <a:gs pos="100000">
-                <a:schemeClr val="accent1">
-                  <a:tint val="83000"/>
-                  <a:satMod val="143000"/>
-                </a:schemeClr>
-              </a:gs>
-            </a:gsLst>
-            <a:lin ang="4800000" scaled="1"/>
-          </a:gradFill>
-          <a:effectLst>
-            <a:outerShdw blurRad="114300" dist="101600" dir="2700000" algn="tl" rotWithShape="0">
-              <a:srgbClr val="000000">
-                <a:alpha val="40000"/>
-              </a:srgbClr>
-            </a:outerShdw>
-          </a:effectLst>
+        <a:defRPr sz="3600" kern="1200">
+          <a:solidFill>
+            <a:schemeClr val="accent1"/>
+          </a:solidFill>
           <a:latin typeface="+mj-lt"/>
           <a:ea typeface="+mj-ea"/>
           <a:cs typeface="+mj-cs"/>
         </a:defRPr>
       </a:lvl1pPr>
+      <a:lvl2pPr eaLnBrk="1" hangingPunct="1">
+        <a:defRPr>
+          <a:solidFill>
+            <a:schemeClr val="tx2"/>
+          </a:solidFill>
+        </a:defRPr>
+      </a:lvl2pPr>
+      <a:lvl3pPr eaLnBrk="1" hangingPunct="1">
+        <a:defRPr>
+          <a:solidFill>
+            <a:schemeClr val="tx2"/>
+          </a:solidFill>
+        </a:defRPr>
+      </a:lvl3pPr>
+      <a:lvl4pPr eaLnBrk="1" hangingPunct="1">
+        <a:defRPr>
+          <a:solidFill>
+            <a:schemeClr val="tx2"/>
+          </a:solidFill>
+        </a:defRPr>
+      </a:lvl4pPr>
+      <a:lvl5pPr eaLnBrk="1" hangingPunct="1">
+        <a:defRPr>
+          <a:solidFill>
+            <a:schemeClr val="tx2"/>
+          </a:solidFill>
+        </a:defRPr>
+      </a:lvl5pPr>
+      <a:lvl6pPr eaLnBrk="1" hangingPunct="1">
+        <a:defRPr>
+          <a:solidFill>
+            <a:schemeClr val="tx2"/>
+          </a:solidFill>
+        </a:defRPr>
+      </a:lvl6pPr>
+      <a:lvl7pPr eaLnBrk="1" hangingPunct="1">
+        <a:defRPr>
+          <a:solidFill>
+            <a:schemeClr val="tx2"/>
+          </a:solidFill>
+        </a:defRPr>
+      </a:lvl7pPr>
+      <a:lvl8pPr eaLnBrk="1" hangingPunct="1">
+        <a:defRPr>
+          <a:solidFill>
+            <a:schemeClr val="tx2"/>
+          </a:solidFill>
+        </a:defRPr>
+      </a:lvl8pPr>
+      <a:lvl9pPr eaLnBrk="1" hangingPunct="1">
+        <a:defRPr>
+          <a:solidFill>
+            <a:schemeClr val="tx2"/>
+          </a:solidFill>
+        </a:defRPr>
+      </a:lvl9pPr>
     </p:titleStyle>
     <p:bodyStyle>
-      <a:lvl1pPr marL="548640" indent="-411480" algn="l" rtl="0" eaLnBrk="1" latinLnBrk="0" hangingPunct="1">
+      <a:lvl1pPr marL="342900" indent="-342900" algn="l" defTabSz="457200" rtl="0" eaLnBrk="1" latinLnBrk="0" hangingPunct="1">
         <a:spcBef>
-          <a:spcPct val="20000"/>
+          <a:spcPts val="1000"/>
         </a:spcBef>
+        <a:spcAft>
+          <a:spcPts val="0"/>
+        </a:spcAft>
         <a:buClr>
-          <a:schemeClr val="tx1">
-            <a:shade val="95000"/>
-          </a:schemeClr>
+          <a:schemeClr val="accent1"/>
         </a:buClr>
-        <a:buSzPct val="65000"/>
-        <a:buFont typeface="Wingdings 2"/>
-        <a:buChar char=""/>
-        <a:defRPr kumimoji="0" sz="2800" kern="1200">
+        <a:buSzPct val="80000"/>
+        <a:buFont typeface="Wingdings 3" charset="2"/>
+        <a:buChar char=""/>
+        <a:defRPr sz="1800" kern="1200">
+          <a:solidFill>
+            <a:schemeClr val="tx1">
+              <a:lumMod val="75000"/>
+              <a:lumOff val="25000"/>
+            </a:schemeClr>
+          </a:solidFill>
+          <a:latin typeface="+mn-lt"/>
+          <a:ea typeface="+mn-ea"/>
+          <a:cs typeface="+mn-cs"/>
+        </a:defRPr>
+      </a:lvl1pPr>
+      <a:lvl2pPr marL="742950" indent="-285750" algn="l" defTabSz="457200" rtl="0" eaLnBrk="1" latinLnBrk="0" hangingPunct="1">
+        <a:spcBef>
+          <a:spcPts val="1000"/>
+        </a:spcBef>
+        <a:spcAft>
+          <a:spcPts val="0"/>
+        </a:spcAft>
+        <a:buClr>
+          <a:schemeClr val="accent1"/>
+        </a:buClr>
+        <a:buSzPct val="80000"/>
+        <a:buFont typeface="Wingdings 3" charset="2"/>
+        <a:buChar char=""/>
+        <a:defRPr sz="1600" kern="1200">
+          <a:solidFill>
+            <a:schemeClr val="tx1">
+              <a:lumMod val="75000"/>
+              <a:lumOff val="25000"/>
+            </a:schemeClr>
+          </a:solidFill>
+          <a:latin typeface="+mn-lt"/>
+          <a:ea typeface="+mn-ea"/>
+          <a:cs typeface="+mn-cs"/>
+        </a:defRPr>
+      </a:lvl2pPr>
+      <a:lvl3pPr marL="1143000" indent="-228600" algn="l" defTabSz="457200" rtl="0" eaLnBrk="1" latinLnBrk="0" hangingPunct="1">
+        <a:spcBef>
+          <a:spcPts val="1000"/>
+        </a:spcBef>
+        <a:spcAft>
+          <a:spcPts val="0"/>
+        </a:spcAft>
+        <a:buClr>
+          <a:schemeClr val="accent1"/>
+        </a:buClr>
+        <a:buSzPct val="80000"/>
+        <a:buFont typeface="Wingdings 3" charset="2"/>
+        <a:buChar char=""/>
+        <a:defRPr sz="1400" kern="1200">
+          <a:solidFill>
+            <a:schemeClr val="tx1">
+              <a:lumMod val="75000"/>
+              <a:lumOff val="25000"/>
+            </a:schemeClr>
+          </a:solidFill>
+          <a:latin typeface="+mn-lt"/>
+          <a:ea typeface="+mn-ea"/>
+          <a:cs typeface="+mn-cs"/>
+        </a:defRPr>
+      </a:lvl3pPr>
+      <a:lvl4pPr marL="1600200" indent="-228600" algn="l" defTabSz="457200" rtl="0" eaLnBrk="1" latinLnBrk="0" hangingPunct="1">
+        <a:spcBef>
+          <a:spcPts val="1000"/>
+        </a:spcBef>
+        <a:spcAft>
+          <a:spcPts val="0"/>
+        </a:spcAft>
+        <a:buClr>
+          <a:schemeClr val="accent1"/>
+        </a:buClr>
+        <a:buSzPct val="80000"/>
+        <a:buFont typeface="Wingdings 3" charset="2"/>
+        <a:buChar char=""/>
+        <a:defRPr sz="1200" kern="1200">
+          <a:solidFill>
+            <a:schemeClr val="tx1">
+              <a:lumMod val="75000"/>
+              <a:lumOff val="25000"/>
+            </a:schemeClr>
+          </a:solidFill>
+          <a:latin typeface="+mn-lt"/>
+          <a:ea typeface="+mn-ea"/>
+          <a:cs typeface="+mn-cs"/>
+        </a:defRPr>
+      </a:lvl4pPr>
+      <a:lvl5pPr marL="2057400" indent="-228600" algn="l" defTabSz="457200" rtl="0" eaLnBrk="1" latinLnBrk="0" hangingPunct="1">
+        <a:spcBef>
+          <a:spcPts val="1000"/>
+        </a:spcBef>
+        <a:spcAft>
+          <a:spcPts val="0"/>
+        </a:spcAft>
+        <a:buClr>
+          <a:schemeClr val="accent1"/>
+        </a:buClr>
+        <a:buSzPct val="80000"/>
+        <a:buFont typeface="Wingdings 3" charset="2"/>
+        <a:buChar char=""/>
+        <a:defRPr sz="1200" kern="1200">
+          <a:solidFill>
+            <a:schemeClr val="tx1">
+              <a:lumMod val="75000"/>
+              <a:lumOff val="25000"/>
+            </a:schemeClr>
+          </a:solidFill>
+          <a:latin typeface="+mn-lt"/>
+          <a:ea typeface="+mn-ea"/>
+          <a:cs typeface="+mn-cs"/>
+        </a:defRPr>
+      </a:lvl5pPr>
+      <a:lvl6pPr marL="2514600" indent="-228600" algn="l" defTabSz="457200" rtl="0" eaLnBrk="1" latinLnBrk="0" hangingPunct="1">
+        <a:spcBef>
+          <a:spcPts val="1000"/>
+        </a:spcBef>
+        <a:spcAft>
+          <a:spcPts val="0"/>
+        </a:spcAft>
+        <a:buClr>
+          <a:schemeClr val="accent1"/>
+        </a:buClr>
+        <a:buSzPct val="80000"/>
+        <a:buFont typeface="Wingdings 3" charset="2"/>
+        <a:buChar char=""/>
+        <a:defRPr sz="1200" kern="1200">
+          <a:solidFill>
+            <a:schemeClr val="tx1">
+              <a:lumMod val="75000"/>
+              <a:lumOff val="25000"/>
+            </a:schemeClr>
+          </a:solidFill>
+          <a:latin typeface="+mn-lt"/>
+          <a:ea typeface="+mn-ea"/>
+          <a:cs typeface="+mn-cs"/>
+        </a:defRPr>
+      </a:lvl6pPr>
+      <a:lvl7pPr marL="2971800" indent="-228600" algn="l" defTabSz="457200" rtl="0" eaLnBrk="1" latinLnBrk="0" hangingPunct="1">
+        <a:spcBef>
+          <a:spcPts val="1000"/>
+        </a:spcBef>
+        <a:spcAft>
+          <a:spcPts val="0"/>
+        </a:spcAft>
+        <a:buClr>
+          <a:schemeClr val="accent1"/>
+        </a:buClr>
+        <a:buSzPct val="80000"/>
+        <a:buFont typeface="Wingdings 3" charset="2"/>
+        <a:buChar char=""/>
+        <a:defRPr sz="1200" kern="1200">
+          <a:solidFill>
+            <a:schemeClr val="tx1">
+              <a:lumMod val="75000"/>
+              <a:lumOff val="25000"/>
+            </a:schemeClr>
+          </a:solidFill>
+          <a:latin typeface="+mn-lt"/>
+          <a:ea typeface="+mn-ea"/>
+          <a:cs typeface="+mn-cs"/>
+        </a:defRPr>
+      </a:lvl7pPr>
+      <a:lvl8pPr marL="3429000" indent="-228600" algn="l" defTabSz="457200" rtl="0" eaLnBrk="1" latinLnBrk="0" hangingPunct="1">
+        <a:spcBef>
+          <a:spcPts val="1000"/>
+        </a:spcBef>
+        <a:spcAft>
+          <a:spcPts val="0"/>
+        </a:spcAft>
+        <a:buClr>
+          <a:schemeClr val="accent1"/>
+        </a:buClr>
+        <a:buSzPct val="80000"/>
+        <a:buFont typeface="Wingdings 3" charset="2"/>
+        <a:buChar char=""/>
+        <a:defRPr sz="1200" kern="1200">
+          <a:solidFill>
+            <a:schemeClr val="tx1">
+              <a:lumMod val="75000"/>
+              <a:lumOff val="25000"/>
+            </a:schemeClr>
+          </a:solidFill>
+          <a:latin typeface="+mn-lt"/>
+          <a:ea typeface="+mn-ea"/>
+          <a:cs typeface="+mn-cs"/>
+        </a:defRPr>
+      </a:lvl8pPr>
+      <a:lvl9pPr marL="3886200" indent="-228600" algn="l" defTabSz="457200" rtl="0" eaLnBrk="1" latinLnBrk="0" hangingPunct="1">
+        <a:spcBef>
+          <a:spcPts val="1000"/>
+        </a:spcBef>
+        <a:spcAft>
+          <a:spcPts val="0"/>
+        </a:spcAft>
+        <a:buClr>
+          <a:schemeClr val="accent1"/>
+        </a:buClr>
+        <a:buSzPct val="80000"/>
+        <a:buFont typeface="Wingdings 3" charset="2"/>
+        <a:buChar char=""/>
+        <a:defRPr sz="1200" kern="1200">
+          <a:solidFill>
+            <a:schemeClr val="tx1">
+              <a:lumMod val="75000"/>
+              <a:lumOff val="25000"/>
+            </a:schemeClr>
+          </a:solidFill>
+          <a:latin typeface="+mn-lt"/>
+          <a:ea typeface="+mn-ea"/>
+          <a:cs typeface="+mn-cs"/>
+        </a:defRPr>
+      </a:lvl9pPr>
+    </p:bodyStyle>
+    <p:otherStyle>
+      <a:defPPr>
+        <a:defRPr lang="en-US"/>
+      </a:defPPr>
+      <a:lvl1pPr marL="0" algn="l" defTabSz="457200" rtl="0" eaLnBrk="1" latinLnBrk="0" hangingPunct="1">
+        <a:defRPr sz="1800" kern="1200">
           <a:solidFill>
             <a:schemeClr val="tx1"/>
           </a:solidFill>
@@ -2787,17 +5943,8 @@
           <a:cs typeface="+mn-cs"/>
         </a:defRPr>
       </a:lvl1pPr>
-      <a:lvl2pPr marL="868680" indent="-283464" algn="l" rtl="0" eaLnBrk="1" latinLnBrk="0" hangingPunct="1">
-        <a:spcBef>
-          <a:spcPct val="20000"/>
-        </a:spcBef>
-        <a:buClr>
-          <a:schemeClr val="tx1"/>
-        </a:buClr>
-        <a:buSzPct val="80000"/>
-        <a:buFont typeface="Wingdings 2"/>
-        <a:buChar char=""/>
-        <a:defRPr kumimoji="0" sz="2400" kern="1200">
+      <a:lvl2pPr marL="457200" algn="l" defTabSz="457200" rtl="0" eaLnBrk="1" latinLnBrk="0" hangingPunct="1">
+        <a:defRPr sz="1800" kern="1200">
           <a:solidFill>
             <a:schemeClr val="tx1"/>
           </a:solidFill>
@@ -2806,17 +5953,8 @@
           <a:cs typeface="+mn-cs"/>
         </a:defRPr>
       </a:lvl2pPr>
-      <a:lvl3pPr marL="1133856" indent="-228600" algn="l" rtl="0" eaLnBrk="1" latinLnBrk="0" hangingPunct="1">
-        <a:spcBef>
-          <a:spcPct val="20000"/>
-        </a:spcBef>
-        <a:buClr>
-          <a:schemeClr val="tx1"/>
-        </a:buClr>
-        <a:buSzPct val="95000"/>
-        <a:buFont typeface="Wingdings"/>
-        <a:buChar char=""/>
-        <a:defRPr kumimoji="0" sz="2200" kern="1200">
+      <a:lvl3pPr marL="914400" algn="l" defTabSz="457200" rtl="0" eaLnBrk="1" latinLnBrk="0" hangingPunct="1">
+        <a:defRPr sz="1800" kern="1200">
           <a:solidFill>
             <a:schemeClr val="tx1"/>
           </a:solidFill>
@@ -2825,17 +5963,8 @@
           <a:cs typeface="+mn-cs"/>
         </a:defRPr>
       </a:lvl3pPr>
-      <a:lvl4pPr marL="1353312" indent="-182880" algn="l" rtl="0" eaLnBrk="1" latinLnBrk="0" hangingPunct="1">
-        <a:spcBef>
-          <a:spcPct val="20000"/>
-        </a:spcBef>
-        <a:buClr>
-          <a:schemeClr val="tx1"/>
-        </a:buClr>
-        <a:buSzPct val="100000"/>
-        <a:buFont typeface="Wingdings 3"/>
-        <a:buChar char=""/>
-        <a:defRPr kumimoji="0" sz="2000" kern="1200">
+      <a:lvl4pPr marL="1371600" algn="l" defTabSz="457200" rtl="0" eaLnBrk="1" latinLnBrk="0" hangingPunct="1">
+        <a:defRPr sz="1800" kern="1200">
           <a:solidFill>
             <a:schemeClr val="tx1"/>
           </a:solidFill>
@@ -2844,16 +5973,8 @@
           <a:cs typeface="+mn-cs"/>
         </a:defRPr>
       </a:lvl4pPr>
-      <a:lvl5pPr marL="1545336" indent="-182880" algn="l" rtl="0" eaLnBrk="1" latinLnBrk="0" hangingPunct="1">
-        <a:spcBef>
-          <a:spcPct val="20000"/>
-        </a:spcBef>
-        <a:buClr>
-          <a:schemeClr val="tx1"/>
-        </a:buClr>
-        <a:buFont typeface="Wingdings 2"/>
-        <a:buChar char=""/>
-        <a:defRPr kumimoji="0" sz="2000" kern="1200">
+      <a:lvl5pPr marL="1828800" algn="l" defTabSz="457200" rtl="0" eaLnBrk="1" latinLnBrk="0" hangingPunct="1">
+        <a:defRPr sz="1800" kern="1200">
           <a:solidFill>
             <a:schemeClr val="tx1"/>
           </a:solidFill>
@@ -2862,16 +5983,8 @@
           <a:cs typeface="+mn-cs"/>
         </a:defRPr>
       </a:lvl5pPr>
-      <a:lvl6pPr marL="1764792" indent="-182880" algn="l" rtl="0" eaLnBrk="1" latinLnBrk="0" hangingPunct="1">
-        <a:spcBef>
-          <a:spcPct val="20000"/>
-        </a:spcBef>
-        <a:buClr>
-          <a:schemeClr val="tx1"/>
-        </a:buClr>
-        <a:buFont typeface="Wingdings 3"/>
-        <a:buChar char=""/>
-        <a:defRPr kumimoji="0" sz="1800" kern="1200">
+      <a:lvl6pPr marL="2286000" algn="l" defTabSz="457200" rtl="0" eaLnBrk="1" latinLnBrk="0" hangingPunct="1">
+        <a:defRPr sz="1800" kern="1200">
           <a:solidFill>
             <a:schemeClr val="tx1"/>
           </a:solidFill>
@@ -2880,16 +5993,8 @@
           <a:cs typeface="+mn-cs"/>
         </a:defRPr>
       </a:lvl6pPr>
-      <a:lvl7pPr marL="1965960" indent="-182880" algn="l" rtl="0" eaLnBrk="1" latinLnBrk="0" hangingPunct="1">
-        <a:spcBef>
-          <a:spcPct val="20000"/>
-        </a:spcBef>
-        <a:buClr>
-          <a:schemeClr val="tx1"/>
-        </a:buClr>
-        <a:buFont typeface="Wingdings 2"/>
-        <a:buChar char=""/>
-        <a:defRPr kumimoji="0" sz="1600" kern="1200">
+      <a:lvl7pPr marL="2743200" algn="l" defTabSz="457200" rtl="0" eaLnBrk="1" latinLnBrk="0" hangingPunct="1">
+        <a:defRPr sz="1800" kern="1200">
           <a:solidFill>
             <a:schemeClr val="tx1"/>
           </a:solidFill>
@@ -2898,16 +6003,8 @@
           <a:cs typeface="+mn-cs"/>
         </a:defRPr>
       </a:lvl7pPr>
-      <a:lvl8pPr marL="2167128" indent="-182880" algn="l" rtl="0" eaLnBrk="1" latinLnBrk="0" hangingPunct="1">
-        <a:spcBef>
-          <a:spcPct val="20000"/>
-        </a:spcBef>
-        <a:buClr>
-          <a:schemeClr val="tx1"/>
-        </a:buClr>
-        <a:buFont typeface="Wingdings 2"/>
-        <a:buChar char=""/>
-        <a:defRPr kumimoji="0" sz="1400" kern="1200">
+      <a:lvl8pPr marL="3200400" algn="l" defTabSz="457200" rtl="0" eaLnBrk="1" latinLnBrk="0" hangingPunct="1">
+        <a:defRPr sz="1800" kern="1200">
           <a:solidFill>
             <a:schemeClr val="tx1"/>
           </a:solidFill>
@@ -2916,108 +6013,8 @@
           <a:cs typeface="+mn-cs"/>
         </a:defRPr>
       </a:lvl8pPr>
-      <a:lvl9pPr marL="2368296" indent="-182880" algn="l" rtl="0" eaLnBrk="1" latinLnBrk="0" hangingPunct="1">
-        <a:spcBef>
-          <a:spcPct val="20000"/>
-        </a:spcBef>
-        <a:buClr>
-          <a:schemeClr val="tx1"/>
-        </a:buClr>
-        <a:buFont typeface="Wingdings 2"/>
-        <a:buChar char=""/>
-        <a:defRPr kumimoji="0" sz="1400" kern="1200" baseline="0">
-          <a:solidFill>
-            <a:schemeClr val="tx1"/>
-          </a:solidFill>
-          <a:latin typeface="+mn-lt"/>
-          <a:ea typeface="+mn-ea"/>
-          <a:cs typeface="+mn-cs"/>
-        </a:defRPr>
-      </a:lvl9pPr>
-    </p:bodyStyle>
-    <p:otherStyle>
-      <a:lvl1pPr marL="0" algn="l" rtl="0" eaLnBrk="1" latinLnBrk="0" hangingPunct="1">
-        <a:defRPr kumimoji="0" kern="1200">
-          <a:solidFill>
-            <a:schemeClr val="tx1"/>
-          </a:solidFill>
-          <a:latin typeface="+mn-lt"/>
-          <a:ea typeface="+mn-ea"/>
-          <a:cs typeface="+mn-cs"/>
-        </a:defRPr>
-      </a:lvl1pPr>
-      <a:lvl2pPr marL="457200" algn="l" rtl="0" eaLnBrk="1" latinLnBrk="0" hangingPunct="1">
-        <a:defRPr kumimoji="0" kern="1200">
-          <a:solidFill>
-            <a:schemeClr val="tx1"/>
-          </a:solidFill>
-          <a:latin typeface="+mn-lt"/>
-          <a:ea typeface="+mn-ea"/>
-          <a:cs typeface="+mn-cs"/>
-        </a:defRPr>
-      </a:lvl2pPr>
-      <a:lvl3pPr marL="914400" algn="l" rtl="0" eaLnBrk="1" latinLnBrk="0" hangingPunct="1">
-        <a:defRPr kumimoji="0" kern="1200">
-          <a:solidFill>
-            <a:schemeClr val="tx1"/>
-          </a:solidFill>
-          <a:latin typeface="+mn-lt"/>
-          <a:ea typeface="+mn-ea"/>
-          <a:cs typeface="+mn-cs"/>
-        </a:defRPr>
-      </a:lvl3pPr>
-      <a:lvl4pPr marL="1371600" algn="l" rtl="0" eaLnBrk="1" latinLnBrk="0" hangingPunct="1">
-        <a:defRPr kumimoji="0" kern="1200">
-          <a:solidFill>
-            <a:schemeClr val="tx1"/>
-          </a:solidFill>
-          <a:latin typeface="+mn-lt"/>
-          <a:ea typeface="+mn-ea"/>
-          <a:cs typeface="+mn-cs"/>
-        </a:defRPr>
-      </a:lvl4pPr>
-      <a:lvl5pPr marL="1828800" algn="l" rtl="0" eaLnBrk="1" latinLnBrk="0" hangingPunct="1">
-        <a:defRPr kumimoji="0" kern="1200">
-          <a:solidFill>
-            <a:schemeClr val="tx1"/>
-          </a:solidFill>
-          <a:latin typeface="+mn-lt"/>
-          <a:ea typeface="+mn-ea"/>
-          <a:cs typeface="+mn-cs"/>
-        </a:defRPr>
-      </a:lvl5pPr>
-      <a:lvl6pPr marL="2286000" algn="l" rtl="0" eaLnBrk="1" latinLnBrk="0" hangingPunct="1">
-        <a:defRPr kumimoji="0" kern="1200">
-          <a:solidFill>
-            <a:schemeClr val="tx1"/>
-          </a:solidFill>
-          <a:latin typeface="+mn-lt"/>
-          <a:ea typeface="+mn-ea"/>
-          <a:cs typeface="+mn-cs"/>
-        </a:defRPr>
-      </a:lvl6pPr>
-      <a:lvl7pPr marL="2743200" algn="l" rtl="0" eaLnBrk="1" latinLnBrk="0" hangingPunct="1">
-        <a:defRPr kumimoji="0" kern="1200">
-          <a:solidFill>
-            <a:schemeClr val="tx1"/>
-          </a:solidFill>
-          <a:latin typeface="+mn-lt"/>
-          <a:ea typeface="+mn-ea"/>
-          <a:cs typeface="+mn-cs"/>
-        </a:defRPr>
-      </a:lvl7pPr>
-      <a:lvl8pPr marL="3200400" algn="l" rtl="0" eaLnBrk="1" latinLnBrk="0" hangingPunct="1">
-        <a:defRPr kumimoji="0" kern="1200">
-          <a:solidFill>
-            <a:schemeClr val="tx1"/>
-          </a:solidFill>
-          <a:latin typeface="+mn-lt"/>
-          <a:ea typeface="+mn-ea"/>
-          <a:cs typeface="+mn-cs"/>
-        </a:defRPr>
-      </a:lvl8pPr>
-      <a:lvl9pPr marL="3657600" algn="l" rtl="0" eaLnBrk="1" latinLnBrk="0" hangingPunct="1">
-        <a:defRPr kumimoji="0" kern="1200">
+      <a:lvl9pPr marL="3657600" algn="l" defTabSz="457200" rtl="0" eaLnBrk="1" latinLnBrk="0" hangingPunct="1">
+        <a:defRPr sz="1800" kern="1200">
           <a:solidFill>
             <a:schemeClr val="tx1"/>
           </a:solidFill>
@@ -3091,7 +6088,7 @@
         </p:nvSpPr>
         <p:spPr>
           <a:xfrm>
-            <a:off x="5791200" y="4343400"/>
+            <a:off x="3299714" y="4343400"/>
             <a:ext cx="3657600" cy="1752600"/>
           </a:xfrm>
         </p:spPr>
@@ -3410,7 +6407,7 @@
               <a:t>  Spring Security began in late 2003 as “The </a:t>
             </a:r>
             <a:r>
-              <a:rPr lang="en-US" sz="2400" dirty="0" err="1" smtClean="0">
+              <a:rPr lang="en-US" sz="2400" dirty="0" smtClean="0">
                 <a:solidFill>
                   <a:srgbClr val="740298"/>
                 </a:solidFill>
@@ -3476,7 +6473,7 @@
               <a:t> </a:t>
             </a:r>
             <a:r>
-              <a:rPr lang="en-US" sz="2400" dirty="0" err="1" smtClean="0">
+              <a:rPr lang="en-US" sz="2400" dirty="0" smtClean="0">
                 <a:solidFill>
                   <a:srgbClr val="740298"/>
                 </a:solidFill>
@@ -3659,7 +6656,7 @@
               <a:t> </a:t>
             </a:r>
             <a:r>
-              <a:rPr lang="en-US" sz="2400" dirty="0" err="1" smtClean="0">
+              <a:rPr lang="en-US" sz="2400" dirty="0" smtClean="0">
                 <a:solidFill>
                   <a:srgbClr val="740298"/>
                 </a:solidFill>
@@ -3767,7 +6764,7 @@
               <a:t> </a:t>
             </a:r>
             <a:r>
-              <a:rPr lang="en-US" sz="2400" dirty="0" err="1" smtClean="0">
+              <a:rPr lang="en-US" sz="2400" dirty="0" smtClean="0">
                 <a:solidFill>
                   <a:srgbClr val="740298"/>
                 </a:solidFill>
@@ -3957,6 +6954,9 @@
           <a:prstGeom prst="rect">
             <a:avLst/>
           </a:prstGeom>
+          <a:solidFill>
+            <a:srgbClr val="0070C0"/>
+          </a:solidFill>
         </p:spPr>
         <p:style>
           <a:lnRef idx="2">
@@ -4001,6 +7001,9 @@
           <a:prstGeom prst="rect">
             <a:avLst/>
           </a:prstGeom>
+          <a:solidFill>
+            <a:srgbClr val="740298"/>
+          </a:solidFill>
         </p:spPr>
         <p:style>
           <a:lnRef idx="2">
@@ -4178,6 +7181,13 @@
   <p:clrMapOvr>
     <a:masterClrMapping/>
   </p:clrMapOvr>
+  <p:timing>
+    <p:tnLst>
+      <p:par>
+        <p:cTn id="1" dur="indefinite" restart="never" nodeType="tmRoot"/>
+      </p:par>
+    </p:tnLst>
+  </p:timing>
 </p:sld>
 </file>
 
@@ -4212,6 +7222,9 @@
           <a:prstGeom prst="rect">
             <a:avLst/>
           </a:prstGeom>
+          <a:solidFill>
+            <a:srgbClr val="0070C0"/>
+          </a:solidFill>
         </p:spPr>
         <p:style>
           <a:lnRef idx="2">
@@ -4256,6 +7269,9 @@
           <a:prstGeom prst="rect">
             <a:avLst/>
           </a:prstGeom>
+          <a:solidFill>
+            <a:srgbClr val="740298"/>
+          </a:solidFill>
         </p:spPr>
         <p:style>
           <a:lnRef idx="2">
@@ -4442,6 +7458,9 @@
           <a:prstGeom prst="rect">
             <a:avLst/>
           </a:prstGeom>
+          <a:solidFill>
+            <a:srgbClr val="FF0000"/>
+          </a:solidFill>
         </p:spPr>
         <p:style>
           <a:lnRef idx="2">
@@ -4512,13 +7531,20 @@
   <p:clrMapOvr>
     <a:masterClrMapping/>
   </p:clrMapOvr>
+  <p:timing>
+    <p:tnLst>
+      <p:par>
+        <p:cTn id="1" dur="indefinite" restart="never" nodeType="tmRoot"/>
+      </p:par>
+    </p:tnLst>
+  </p:timing>
 </p:sld>
 </file>
 
 <file path=ppt/theme/theme1.xml><?xml version="1.0" encoding="utf-8"?>
-<a:theme xmlns:a="http://schemas.openxmlformats.org/drawingml/2006/main" name="Apex">
+<a:theme xmlns:a="http://schemas.openxmlformats.org/drawingml/2006/main" name="Facet">
   <a:themeElements>
-    <a:clrScheme name="Apex">
+    <a:clrScheme name="Facet">
       <a:dk1>
         <a:sysClr val="windowText" lastClr="000000"/>
       </a:dk1>
@@ -4526,50 +7552,48 @@
         <a:sysClr val="window" lastClr="FFFFFF"/>
       </a:lt1>
       <a:dk2>
-        <a:srgbClr val="69676D"/>
+        <a:srgbClr val="2C3C43"/>
       </a:dk2>
       <a:lt2>
-        <a:srgbClr val="C9C2D1"/>
+        <a:srgbClr val="EBEBEB"/>
       </a:lt2>
       <a:accent1>
-        <a:srgbClr val="CEB966"/>
+        <a:srgbClr val="90C226"/>
       </a:accent1>
       <a:accent2>
-        <a:srgbClr val="9CB084"/>
+        <a:srgbClr val="54A021"/>
       </a:accent2>
       <a:accent3>
-        <a:srgbClr val="6BB1C9"/>
+        <a:srgbClr val="E6B91E"/>
       </a:accent3>
       <a:accent4>
-        <a:srgbClr val="6585CF"/>
+        <a:srgbClr val="E76618"/>
       </a:accent4>
       <a:accent5>
-        <a:srgbClr val="7E6BC9"/>
+        <a:srgbClr val="C42F1A"/>
       </a:accent5>
       <a:accent6>
-        <a:srgbClr val="A379BB"/>
+        <a:srgbClr val="918655"/>
       </a:accent6>
       <a:hlink>
-        <a:srgbClr val="410082"/>
+        <a:srgbClr val="99CA3C"/>
       </a:hlink>
       <a:folHlink>
-        <a:srgbClr val="932968"/>
+        <a:srgbClr val="B9D181"/>
       </a:folHlink>
     </a:clrScheme>
-    <a:fontScheme name="Apex">
+    <a:fontScheme name="Facet">
       <a:majorFont>
-        <a:latin typeface="Lucida Sans"/>
+        <a:latin typeface="Trebuchet MS" panose="020B0603020202020204"/>
         <a:ea typeface=""/>
         <a:cs typeface=""/>
-        <a:font script="Grek" typeface="Arial"/>
-        <a:font script="Cyrl" typeface="Arial"/>
-        <a:font script="Jpan" typeface="HG丸ｺﾞｼｯｸM-PRO"/>
-        <a:font script="Hang" typeface="휴먼옛체"/>
-        <a:font script="Hans" typeface="黑体"/>
+        <a:font script="Jpan" typeface="メイリオ"/>
+        <a:font script="Hang" typeface="맑은 고딕"/>
+        <a:font script="Hans" typeface="方正姚体"/>
         <a:font script="Hant" typeface="微軟正黑體"/>
         <a:font script="Arab" typeface="Tahoma"/>
-        <a:font script="Hebr" typeface="Levenim MT"/>
-        <a:font script="Thai" typeface="FreesiaUPC"/>
+        <a:font script="Hebr" typeface="Arial"/>
+        <a:font script="Thai" typeface="Cordia New"/>
         <a:font script="Ethi" typeface="Nyala"/>
         <a:font script="Beng" typeface="Vrinda"/>
         <a:font script="Gujr" typeface="Shruti"/>
@@ -4592,24 +7616,23 @@
         <a:font script="Mong" typeface="Mongolian Baiti"/>
         <a:font script="Viet" typeface="Tahoma"/>
         <a:font script="Uigh" typeface="Microsoft Uighur"/>
+        <a:font script="Geor" typeface="Sylfaen"/>
       </a:majorFont>
       <a:minorFont>
-        <a:latin typeface="Book Antiqua"/>
+        <a:latin typeface="Trebuchet MS" panose="020B0603020202020204"/>
         <a:ea typeface=""/>
         <a:cs typeface=""/>
-        <a:font script="Grek" typeface="Times New Roman"/>
-        <a:font script="Cyrl" typeface="Times New Roman"/>
-        <a:font script="Jpan" typeface="HG明朝B"/>
-        <a:font script="Hang" typeface="돋움"/>
-        <a:font script="Hans" typeface="宋体"/>
-        <a:font script="Hant" typeface="新細明體"/>
-        <a:font script="Arab" typeface="Times New Roman"/>
-        <a:font script="Hebr" typeface="David"/>
-        <a:font script="Thai" typeface="EucrosiaUPC"/>
+        <a:font script="Jpan" typeface="メイリオ"/>
+        <a:font script="Hang" typeface="HY그래픽M"/>
+        <a:font script="Hans" typeface="华文新魏"/>
+        <a:font script="Hant" typeface="微軟正黑體"/>
+        <a:font script="Arab" typeface="Tahoma"/>
+        <a:font script="Hebr" typeface="Gisha"/>
+        <a:font script="Thai" typeface="IrisUPC"/>
         <a:font script="Ethi" typeface="Nyala"/>
         <a:font script="Beng" typeface="Vrinda"/>
         <a:font script="Gujr" typeface="Shruti"/>
-        <a:font script="Khmr" typeface="MoolBoran"/>
+        <a:font script="Khmr" typeface="DaunPenh"/>
         <a:font script="Knda" typeface="Tunga"/>
         <a:font script="Guru" typeface="Raavi"/>
         <a:font script="Cans" typeface="Euphemia"/>
@@ -4626,88 +7649,64 @@
         <a:font script="Laoo" typeface="DokChampa"/>
         <a:font script="Sinh" typeface="Iskoola Pota"/>
         <a:font script="Mong" typeface="Mongolian Baiti"/>
-        <a:font script="Viet" typeface="Times New Roman"/>
+        <a:font script="Viet" typeface="Arial"/>
         <a:font script="Uigh" typeface="Microsoft Uighur"/>
+        <a:font script="Geor" typeface="Sylfaen"/>
       </a:minorFont>
     </a:fontScheme>
-    <a:fmtScheme name="Apex">
+    <a:fmtScheme name="Facet">
       <a:fillStyleLst>
         <a:solidFill>
           <a:schemeClr val="phClr"/>
         </a:solidFill>
         <a:gradFill rotWithShape="1">
           <a:gsLst>
-            <a:gs pos="20000">
+            <a:gs pos="0">
               <a:schemeClr val="phClr">
-                <a:tint val="9000"/>
+                <a:tint val="65000"/>
+                <a:lumMod val="110000"/>
               </a:schemeClr>
             </a:gs>
-            <a:gs pos="100000">
+            <a:gs pos="88000">
               <a:schemeClr val="phClr">
-                <a:tint val="70000"/>
-                <a:satMod val="100000"/>
+                <a:tint val="90000"/>
               </a:schemeClr>
             </a:gs>
           </a:gsLst>
-          <a:path path="circle">
-            <a:fillToRect l="-15000" t="-15000" r="115000" b="115000"/>
-          </a:path>
+          <a:lin ang="5400000" scaled="0"/>
         </a:gradFill>
         <a:gradFill rotWithShape="1">
           <a:gsLst>
             <a:gs pos="0">
               <a:schemeClr val="phClr">
-                <a:shade val="60000"/>
+                <a:tint val="96000"/>
+                <a:lumMod val="100000"/>
               </a:schemeClr>
             </a:gs>
-            <a:gs pos="33000">
+            <a:gs pos="78000">
               <a:schemeClr val="phClr">
-                <a:tint val="86500"/>
-              </a:schemeClr>
-            </a:gs>
-            <a:gs pos="46750">
-              <a:schemeClr val="phClr">
-                <a:tint val="71000"/>
-                <a:satMod val="112000"/>
-              </a:schemeClr>
-            </a:gs>
-            <a:gs pos="53000">
-              <a:schemeClr val="phClr">
-                <a:tint val="71000"/>
-                <a:satMod val="112000"/>
-              </a:schemeClr>
-            </a:gs>
-            <a:gs pos="68000">
-              <a:schemeClr val="phClr">
-                <a:tint val="86000"/>
-              </a:schemeClr>
-            </a:gs>
-            <a:gs pos="100000">
-              <a:schemeClr val="phClr">
-                <a:shade val="60000"/>
+                <a:shade val="94000"/>
+                <a:lumMod val="94000"/>
               </a:schemeClr>
             </a:gs>
           </a:gsLst>
-          <a:lin ang="8350000" scaled="1"/>
+          <a:lin ang="5400000" scaled="0"/>
         </a:gradFill>
       </a:fillStyleLst>
       <a:lnStyleLst>
-        <a:ln w="9525" cap="flat" cmpd="sng" algn="ctr">
-          <a:solidFill>
-            <a:schemeClr val="phClr">
-              <a:shade val="48000"/>
-              <a:satMod val="110000"/>
-            </a:schemeClr>
-          </a:solidFill>
-          <a:prstDash val="solid"/>
-        </a:ln>
-        <a:ln w="25400" cap="flat" cmpd="sng" algn="ctr">
+        <a:ln w="12700" cap="rnd" cmpd="sng" algn="ctr">
           <a:solidFill>
             <a:schemeClr val="phClr"/>
           </a:solidFill>
           <a:prstDash val="solid"/>
         </a:ln>
-        <a:ln w="38100" cap="flat" cmpd="sng" algn="ctr">
+        <a:ln w="19050" cap="rnd" cmpd="sng" algn="ctr">
+          <a:solidFill>
+            <a:schemeClr val="phClr"/>
+          </a:solidFill>
+          <a:prstDash val="solid"/>
+        </a:ln>
+        <a:ln w="25400" cap="rnd" cmpd="sng" algn="ctr">
           <a:solidFill>
             <a:schemeClr val="phClr"/>
           </a:solidFill>
@@ -4716,8 +7715,11 @@
       </a:lnStyleLst>
       <a:effectStyleLst>
         <a:effectStyle>
+          <a:effectLst/>
+        </a:effectStyle>
+        <a:effectStyle>
           <a:effectLst>
-            <a:outerShdw blurRad="130000" dist="101600" dir="2700000" algn="tl" rotWithShape="0">
+            <a:outerShdw blurRad="38100" dist="25400" dir="5400000" rotWithShape="0">
               <a:srgbClr val="000000">
                 <a:alpha val="35000"/>
               </a:srgbClr>
@@ -4726,31 +7728,20 @@
         </a:effectStyle>
         <a:effectStyle>
           <a:effectLst>
-            <a:outerShdw blurRad="190500" dist="228600" dir="2700000" sy="90000" rotWithShape="0">
+            <a:outerShdw blurRad="50800" dist="38100" dir="5400000" rotWithShape="0">
               <a:srgbClr val="000000">
-                <a:alpha val="25500"/>
-              </a:srgbClr>
-            </a:outerShdw>
-          </a:effectLst>
-        </a:effectStyle>
-        <a:effectStyle>
-          <a:effectLst>
-            <a:outerShdw blurRad="190500" dist="228600" dir="2700000" sy="90000" rotWithShape="0">
-              <a:srgbClr val="000000">
-                <a:alpha val="25500"/>
+                <a:alpha val="35000"/>
               </a:srgbClr>
             </a:outerShdw>
           </a:effectLst>
           <a:scene3d>
-            <a:camera prst="orthographicFront" fov="0">
+            <a:camera prst="orthographicFront">
               <a:rot lat="0" lon="0" rev="0"/>
             </a:camera>
-            <a:lightRig rig="soft" dir="tl">
-              <a:rot lat="0" lon="0" rev="20100000"/>
-            </a:lightRig>
+            <a:lightRig rig="threePt" dir="tl"/>
           </a:scene3d>
-          <a:sp3d>
-            <a:bevelT w="50800" h="50800"/>
+          <a:sp3d prstMaterial="plastic">
+            <a:bevelT w="0" h="0"/>
           </a:sp3d>
         </a:effectStyle>
       </a:effectStyleLst>
@@ -4762,42 +7753,47 @@
           <a:gsLst>
             <a:gs pos="0">
               <a:schemeClr val="phClr">
-                <a:tint val="50000"/>
-                <a:satMod val="180000"/>
+                <a:tint val="90000"/>
+                <a:lumMod val="104000"/>
+              </a:schemeClr>
+            </a:gs>
+            <a:gs pos="94000">
+              <a:schemeClr val="phClr">
+                <a:shade val="96000"/>
+                <a:lumMod val="82000"/>
+              </a:schemeClr>
+            </a:gs>
+          </a:gsLst>
+          <a:lin ang="5400000" scaled="0"/>
+        </a:gradFill>
+        <a:gradFill rotWithShape="1">
+          <a:gsLst>
+            <a:gs pos="0">
+              <a:schemeClr val="phClr">
+                <a:tint val="90000"/>
+                <a:lumMod val="110000"/>
               </a:schemeClr>
             </a:gs>
             <a:gs pos="100000">
               <a:schemeClr val="phClr">
-                <a:shade val="45000"/>
-                <a:satMod val="120000"/>
+                <a:shade val="94000"/>
+                <a:lumMod val="96000"/>
               </a:schemeClr>
             </a:gs>
           </a:gsLst>
           <a:path path="circle">
-            <a:fillToRect r="100000" b="100000"/>
+            <a:fillToRect l="50000" t="50000" r="100000" b="100000"/>
           </a:path>
         </a:gradFill>
-        <a:blipFill>
-          <a:blip xmlns:r="http://schemas.openxmlformats.org/officeDocument/2006/relationships" r:embed="rId1">
-            <a:duotone>
-              <a:schemeClr val="phClr">
-                <a:shade val="3000"/>
-                <a:satMod val="110000"/>
-              </a:schemeClr>
-              <a:schemeClr val="phClr">
-                <a:tint val="60000"/>
-                <a:satMod val="425000"/>
-              </a:schemeClr>
-            </a:duotone>
-          </a:blip>
-          <a:stretch>
-            <a:fillRect/>
-          </a:stretch>
-        </a:blipFill>
       </a:bgFillStyleLst>
     </a:fmtScheme>
   </a:themeElements>
   <a:objectDefaults/>
   <a:extraClrSchemeLst/>
+  <a:extLst>
+    <a:ext uri="{05A4C25C-085E-4340-85A3-A5531E510DB2}">
+      <thm15:themeFamily xmlns:thm15="http://schemas.microsoft.com/office/thememl/2012/main" name="Facet" id="{C0C680CD-088A-49FC-A102-D699147F32B2}" vid="{CFBC31BA-B70F-4F30-BCAA-4F3011E16C4D}"/>
+    </a:ext>
+  </a:extLst>
 </a:theme>
 </file>